--- a/PPTs/Programming in C#.pptx
+++ b/PPTs/Programming in C#.pptx
@@ -22,6 +22,9 @@
     <p:sldId id="270" r:id="rId16"/>
     <p:sldId id="271" r:id="rId17"/>
     <p:sldId id="272" r:id="rId18"/>
+    <p:sldId id="273" r:id="rId19"/>
+    <p:sldId id="274" r:id="rId20"/>
+    <p:sldId id="275" r:id="rId21"/>
   </p:sldIdLst>
   <p:sldSz cx="12192000" cy="6858000"/>
   <p:notesSz cx="6858000" cy="9144000"/>
@@ -120,6 +123,11 @@
       </a:defRPr>
     </a:lvl9pPr>
   </p:defaultTextStyle>
+  <p:extLst>
+    <p:ext uri="{EFAFB233-063F-42B5-8137-9DF3F51BA10A}">
+      <p15:sldGuideLst xmlns:p15="http://schemas.microsoft.com/office/powerpoint/2012/main"/>
+    </p:ext>
+  </p:extLst>
 </p:presentation>
 </file>
 
@@ -585,7 +593,7 @@
           <a:p>
             <a:fld id="{3BAF6DA2-D763-407B-B44A-1AAD4DA45E00}" type="datetimeFigureOut">
               <a:rPr lang="en-IN" smtClean="0"/>
-              <a:t>18-05-2021</a:t>
+              <a:t>20-05-2021</a:t>
             </a:fld>
             <a:endParaRPr lang="en-IN"/>
           </a:p>
@@ -787,7 +795,7 @@
           <a:p>
             <a:fld id="{3BAF6DA2-D763-407B-B44A-1AAD4DA45E00}" type="datetimeFigureOut">
               <a:rPr lang="en-IN" smtClean="0"/>
-              <a:t>18-05-2021</a:t>
+              <a:t>20-05-2021</a:t>
             </a:fld>
             <a:endParaRPr lang="en-IN"/>
           </a:p>
@@ -967,7 +975,7 @@
           <a:p>
             <a:fld id="{3BAF6DA2-D763-407B-B44A-1AAD4DA45E00}" type="datetimeFigureOut">
               <a:rPr lang="en-IN" smtClean="0"/>
-              <a:t>18-05-2021</a:t>
+              <a:t>20-05-2021</a:t>
             </a:fld>
             <a:endParaRPr lang="en-IN"/>
           </a:p>
@@ -1137,7 +1145,7 @@
           <a:p>
             <a:fld id="{3BAF6DA2-D763-407B-B44A-1AAD4DA45E00}" type="datetimeFigureOut">
               <a:rPr lang="en-IN" smtClean="0"/>
-              <a:t>18-05-2021</a:t>
+              <a:t>20-05-2021</a:t>
             </a:fld>
             <a:endParaRPr lang="en-IN"/>
           </a:p>
@@ -1708,7 +1716,7 @@
           <a:p>
             <a:fld id="{3BAF6DA2-D763-407B-B44A-1AAD4DA45E00}" type="datetimeFigureOut">
               <a:rPr lang="en-IN" smtClean="0"/>
-              <a:t>18-05-2021</a:t>
+              <a:t>20-05-2021</a:t>
             </a:fld>
             <a:endParaRPr lang="en-IN"/>
           </a:p>
@@ -2010,7 +2018,7 @@
           <a:p>
             <a:fld id="{3BAF6DA2-D763-407B-B44A-1AAD4DA45E00}" type="datetimeFigureOut">
               <a:rPr lang="en-IN" smtClean="0"/>
-              <a:t>18-05-2021</a:t>
+              <a:t>20-05-2021</a:t>
             </a:fld>
             <a:endParaRPr lang="en-IN"/>
           </a:p>
@@ -2447,7 +2455,7 @@
           <a:p>
             <a:fld id="{3BAF6DA2-D763-407B-B44A-1AAD4DA45E00}" type="datetimeFigureOut">
               <a:rPr lang="en-IN" smtClean="0"/>
-              <a:t>18-05-2021</a:t>
+              <a:t>20-05-2021</a:t>
             </a:fld>
             <a:endParaRPr lang="en-IN"/>
           </a:p>
@@ -2565,7 +2573,7 @@
           <a:p>
             <a:fld id="{3BAF6DA2-D763-407B-B44A-1AAD4DA45E00}" type="datetimeFigureOut">
               <a:rPr lang="en-IN" smtClean="0"/>
-              <a:t>18-05-2021</a:t>
+              <a:t>20-05-2021</a:t>
             </a:fld>
             <a:endParaRPr lang="en-IN"/>
           </a:p>
@@ -2660,7 +2668,7 @@
           <a:p>
             <a:fld id="{3BAF6DA2-D763-407B-B44A-1AAD4DA45E00}" type="datetimeFigureOut">
               <a:rPr lang="en-IN" smtClean="0"/>
-              <a:t>18-05-2021</a:t>
+              <a:t>20-05-2021</a:t>
             </a:fld>
             <a:endParaRPr lang="en-IN"/>
           </a:p>
@@ -3042,7 +3050,7 @@
           <a:p>
             <a:fld id="{3BAF6DA2-D763-407B-B44A-1AAD4DA45E00}" type="datetimeFigureOut">
               <a:rPr lang="en-IN" smtClean="0"/>
-              <a:t>18-05-2021</a:t>
+              <a:t>20-05-2021</a:t>
             </a:fld>
             <a:endParaRPr lang="en-IN"/>
           </a:p>
@@ -3436,7 +3444,7 @@
           <a:p>
             <a:fld id="{3BAF6DA2-D763-407B-B44A-1AAD4DA45E00}" type="datetimeFigureOut">
               <a:rPr lang="en-IN" smtClean="0"/>
-              <a:t>18-05-2021</a:t>
+              <a:t>20-05-2021</a:t>
             </a:fld>
             <a:endParaRPr lang="en-IN"/>
           </a:p>
@@ -3749,7 +3757,7 @@
           <a:p>
             <a:fld id="{3BAF6DA2-D763-407B-B44A-1AAD4DA45E00}" type="datetimeFigureOut">
               <a:rPr lang="en-IN" smtClean="0"/>
-              <a:t>18-05-2021</a:t>
+              <a:t>20-05-2021</a:t>
             </a:fld>
             <a:endParaRPr lang="en-IN"/>
           </a:p>
@@ -6499,15 +6507,24 @@
           <a:p>
             <a:pPr lvl="1"/>
             <a:r>
-              <a:rPr lang="en-US" sz="1700" b="0" i="0" dirty="0">
+              <a:rPr lang="en-US" sz="1700" dirty="0">
                 <a:solidFill>
                   <a:srgbClr val="000000"/>
                 </a:solidFill>
-                <a:effectLst/>
-                <a:latin typeface="Times New Roman" panose="02020603050405020304" pitchFamily="18" charset="0"/>
-                <a:cs typeface="Times New Roman" panose="02020603050405020304" pitchFamily="18" charset="0"/>
-              </a:rPr>
-              <a:t>Dictionary</a:t>
+                <a:latin typeface="Times New Roman" panose="02020603050405020304" pitchFamily="18" charset="0"/>
+                <a:cs typeface="Times New Roman" panose="02020603050405020304" pitchFamily="18" charset="0"/>
+              </a:rPr>
+              <a:t>Values	: </a:t>
+            </a:r>
+            <a:r>
+              <a:rPr lang="en-US" sz="1700" dirty="0" err="1">
+                <a:solidFill>
+                  <a:srgbClr val="000000"/>
+                </a:solidFill>
+                <a:latin typeface="Times New Roman" panose="02020603050405020304" pitchFamily="18" charset="0"/>
+                <a:cs typeface="Times New Roman" panose="02020603050405020304" pitchFamily="18" charset="0"/>
+              </a:rPr>
+              <a:t>d.Values</a:t>
             </a:r>
             <a:r>
               <a:rPr lang="en-US" sz="1700" dirty="0">
@@ -6517,21 +6534,30 @@
                 <a:latin typeface="Times New Roman" panose="02020603050405020304" pitchFamily="18" charset="0"/>
                 <a:cs typeface="Times New Roman" panose="02020603050405020304" pitchFamily="18" charset="0"/>
               </a:rPr>
-              <a:t>&lt;&gt;.ValueCollection		//Returns the collection of values.</a:t>
+              <a:t>			//Returns the collection of values.</a:t>
             </a:r>
           </a:p>
           <a:p>
             <a:pPr lvl="1"/>
             <a:r>
-              <a:rPr lang="en-US" sz="1700" b="0" i="0" dirty="0">
+              <a:rPr lang="en-US" sz="1700" dirty="0">
                 <a:solidFill>
                   <a:srgbClr val="000000"/>
                 </a:solidFill>
-                <a:effectLst/>
-                <a:latin typeface="Times New Roman" panose="02020603050405020304" pitchFamily="18" charset="0"/>
-                <a:cs typeface="Times New Roman" panose="02020603050405020304" pitchFamily="18" charset="0"/>
-              </a:rPr>
-              <a:t>Dictionary</a:t>
+                <a:latin typeface="Times New Roman" panose="02020603050405020304" pitchFamily="18" charset="0"/>
+                <a:cs typeface="Times New Roman" panose="02020603050405020304" pitchFamily="18" charset="0"/>
+              </a:rPr>
+              <a:t>Keys		: </a:t>
+            </a:r>
+            <a:r>
+              <a:rPr lang="en-US" sz="1700" dirty="0" err="1">
+                <a:solidFill>
+                  <a:srgbClr val="000000"/>
+                </a:solidFill>
+                <a:latin typeface="Times New Roman" panose="02020603050405020304" pitchFamily="18" charset="0"/>
+                <a:cs typeface="Times New Roman" panose="02020603050405020304" pitchFamily="18" charset="0"/>
+              </a:rPr>
+              <a:t>d.Keys</a:t>
             </a:r>
             <a:r>
               <a:rPr lang="en-US" sz="1700" dirty="0">
@@ -6541,7 +6567,7 @@
                 <a:latin typeface="Times New Roman" panose="02020603050405020304" pitchFamily="18" charset="0"/>
                 <a:cs typeface="Times New Roman" panose="02020603050405020304" pitchFamily="18" charset="0"/>
               </a:rPr>
-              <a:t>&lt;&gt;.KeyCollection		//Returns the collection of keys.</a:t>
+              <a:t>			//Returns the collection of keys.</a:t>
             </a:r>
           </a:p>
           <a:p>
@@ -6570,6 +6596,469 @@
     <p:extLst>
       <p:ext uri="{BB962C8B-B14F-4D97-AF65-F5344CB8AC3E}">
         <p14:creationId xmlns:p14="http://schemas.microsoft.com/office/powerpoint/2010/main" val="1853727527"/>
+      </p:ext>
+    </p:extLst>
+  </p:cSld>
+  <p:clrMapOvr>
+    <a:masterClrMapping/>
+  </p:clrMapOvr>
+</p:sld>
+</file>
+
+<file path=ppt/slides/slide18.xml><?xml version="1.0" encoding="utf-8"?>
+<p:sld xmlns:a="http://schemas.openxmlformats.org/drawingml/2006/main" xmlns:r="http://schemas.openxmlformats.org/officeDocument/2006/relationships" xmlns:p="http://schemas.openxmlformats.org/presentationml/2006/main">
+  <p:cSld>
+    <p:spTree>
+      <p:nvGrpSpPr>
+        <p:cNvPr id="1" name=""/>
+        <p:cNvGrpSpPr/>
+        <p:nvPr/>
+      </p:nvGrpSpPr>
+      <p:grpSpPr>
+        <a:xfrm>
+          <a:off x="0" y="0"/>
+          <a:ext cx="0" cy="0"/>
+          <a:chOff x="0" y="0"/>
+          <a:chExt cx="0" cy="0"/>
+        </a:xfrm>
+      </p:grpSpPr>
+      <p:sp>
+        <p:nvSpPr>
+          <p:cNvPr id="2" name="Title 1">
+            <a:extLst>
+              <a:ext uri="{FF2B5EF4-FFF2-40B4-BE49-F238E27FC236}">
+                <a16:creationId xmlns:a16="http://schemas.microsoft.com/office/drawing/2014/main" id="{023907C4-C995-45EE-A8F4-B2D02774B759}"/>
+              </a:ext>
+            </a:extLst>
+          </p:cNvPr>
+          <p:cNvSpPr>
+            <a:spLocks noGrp="1"/>
+          </p:cNvSpPr>
+          <p:nvPr>
+            <p:ph type="title"/>
+          </p:nvPr>
+        </p:nvSpPr>
+        <p:spPr/>
+        <p:txBody>
+          <a:bodyPr>
+            <a:normAutofit/>
+          </a:bodyPr>
+          <a:lstStyle/>
+          <a:p>
+            <a:r>
+              <a:rPr lang="en-US" sz="4400" dirty="0">
+                <a:latin typeface="Times New Roman" panose="02020603050405020304" pitchFamily="18" charset="0"/>
+                <a:cs typeface="Times New Roman" panose="02020603050405020304" pitchFamily="18" charset="0"/>
+              </a:rPr>
+              <a:t>Arrays :</a:t>
+            </a:r>
+            <a:endParaRPr lang="en-IN" sz="4400" dirty="0">
+              <a:latin typeface="Times New Roman" panose="02020603050405020304" pitchFamily="18" charset="0"/>
+              <a:cs typeface="Times New Roman" panose="02020603050405020304" pitchFamily="18" charset="0"/>
+            </a:endParaRPr>
+          </a:p>
+        </p:txBody>
+      </p:sp>
+      <p:sp>
+        <p:nvSpPr>
+          <p:cNvPr id="3" name="Content Placeholder 2">
+            <a:extLst>
+              <a:ext uri="{FF2B5EF4-FFF2-40B4-BE49-F238E27FC236}">
+                <a16:creationId xmlns:a16="http://schemas.microsoft.com/office/drawing/2014/main" id="{3FA228E8-5E7C-4982-97AC-6FB11949E6D6}"/>
+              </a:ext>
+            </a:extLst>
+          </p:cNvPr>
+          <p:cNvSpPr>
+            <a:spLocks noGrp="1"/>
+          </p:cNvSpPr>
+          <p:nvPr>
+            <p:ph idx="1"/>
+          </p:nvPr>
+        </p:nvSpPr>
+        <p:spPr/>
+        <p:txBody>
+          <a:bodyPr>
+            <a:normAutofit/>
+          </a:bodyPr>
+          <a:lstStyle/>
+          <a:p>
+            <a:pPr algn="just"/>
+            <a:r>
+              <a:rPr lang="en-US" sz="2000" b="0" i="0" dirty="0">
+                <a:solidFill>
+                  <a:srgbClr val="181717"/>
+                </a:solidFill>
+                <a:effectLst/>
+                <a:latin typeface="Times New Roman" panose="02020603050405020304" pitchFamily="18" charset="0"/>
+                <a:cs typeface="Times New Roman" panose="02020603050405020304" pitchFamily="18" charset="0"/>
+              </a:rPr>
+              <a:t>A </a:t>
+            </a:r>
+            <a:r>
+              <a:rPr lang="en-US" sz="2000" b="0" i="0" u="none" strike="noStrike" dirty="0">
+                <a:solidFill>
+                  <a:srgbClr val="007BFF"/>
+                </a:solidFill>
+                <a:effectLst/>
+                <a:latin typeface="Times New Roman" panose="02020603050405020304" pitchFamily="18" charset="0"/>
+                <a:cs typeface="Times New Roman" panose="02020603050405020304" pitchFamily="18" charset="0"/>
+                <a:hlinkClick r:id="rId2"/>
+              </a:rPr>
+              <a:t>variable</a:t>
+            </a:r>
+            <a:r>
+              <a:rPr lang="en-US" sz="2000" b="0" i="0" dirty="0">
+                <a:solidFill>
+                  <a:srgbClr val="181717"/>
+                </a:solidFill>
+                <a:effectLst/>
+                <a:latin typeface="Times New Roman" panose="02020603050405020304" pitchFamily="18" charset="0"/>
+                <a:cs typeface="Times New Roman" panose="02020603050405020304" pitchFamily="18" charset="0"/>
+              </a:rPr>
+              <a:t> is used to store a literal value, where as an array is used to store multiple literal values.</a:t>
+            </a:r>
+          </a:p>
+          <a:p>
+            <a:pPr algn="just"/>
+            <a:r>
+              <a:rPr lang="en-US" sz="2000" b="0" i="0" dirty="0">
+                <a:solidFill>
+                  <a:srgbClr val="181717"/>
+                </a:solidFill>
+                <a:effectLst/>
+                <a:latin typeface="Times New Roman" panose="02020603050405020304" pitchFamily="18" charset="0"/>
+                <a:cs typeface="Times New Roman" panose="02020603050405020304" pitchFamily="18" charset="0"/>
+              </a:rPr>
+              <a:t>An array is the data structure that stores a fixed number of literal values (elements) of the same </a:t>
+            </a:r>
+            <a:r>
+              <a:rPr lang="en-US" sz="2000" b="0" i="0" u="none" strike="noStrike" dirty="0">
+                <a:solidFill>
+                  <a:srgbClr val="007BFF"/>
+                </a:solidFill>
+                <a:effectLst/>
+                <a:latin typeface="Times New Roman" panose="02020603050405020304" pitchFamily="18" charset="0"/>
+                <a:cs typeface="Times New Roman" panose="02020603050405020304" pitchFamily="18" charset="0"/>
+                <a:hlinkClick r:id="rId3"/>
+              </a:rPr>
+              <a:t>data type</a:t>
+            </a:r>
+            <a:r>
+              <a:rPr lang="en-US" sz="2000" b="0" i="0" dirty="0">
+                <a:solidFill>
+                  <a:srgbClr val="181717"/>
+                </a:solidFill>
+                <a:effectLst/>
+                <a:latin typeface="Times New Roman" panose="02020603050405020304" pitchFamily="18" charset="0"/>
+                <a:cs typeface="Times New Roman" panose="02020603050405020304" pitchFamily="18" charset="0"/>
+              </a:rPr>
+              <a:t>.</a:t>
+            </a:r>
+          </a:p>
+          <a:p>
+            <a:r>
+              <a:rPr lang="en-US" sz="2000" b="0" i="0" dirty="0">
+                <a:solidFill>
+                  <a:srgbClr val="181717"/>
+                </a:solidFill>
+                <a:effectLst/>
+                <a:latin typeface="Times New Roman" panose="02020603050405020304" pitchFamily="18" charset="0"/>
+                <a:cs typeface="Times New Roman" panose="02020603050405020304" pitchFamily="18" charset="0"/>
+              </a:rPr>
+              <a:t>In C#, an array can be of three types: </a:t>
+            </a:r>
+          </a:p>
+          <a:p>
+            <a:pPr lvl="1"/>
+            <a:r>
+              <a:rPr lang="en-US" sz="1800" dirty="0">
+                <a:solidFill>
+                  <a:srgbClr val="181717"/>
+                </a:solidFill>
+                <a:latin typeface="Times New Roman" panose="02020603050405020304" pitchFamily="18" charset="0"/>
+                <a:cs typeface="Times New Roman" panose="02020603050405020304" pitchFamily="18" charset="0"/>
+              </a:rPr>
+              <a:t>S</a:t>
+            </a:r>
+            <a:r>
+              <a:rPr lang="en-US" sz="1800" b="0" i="0" dirty="0">
+                <a:solidFill>
+                  <a:srgbClr val="181717"/>
+                </a:solidFill>
+                <a:effectLst/>
+                <a:latin typeface="Times New Roman" panose="02020603050405020304" pitchFamily="18" charset="0"/>
+                <a:cs typeface="Times New Roman" panose="02020603050405020304" pitchFamily="18" charset="0"/>
+              </a:rPr>
+              <a:t>ingle-dimensional array</a:t>
+            </a:r>
+          </a:p>
+          <a:p>
+            <a:pPr lvl="1"/>
+            <a:r>
+              <a:rPr lang="en-US" sz="1800" dirty="0">
+                <a:solidFill>
+                  <a:srgbClr val="181717"/>
+                </a:solidFill>
+                <a:latin typeface="Times New Roman" panose="02020603050405020304" pitchFamily="18" charset="0"/>
+                <a:cs typeface="Times New Roman" panose="02020603050405020304" pitchFamily="18" charset="0"/>
+              </a:rPr>
+              <a:t>M</a:t>
+            </a:r>
+            <a:r>
+              <a:rPr lang="en-US" sz="1800" b="0" i="0" dirty="0">
+                <a:solidFill>
+                  <a:srgbClr val="181717"/>
+                </a:solidFill>
+                <a:effectLst/>
+                <a:latin typeface="Times New Roman" panose="02020603050405020304" pitchFamily="18" charset="0"/>
+                <a:cs typeface="Times New Roman" panose="02020603050405020304" pitchFamily="18" charset="0"/>
+              </a:rPr>
+              <a:t>ultidimensional array and </a:t>
+            </a:r>
+          </a:p>
+          <a:p>
+            <a:pPr lvl="1"/>
+            <a:r>
+              <a:rPr lang="en-US" sz="1800" dirty="0">
+                <a:solidFill>
+                  <a:srgbClr val="181717"/>
+                </a:solidFill>
+                <a:latin typeface="Times New Roman" panose="02020603050405020304" pitchFamily="18" charset="0"/>
+                <a:cs typeface="Times New Roman" panose="02020603050405020304" pitchFamily="18" charset="0"/>
+              </a:rPr>
+              <a:t>J</a:t>
+            </a:r>
+            <a:r>
+              <a:rPr lang="en-US" sz="1800" b="0" i="0" dirty="0">
+                <a:solidFill>
+                  <a:srgbClr val="181717"/>
+                </a:solidFill>
+                <a:effectLst/>
+                <a:latin typeface="Times New Roman" panose="02020603050405020304" pitchFamily="18" charset="0"/>
+                <a:cs typeface="Times New Roman" panose="02020603050405020304" pitchFamily="18" charset="0"/>
+              </a:rPr>
+              <a:t>agged array.</a:t>
+            </a:r>
+            <a:endParaRPr lang="en-IN" sz="1800" dirty="0">
+              <a:latin typeface="Times New Roman" panose="02020603050405020304" pitchFamily="18" charset="0"/>
+              <a:cs typeface="Times New Roman" panose="02020603050405020304" pitchFamily="18" charset="0"/>
+            </a:endParaRPr>
+          </a:p>
+        </p:txBody>
+      </p:sp>
+    </p:spTree>
+    <p:extLst>
+      <p:ext uri="{BB962C8B-B14F-4D97-AF65-F5344CB8AC3E}">
+        <p14:creationId xmlns:p14="http://schemas.microsoft.com/office/powerpoint/2010/main" val="4083407818"/>
+      </p:ext>
+    </p:extLst>
+  </p:cSld>
+  <p:clrMapOvr>
+    <a:masterClrMapping/>
+  </p:clrMapOvr>
+</p:sld>
+</file>
+
+<file path=ppt/slides/slide19.xml><?xml version="1.0" encoding="utf-8"?>
+<p:sld xmlns:a="http://schemas.openxmlformats.org/drawingml/2006/main" xmlns:r="http://schemas.openxmlformats.org/officeDocument/2006/relationships" xmlns:p="http://schemas.openxmlformats.org/presentationml/2006/main">
+  <p:cSld>
+    <p:spTree>
+      <p:nvGrpSpPr>
+        <p:cNvPr id="1" name=""/>
+        <p:cNvGrpSpPr/>
+        <p:nvPr/>
+      </p:nvGrpSpPr>
+      <p:grpSpPr>
+        <a:xfrm>
+          <a:off x="0" y="0"/>
+          <a:ext cx="0" cy="0"/>
+          <a:chOff x="0" y="0"/>
+          <a:chExt cx="0" cy="0"/>
+        </a:xfrm>
+      </p:grpSpPr>
+      <p:sp>
+        <p:nvSpPr>
+          <p:cNvPr id="2" name="Title 1">
+            <a:extLst>
+              <a:ext uri="{FF2B5EF4-FFF2-40B4-BE49-F238E27FC236}">
+                <a16:creationId xmlns:a16="http://schemas.microsoft.com/office/drawing/2014/main" id="{D8465AF3-807C-47B3-A3BD-C78244B262F1}"/>
+              </a:ext>
+            </a:extLst>
+          </p:cNvPr>
+          <p:cNvSpPr>
+            <a:spLocks noGrp="1"/>
+          </p:cNvSpPr>
+          <p:nvPr>
+            <p:ph type="title"/>
+          </p:nvPr>
+        </p:nvSpPr>
+        <p:spPr/>
+        <p:txBody>
+          <a:bodyPr>
+            <a:normAutofit/>
+          </a:bodyPr>
+          <a:lstStyle/>
+          <a:p>
+            <a:r>
+              <a:rPr lang="en-US" sz="4800" dirty="0">
+                <a:solidFill>
+                  <a:srgbClr val="181717"/>
+                </a:solidFill>
+                <a:latin typeface="Times New Roman" panose="02020603050405020304" pitchFamily="18" charset="0"/>
+                <a:cs typeface="Times New Roman" panose="02020603050405020304" pitchFamily="18" charset="0"/>
+              </a:rPr>
+              <a:t>S</a:t>
+            </a:r>
+            <a:r>
+              <a:rPr lang="en-US" sz="4800" b="0" i="0" dirty="0">
+                <a:solidFill>
+                  <a:srgbClr val="181717"/>
+                </a:solidFill>
+                <a:effectLst/>
+                <a:latin typeface="Times New Roman" panose="02020603050405020304" pitchFamily="18" charset="0"/>
+                <a:cs typeface="Times New Roman" panose="02020603050405020304" pitchFamily="18" charset="0"/>
+              </a:rPr>
+              <a:t>ingle-dimensional Array :</a:t>
+            </a:r>
+            <a:endParaRPr lang="en-IN" dirty="0"/>
+          </a:p>
+        </p:txBody>
+      </p:sp>
+      <p:sp>
+        <p:nvSpPr>
+          <p:cNvPr id="3" name="Content Placeholder 2">
+            <a:extLst>
+              <a:ext uri="{FF2B5EF4-FFF2-40B4-BE49-F238E27FC236}">
+                <a16:creationId xmlns:a16="http://schemas.microsoft.com/office/drawing/2014/main" id="{3B4C03E3-98B8-41A7-B980-4C7DD5ED6B9F}"/>
+              </a:ext>
+            </a:extLst>
+          </p:cNvPr>
+          <p:cNvSpPr>
+            <a:spLocks noGrp="1"/>
+          </p:cNvSpPr>
+          <p:nvPr>
+            <p:ph idx="1"/>
+          </p:nvPr>
+        </p:nvSpPr>
+        <p:spPr/>
+        <p:txBody>
+          <a:bodyPr>
+            <a:normAutofit/>
+          </a:bodyPr>
+          <a:lstStyle/>
+          <a:p>
+            <a:r>
+              <a:rPr lang="en-US" sz="1900" dirty="0">
+                <a:latin typeface="Times New Roman" panose="02020603050405020304" pitchFamily="18" charset="0"/>
+                <a:cs typeface="Times New Roman" panose="02020603050405020304" pitchFamily="18" charset="0"/>
+              </a:rPr>
+              <a:t>Declaration:</a:t>
+            </a:r>
+          </a:p>
+          <a:p>
+            <a:pPr lvl="1"/>
+            <a:r>
+              <a:rPr lang="en-US" sz="1700" dirty="0">
+                <a:latin typeface="Times New Roman" panose="02020603050405020304" pitchFamily="18" charset="0"/>
+                <a:cs typeface="Times New Roman" panose="02020603050405020304" pitchFamily="18" charset="0"/>
+              </a:rPr>
+              <a:t>int[] evenNums;  	// integer array</a:t>
+            </a:r>
+          </a:p>
+          <a:p>
+            <a:pPr lvl="1"/>
+            <a:r>
+              <a:rPr lang="en-US" sz="1700" dirty="0">
+                <a:latin typeface="Times New Roman" panose="02020603050405020304" pitchFamily="18" charset="0"/>
+                <a:cs typeface="Times New Roman" panose="02020603050405020304" pitchFamily="18" charset="0"/>
+              </a:rPr>
+              <a:t>string[] cities; 		// string array</a:t>
+            </a:r>
+          </a:p>
+          <a:p>
+            <a:pPr lvl="1"/>
+            <a:r>
+              <a:rPr lang="en-US" sz="1700" dirty="0">
+                <a:latin typeface="Times New Roman" panose="02020603050405020304" pitchFamily="18" charset="0"/>
+                <a:cs typeface="Times New Roman" panose="02020603050405020304" pitchFamily="18" charset="0"/>
+              </a:rPr>
+              <a:t>int[] evenNums = new int[5]{ 2, 4, 6, 8, 10 }; </a:t>
+            </a:r>
+          </a:p>
+          <a:p>
+            <a:pPr lvl="1"/>
+            <a:r>
+              <a:rPr lang="en-US" sz="1700" dirty="0">
+                <a:latin typeface="Times New Roman" panose="02020603050405020304" pitchFamily="18" charset="0"/>
+                <a:cs typeface="Times New Roman" panose="02020603050405020304" pitchFamily="18" charset="0"/>
+              </a:rPr>
+              <a:t>string[] cities = new string[3]{ "Mumbai", "London", "New York" };  //Initialization while declaring</a:t>
+            </a:r>
+          </a:p>
+          <a:p>
+            <a:r>
+              <a:rPr lang="en-US" sz="1900" dirty="0">
+                <a:latin typeface="Times New Roman" panose="02020603050405020304" pitchFamily="18" charset="0"/>
+                <a:cs typeface="Times New Roman" panose="02020603050405020304" pitchFamily="18" charset="0"/>
+              </a:rPr>
+              <a:t>Initialization &amp; Accessing :</a:t>
+            </a:r>
+          </a:p>
+          <a:p>
+            <a:pPr lvl="1">
+              <a:lnSpc>
+                <a:spcPct val="110000"/>
+              </a:lnSpc>
+            </a:pPr>
+            <a:r>
+              <a:rPr lang="en-US" sz="1700" dirty="0">
+                <a:latin typeface="Times New Roman" panose="02020603050405020304" pitchFamily="18" charset="0"/>
+                <a:cs typeface="Times New Roman" panose="02020603050405020304" pitchFamily="18" charset="0"/>
+              </a:rPr>
+              <a:t>evenNums[0] = 12;</a:t>
+            </a:r>
+          </a:p>
+          <a:p>
+            <a:pPr lvl="1">
+              <a:lnSpc>
+                <a:spcPct val="110000"/>
+              </a:lnSpc>
+            </a:pPr>
+            <a:r>
+              <a:rPr lang="en-US" sz="1700" dirty="0">
+                <a:latin typeface="Times New Roman" panose="02020603050405020304" pitchFamily="18" charset="0"/>
+                <a:cs typeface="Times New Roman" panose="02020603050405020304" pitchFamily="18" charset="0"/>
+              </a:rPr>
+              <a:t>Cities[1] = “Delhi”;</a:t>
+            </a:r>
+          </a:p>
+          <a:p>
+            <a:pPr lvl="1">
+              <a:lnSpc>
+                <a:spcPct val="110000"/>
+              </a:lnSpc>
+            </a:pPr>
+            <a:r>
+              <a:rPr lang="en-US" sz="1700" dirty="0" err="1">
+                <a:latin typeface="Times New Roman" panose="02020603050405020304" pitchFamily="18" charset="0"/>
+                <a:cs typeface="Times New Roman" panose="02020603050405020304" pitchFamily="18" charset="0"/>
+              </a:rPr>
+              <a:t>Console.WriteLine</a:t>
+            </a:r>
+            <a:r>
+              <a:rPr lang="en-US" sz="1700" dirty="0">
+                <a:latin typeface="Times New Roman" panose="02020603050405020304" pitchFamily="18" charset="0"/>
+                <a:cs typeface="Times New Roman" panose="02020603050405020304" pitchFamily="18" charset="0"/>
+              </a:rPr>
+              <a:t>(evenNums[0]);</a:t>
+            </a:r>
+          </a:p>
+        </p:txBody>
+      </p:sp>
+    </p:spTree>
+    <p:extLst>
+      <p:ext uri="{BB962C8B-B14F-4D97-AF65-F5344CB8AC3E}">
+        <p14:creationId xmlns:p14="http://schemas.microsoft.com/office/powerpoint/2010/main" val="1473281961"/>
       </p:ext>
     </p:extLst>
   </p:cSld>
@@ -6773,6 +7262,301 @@
     <p:extLst>
       <p:ext uri="{BB962C8B-B14F-4D97-AF65-F5344CB8AC3E}">
         <p14:creationId xmlns:p14="http://schemas.microsoft.com/office/powerpoint/2010/main" val="1407229999"/>
+      </p:ext>
+    </p:extLst>
+  </p:cSld>
+  <p:clrMapOvr>
+    <a:masterClrMapping/>
+  </p:clrMapOvr>
+</p:sld>
+</file>
+
+<file path=ppt/slides/slide20.xml><?xml version="1.0" encoding="utf-8"?>
+<p:sld xmlns:a="http://schemas.openxmlformats.org/drawingml/2006/main" xmlns:r="http://schemas.openxmlformats.org/officeDocument/2006/relationships" xmlns:p="http://schemas.openxmlformats.org/presentationml/2006/main">
+  <p:cSld>
+    <p:spTree>
+      <p:nvGrpSpPr>
+        <p:cNvPr id="1" name=""/>
+        <p:cNvGrpSpPr/>
+        <p:nvPr/>
+      </p:nvGrpSpPr>
+      <p:grpSpPr>
+        <a:xfrm>
+          <a:off x="0" y="0"/>
+          <a:ext cx="0" cy="0"/>
+          <a:chOff x="0" y="0"/>
+          <a:chExt cx="0" cy="0"/>
+        </a:xfrm>
+      </p:grpSpPr>
+      <p:sp>
+        <p:nvSpPr>
+          <p:cNvPr id="2" name="Title 1">
+            <a:extLst>
+              <a:ext uri="{FF2B5EF4-FFF2-40B4-BE49-F238E27FC236}">
+                <a16:creationId xmlns:a16="http://schemas.microsoft.com/office/drawing/2014/main" id="{BB3ED72F-C319-46A1-9895-BA204177BAC7}"/>
+              </a:ext>
+            </a:extLst>
+          </p:cNvPr>
+          <p:cNvSpPr>
+            <a:spLocks noGrp="1"/>
+          </p:cNvSpPr>
+          <p:nvPr>
+            <p:ph type="title"/>
+          </p:nvPr>
+        </p:nvSpPr>
+        <p:spPr/>
+        <p:txBody>
+          <a:bodyPr>
+            <a:normAutofit/>
+          </a:bodyPr>
+          <a:lstStyle/>
+          <a:p>
+            <a:r>
+              <a:rPr lang="en-US" sz="4400" dirty="0" err="1">
+                <a:latin typeface="Times New Roman" panose="02020603050405020304" pitchFamily="18" charset="0"/>
+                <a:cs typeface="Times New Roman" panose="02020603050405020304" pitchFamily="18" charset="0"/>
+              </a:rPr>
+              <a:t>Contd</a:t>
+            </a:r>
+            <a:r>
+              <a:rPr lang="en-US" sz="4400" dirty="0">
+                <a:latin typeface="Times New Roman" panose="02020603050405020304" pitchFamily="18" charset="0"/>
+                <a:cs typeface="Times New Roman" panose="02020603050405020304" pitchFamily="18" charset="0"/>
+              </a:rPr>
+              <a:t>…</a:t>
+            </a:r>
+            <a:endParaRPr lang="en-IN" sz="4400" dirty="0">
+              <a:latin typeface="Times New Roman" panose="02020603050405020304" pitchFamily="18" charset="0"/>
+              <a:cs typeface="Times New Roman" panose="02020603050405020304" pitchFamily="18" charset="0"/>
+            </a:endParaRPr>
+          </a:p>
+        </p:txBody>
+      </p:sp>
+      <p:sp>
+        <p:nvSpPr>
+          <p:cNvPr id="3" name="Content Placeholder 2">
+            <a:extLst>
+              <a:ext uri="{FF2B5EF4-FFF2-40B4-BE49-F238E27FC236}">
+                <a16:creationId xmlns:a16="http://schemas.microsoft.com/office/drawing/2014/main" id="{340C1A83-E3A3-4F04-AEE6-3ED671CF2C26}"/>
+              </a:ext>
+            </a:extLst>
+          </p:cNvPr>
+          <p:cNvSpPr>
+            <a:spLocks noGrp="1"/>
+          </p:cNvSpPr>
+          <p:nvPr>
+            <p:ph idx="1"/>
+          </p:nvPr>
+        </p:nvSpPr>
+        <p:spPr/>
+        <p:txBody>
+          <a:bodyPr/>
+          <a:lstStyle/>
+          <a:p>
+            <a:r>
+              <a:rPr lang="en-IN" sz="1900" dirty="0">
+                <a:latin typeface="Times New Roman" panose="02020603050405020304" pitchFamily="18" charset="0"/>
+                <a:cs typeface="Times New Roman" panose="02020603050405020304" pitchFamily="18" charset="0"/>
+              </a:rPr>
+              <a:t>Methods :</a:t>
+            </a:r>
+          </a:p>
+          <a:p>
+            <a:pPr lvl="1">
+              <a:lnSpc>
+                <a:spcPct val="120000"/>
+              </a:lnSpc>
+            </a:pPr>
+            <a:r>
+              <a:rPr lang="en-IN" sz="1700" dirty="0" err="1">
+                <a:latin typeface="Times New Roman" panose="02020603050405020304" pitchFamily="18" charset="0"/>
+                <a:cs typeface="Times New Roman" panose="02020603050405020304" pitchFamily="18" charset="0"/>
+              </a:rPr>
+              <a:t>Array.Sort</a:t>
+            </a:r>
+            <a:r>
+              <a:rPr lang="en-IN" sz="1700" dirty="0">
+                <a:latin typeface="Times New Roman" panose="02020603050405020304" pitchFamily="18" charset="0"/>
+                <a:cs typeface="Times New Roman" panose="02020603050405020304" pitchFamily="18" charset="0"/>
+              </a:rPr>
+              <a:t>(evenNums);</a:t>
+            </a:r>
+          </a:p>
+          <a:p>
+            <a:pPr lvl="1">
+              <a:lnSpc>
+                <a:spcPct val="120000"/>
+              </a:lnSpc>
+            </a:pPr>
+            <a:r>
+              <a:rPr lang="en-IN" sz="1700" dirty="0" err="1">
+                <a:latin typeface="Times New Roman" panose="02020603050405020304" pitchFamily="18" charset="0"/>
+                <a:cs typeface="Times New Roman" panose="02020603050405020304" pitchFamily="18" charset="0"/>
+              </a:rPr>
+              <a:t>Array.Reverse</a:t>
+            </a:r>
+            <a:r>
+              <a:rPr lang="en-IN" sz="1700" dirty="0">
+                <a:latin typeface="Times New Roman" panose="02020603050405020304" pitchFamily="18" charset="0"/>
+                <a:cs typeface="Times New Roman" panose="02020603050405020304" pitchFamily="18" charset="0"/>
+              </a:rPr>
+              <a:t>(evenNums);</a:t>
+            </a:r>
+          </a:p>
+          <a:p>
+            <a:pPr lvl="1">
+              <a:lnSpc>
+                <a:spcPct val="120000"/>
+              </a:lnSpc>
+            </a:pPr>
+            <a:r>
+              <a:rPr lang="en-IN" sz="1700" dirty="0" err="1">
+                <a:latin typeface="Times New Roman" panose="02020603050405020304" pitchFamily="18" charset="0"/>
+                <a:cs typeface="Times New Roman" panose="02020603050405020304" pitchFamily="18" charset="0"/>
+              </a:rPr>
+              <a:t>Array.BinarySearch</a:t>
+            </a:r>
+            <a:r>
+              <a:rPr lang="en-IN" sz="1700" dirty="0">
+                <a:latin typeface="Times New Roman" panose="02020603050405020304" pitchFamily="18" charset="0"/>
+                <a:cs typeface="Times New Roman" panose="02020603050405020304" pitchFamily="18" charset="0"/>
+              </a:rPr>
+              <a:t>(array ,element);</a:t>
+            </a:r>
+          </a:p>
+          <a:p>
+            <a:pPr lvl="1">
+              <a:lnSpc>
+                <a:spcPct val="120000"/>
+              </a:lnSpc>
+            </a:pPr>
+            <a:r>
+              <a:rPr lang="en-IN" sz="1700" dirty="0" err="1">
+                <a:latin typeface="Times New Roman" panose="02020603050405020304" pitchFamily="18" charset="0"/>
+                <a:cs typeface="Times New Roman" panose="02020603050405020304" pitchFamily="18" charset="0"/>
+              </a:rPr>
+              <a:t>Array.Clear</a:t>
+            </a:r>
+            <a:r>
+              <a:rPr lang="en-IN" sz="1700" dirty="0">
+                <a:latin typeface="Times New Roman" panose="02020603050405020304" pitchFamily="18" charset="0"/>
+                <a:cs typeface="Times New Roman" panose="02020603050405020304" pitchFamily="18" charset="0"/>
+              </a:rPr>
+              <a:t>(array ,</a:t>
+            </a:r>
+            <a:r>
+              <a:rPr lang="en-IN" sz="1700" dirty="0" err="1">
+                <a:latin typeface="Times New Roman" panose="02020603050405020304" pitchFamily="18" charset="0"/>
+                <a:cs typeface="Times New Roman" panose="02020603050405020304" pitchFamily="18" charset="0"/>
+              </a:rPr>
+              <a:t>start_index</a:t>
+            </a:r>
+            <a:r>
+              <a:rPr lang="en-IN" sz="1700" dirty="0">
+                <a:latin typeface="Times New Roman" panose="02020603050405020304" pitchFamily="18" charset="0"/>
+                <a:cs typeface="Times New Roman" panose="02020603050405020304" pitchFamily="18" charset="0"/>
+              </a:rPr>
+              <a:t>, length);</a:t>
+            </a:r>
+          </a:p>
+          <a:p>
+            <a:pPr lvl="1">
+              <a:lnSpc>
+                <a:spcPct val="120000"/>
+              </a:lnSpc>
+            </a:pPr>
+            <a:r>
+              <a:rPr lang="en-IN" sz="1700" dirty="0" err="1">
+                <a:latin typeface="Times New Roman" panose="02020603050405020304" pitchFamily="18" charset="0"/>
+                <a:cs typeface="Times New Roman" panose="02020603050405020304" pitchFamily="18" charset="0"/>
+              </a:rPr>
+              <a:t>Array.Copy</a:t>
+            </a:r>
+            <a:r>
+              <a:rPr lang="en-IN" sz="1700" dirty="0">
+                <a:latin typeface="Times New Roman" panose="02020603050405020304" pitchFamily="18" charset="0"/>
+                <a:cs typeface="Times New Roman" panose="02020603050405020304" pitchFamily="18" charset="0"/>
+              </a:rPr>
+              <a:t>(</a:t>
+            </a:r>
+            <a:r>
+              <a:rPr lang="en-IN" sz="1700" dirty="0" err="1">
+                <a:latin typeface="Times New Roman" panose="02020603050405020304" pitchFamily="18" charset="0"/>
+                <a:cs typeface="Times New Roman" panose="02020603050405020304" pitchFamily="18" charset="0"/>
+              </a:rPr>
+              <a:t>source,destination,length</a:t>
+            </a:r>
+            <a:r>
+              <a:rPr lang="en-IN" sz="1700" dirty="0">
+                <a:latin typeface="Times New Roman" panose="02020603050405020304" pitchFamily="18" charset="0"/>
+                <a:cs typeface="Times New Roman" panose="02020603050405020304" pitchFamily="18" charset="0"/>
+              </a:rPr>
+              <a:t>);</a:t>
+            </a:r>
+          </a:p>
+          <a:p>
+            <a:pPr lvl="1">
+              <a:lnSpc>
+                <a:spcPct val="120000"/>
+              </a:lnSpc>
+            </a:pPr>
+            <a:r>
+              <a:rPr lang="en-IN" sz="1700" dirty="0" err="1">
+                <a:latin typeface="Times New Roman" panose="02020603050405020304" pitchFamily="18" charset="0"/>
+                <a:cs typeface="Times New Roman" panose="02020603050405020304" pitchFamily="18" charset="0"/>
+              </a:rPr>
+              <a:t>Array.Empty</a:t>
+            </a:r>
+            <a:r>
+              <a:rPr lang="en-IN" sz="1700" dirty="0">
+                <a:latin typeface="Times New Roman" panose="02020603050405020304" pitchFamily="18" charset="0"/>
+                <a:cs typeface="Times New Roman" panose="02020603050405020304" pitchFamily="18" charset="0"/>
+              </a:rPr>
+              <a:t>(array);			//returns empty array</a:t>
+            </a:r>
+          </a:p>
+          <a:p>
+            <a:pPr lvl="1">
+              <a:lnSpc>
+                <a:spcPct val="120000"/>
+              </a:lnSpc>
+            </a:pPr>
+            <a:r>
+              <a:rPr lang="en-IN" sz="1700" dirty="0" err="1">
+                <a:latin typeface="Times New Roman" panose="02020603050405020304" pitchFamily="18" charset="0"/>
+                <a:cs typeface="Times New Roman" panose="02020603050405020304" pitchFamily="18" charset="0"/>
+              </a:rPr>
+              <a:t>Array.Exists</a:t>
+            </a:r>
+            <a:r>
+              <a:rPr lang="en-IN" sz="1700" dirty="0">
+                <a:latin typeface="Times New Roman" panose="02020603050405020304" pitchFamily="18" charset="0"/>
+                <a:cs typeface="Times New Roman" panose="02020603050405020304" pitchFamily="18" charset="0"/>
+              </a:rPr>
+              <a:t>(array, element);	</a:t>
+            </a:r>
+            <a:r>
+              <a:rPr lang="en-IN" sz="1700">
+                <a:latin typeface="Times New Roman" panose="02020603050405020304" pitchFamily="18" charset="0"/>
+                <a:cs typeface="Times New Roman" panose="02020603050405020304" pitchFamily="18" charset="0"/>
+              </a:rPr>
+              <a:t>	//(Predicate error)</a:t>
+            </a:r>
+            <a:endParaRPr lang="en-IN" sz="1700" dirty="0">
+              <a:latin typeface="Times New Roman" panose="02020603050405020304" pitchFamily="18" charset="0"/>
+              <a:cs typeface="Times New Roman" panose="02020603050405020304" pitchFamily="18" charset="0"/>
+            </a:endParaRPr>
+          </a:p>
+          <a:p>
+            <a:pPr lvl="1"/>
+            <a:endParaRPr lang="en-IN" dirty="0"/>
+          </a:p>
+        </p:txBody>
+      </p:sp>
+    </p:spTree>
+    <p:extLst>
+      <p:ext uri="{BB962C8B-B14F-4D97-AF65-F5344CB8AC3E}">
+        <p14:creationId xmlns:p14="http://schemas.microsoft.com/office/powerpoint/2010/main" val="1094299805"/>
       </p:ext>
     </p:extLst>
   </p:cSld>

--- a/PPTs/Programming in C#.pptx
+++ b/PPTs/Programming in C#.pptx
@@ -25,6 +25,7 @@
     <p:sldId id="273" r:id="rId19"/>
     <p:sldId id="274" r:id="rId20"/>
     <p:sldId id="275" r:id="rId21"/>
+    <p:sldId id="276" r:id="rId22"/>
   </p:sldIdLst>
   <p:sldSz cx="12192000" cy="6858000"/>
   <p:notesSz cx="6858000" cy="9144000"/>
@@ -593,7 +594,7 @@
           <a:p>
             <a:fld id="{3BAF6DA2-D763-407B-B44A-1AAD4DA45E00}" type="datetimeFigureOut">
               <a:rPr lang="en-IN" smtClean="0"/>
-              <a:t>20-05-2021</a:t>
+              <a:t>23-05-2021</a:t>
             </a:fld>
             <a:endParaRPr lang="en-IN"/>
           </a:p>
@@ -795,7 +796,7 @@
           <a:p>
             <a:fld id="{3BAF6DA2-D763-407B-B44A-1AAD4DA45E00}" type="datetimeFigureOut">
               <a:rPr lang="en-IN" smtClean="0"/>
-              <a:t>20-05-2021</a:t>
+              <a:t>23-05-2021</a:t>
             </a:fld>
             <a:endParaRPr lang="en-IN"/>
           </a:p>
@@ -975,7 +976,7 @@
           <a:p>
             <a:fld id="{3BAF6DA2-D763-407B-B44A-1AAD4DA45E00}" type="datetimeFigureOut">
               <a:rPr lang="en-IN" smtClean="0"/>
-              <a:t>20-05-2021</a:t>
+              <a:t>23-05-2021</a:t>
             </a:fld>
             <a:endParaRPr lang="en-IN"/>
           </a:p>
@@ -1145,7 +1146,7 @@
           <a:p>
             <a:fld id="{3BAF6DA2-D763-407B-B44A-1AAD4DA45E00}" type="datetimeFigureOut">
               <a:rPr lang="en-IN" smtClean="0"/>
-              <a:t>20-05-2021</a:t>
+              <a:t>23-05-2021</a:t>
             </a:fld>
             <a:endParaRPr lang="en-IN"/>
           </a:p>
@@ -1716,7 +1717,7 @@
           <a:p>
             <a:fld id="{3BAF6DA2-D763-407B-B44A-1AAD4DA45E00}" type="datetimeFigureOut">
               <a:rPr lang="en-IN" smtClean="0"/>
-              <a:t>20-05-2021</a:t>
+              <a:t>23-05-2021</a:t>
             </a:fld>
             <a:endParaRPr lang="en-IN"/>
           </a:p>
@@ -2018,7 +2019,7 @@
           <a:p>
             <a:fld id="{3BAF6DA2-D763-407B-B44A-1AAD4DA45E00}" type="datetimeFigureOut">
               <a:rPr lang="en-IN" smtClean="0"/>
-              <a:t>20-05-2021</a:t>
+              <a:t>23-05-2021</a:t>
             </a:fld>
             <a:endParaRPr lang="en-IN"/>
           </a:p>
@@ -2455,7 +2456,7 @@
           <a:p>
             <a:fld id="{3BAF6DA2-D763-407B-B44A-1AAD4DA45E00}" type="datetimeFigureOut">
               <a:rPr lang="en-IN" smtClean="0"/>
-              <a:t>20-05-2021</a:t>
+              <a:t>23-05-2021</a:t>
             </a:fld>
             <a:endParaRPr lang="en-IN"/>
           </a:p>
@@ -2573,7 +2574,7 @@
           <a:p>
             <a:fld id="{3BAF6DA2-D763-407B-B44A-1AAD4DA45E00}" type="datetimeFigureOut">
               <a:rPr lang="en-IN" smtClean="0"/>
-              <a:t>20-05-2021</a:t>
+              <a:t>23-05-2021</a:t>
             </a:fld>
             <a:endParaRPr lang="en-IN"/>
           </a:p>
@@ -2668,7 +2669,7 @@
           <a:p>
             <a:fld id="{3BAF6DA2-D763-407B-B44A-1AAD4DA45E00}" type="datetimeFigureOut">
               <a:rPr lang="en-IN" smtClean="0"/>
-              <a:t>20-05-2021</a:t>
+              <a:t>23-05-2021</a:t>
             </a:fld>
             <a:endParaRPr lang="en-IN"/>
           </a:p>
@@ -3050,7 +3051,7 @@
           <a:p>
             <a:fld id="{3BAF6DA2-D763-407B-B44A-1AAD4DA45E00}" type="datetimeFigureOut">
               <a:rPr lang="en-IN" smtClean="0"/>
-              <a:t>20-05-2021</a:t>
+              <a:t>23-05-2021</a:t>
             </a:fld>
             <a:endParaRPr lang="en-IN"/>
           </a:p>
@@ -3444,7 +3445,7 @@
           <a:p>
             <a:fld id="{3BAF6DA2-D763-407B-B44A-1AAD4DA45E00}" type="datetimeFigureOut">
               <a:rPr lang="en-IN" smtClean="0"/>
-              <a:t>20-05-2021</a:t>
+              <a:t>23-05-2021</a:t>
             </a:fld>
             <a:endParaRPr lang="en-IN"/>
           </a:p>
@@ -3757,7 +3758,7 @@
           <a:p>
             <a:fld id="{3BAF6DA2-D763-407B-B44A-1AAD4DA45E00}" type="datetimeFigureOut">
               <a:rPr lang="en-IN" smtClean="0"/>
-              <a:t>20-05-2021</a:t>
+              <a:t>23-05-2021</a:t>
             </a:fld>
             <a:endParaRPr lang="en-IN"/>
           </a:p>
@@ -7566,6 +7567,86 @@
 </p:sld>
 </file>
 
+<file path=ppt/slides/slide21.xml><?xml version="1.0" encoding="utf-8"?>
+<p:sld xmlns:a="http://schemas.openxmlformats.org/drawingml/2006/main" xmlns:r="http://schemas.openxmlformats.org/officeDocument/2006/relationships" xmlns:p="http://schemas.openxmlformats.org/presentationml/2006/main">
+  <p:cSld>
+    <p:spTree>
+      <p:nvGrpSpPr>
+        <p:cNvPr id="1" name=""/>
+        <p:cNvGrpSpPr/>
+        <p:nvPr/>
+      </p:nvGrpSpPr>
+      <p:grpSpPr>
+        <a:xfrm>
+          <a:off x="0" y="0"/>
+          <a:ext cx="0" cy="0"/>
+          <a:chOff x="0" y="0"/>
+          <a:chExt cx="0" cy="0"/>
+        </a:xfrm>
+      </p:grpSpPr>
+      <p:sp>
+        <p:nvSpPr>
+          <p:cNvPr id="2" name="Title 1">
+            <a:extLst>
+              <a:ext uri="{FF2B5EF4-FFF2-40B4-BE49-F238E27FC236}">
+                <a16:creationId xmlns:a16="http://schemas.microsoft.com/office/drawing/2014/main" id="{55C009FB-A0BB-49A2-9E5F-9AEEAB23886B}"/>
+              </a:ext>
+            </a:extLst>
+          </p:cNvPr>
+          <p:cNvSpPr>
+            <a:spLocks noGrp="1"/>
+          </p:cNvSpPr>
+          <p:nvPr>
+            <p:ph type="title"/>
+          </p:nvPr>
+        </p:nvSpPr>
+        <p:spPr/>
+        <p:txBody>
+          <a:bodyPr/>
+          <a:lstStyle/>
+          <a:p>
+            <a:endParaRPr lang="en-IN"/>
+          </a:p>
+        </p:txBody>
+      </p:sp>
+      <p:sp>
+        <p:nvSpPr>
+          <p:cNvPr id="3" name="Content Placeholder 2">
+            <a:extLst>
+              <a:ext uri="{FF2B5EF4-FFF2-40B4-BE49-F238E27FC236}">
+                <a16:creationId xmlns:a16="http://schemas.microsoft.com/office/drawing/2014/main" id="{B6B7156D-4497-4209-A75D-6215458C8B64}"/>
+              </a:ext>
+            </a:extLst>
+          </p:cNvPr>
+          <p:cNvSpPr>
+            <a:spLocks noGrp="1"/>
+          </p:cNvSpPr>
+          <p:nvPr>
+            <p:ph idx="1"/>
+          </p:nvPr>
+        </p:nvSpPr>
+        <p:spPr/>
+        <p:txBody>
+          <a:bodyPr/>
+          <a:lstStyle/>
+          <a:p>
+            <a:endParaRPr lang="en-IN"/>
+          </a:p>
+        </p:txBody>
+      </p:sp>
+    </p:spTree>
+    <p:extLst>
+      <p:ext uri="{BB962C8B-B14F-4D97-AF65-F5344CB8AC3E}">
+        <p14:creationId xmlns:p14="http://schemas.microsoft.com/office/powerpoint/2010/main" val="609059368"/>
+      </p:ext>
+    </p:extLst>
+  </p:cSld>
+  <p:clrMapOvr>
+    <a:masterClrMapping/>
+  </p:clrMapOvr>
+</p:sld>
+</file>
+
 <file path=ppt/slides/slide3.xml><?xml version="1.0" encoding="utf-8"?>
 <p:sld xmlns:a="http://schemas.openxmlformats.org/drawingml/2006/main" xmlns:r="http://schemas.openxmlformats.org/officeDocument/2006/relationships" xmlns:p="http://schemas.openxmlformats.org/presentationml/2006/main">
   <p:cSld>

--- a/PPTs/Programming in C#.pptx
+++ b/PPTs/Programming in C#.pptx
@@ -26,6 +26,9 @@
     <p:sldId id="274" r:id="rId20"/>
     <p:sldId id="275" r:id="rId21"/>
     <p:sldId id="276" r:id="rId22"/>
+    <p:sldId id="277" r:id="rId23"/>
+    <p:sldId id="278" r:id="rId24"/>
+    <p:sldId id="279" r:id="rId25"/>
   </p:sldIdLst>
   <p:sldSz cx="12192000" cy="6858000"/>
   <p:notesSz cx="6858000" cy="9144000"/>
@@ -6901,7 +6904,7 @@
           <a:lstStyle/>
           <a:p>
             <a:r>
-              <a:rPr lang="en-US" sz="4800" dirty="0">
+              <a:rPr lang="en-US" sz="4400" dirty="0">
                 <a:solidFill>
                   <a:srgbClr val="181717"/>
                 </a:solidFill>
@@ -6911,7 +6914,7 @@
               <a:t>S</a:t>
             </a:r>
             <a:r>
-              <a:rPr lang="en-US" sz="4800" b="0" i="0" dirty="0">
+              <a:rPr lang="en-US" sz="4400" b="0" i="0" dirty="0">
                 <a:solidFill>
                   <a:srgbClr val="181717"/>
                 </a:solidFill>
@@ -6921,7 +6924,7 @@
               </a:rPr>
               <a:t>ingle-dimensional Array :</a:t>
             </a:r>
-            <a:endParaRPr lang="en-IN" dirty="0"/>
+            <a:endParaRPr lang="en-IN" sz="4400" dirty="0"/>
           </a:p>
         </p:txBody>
       </p:sp>
@@ -7602,10 +7605,33 @@
         </p:nvSpPr>
         <p:spPr/>
         <p:txBody>
-          <a:bodyPr/>
+          <a:bodyPr>
+            <a:normAutofit/>
+          </a:bodyPr>
           <a:lstStyle/>
           <a:p>
-            <a:endParaRPr lang="en-IN"/>
+            <a:r>
+              <a:rPr lang="en-US" sz="4400" dirty="0">
+                <a:solidFill>
+                  <a:srgbClr val="181717"/>
+                </a:solidFill>
+                <a:latin typeface="Times New Roman" panose="02020603050405020304" pitchFamily="18" charset="0"/>
+                <a:cs typeface="Times New Roman" panose="02020603050405020304" pitchFamily="18" charset="0"/>
+              </a:rPr>
+              <a:t>M</a:t>
+            </a:r>
+            <a:r>
+              <a:rPr lang="en-US" sz="4400" b="0" i="0" dirty="0">
+                <a:solidFill>
+                  <a:srgbClr val="181717"/>
+                </a:solidFill>
+                <a:effectLst/>
+                <a:latin typeface="Times New Roman" panose="02020603050405020304" pitchFamily="18" charset="0"/>
+                <a:cs typeface="Times New Roman" panose="02020603050405020304" pitchFamily="18" charset="0"/>
+              </a:rPr>
+              <a:t>ultidimensional Array :</a:t>
+            </a:r>
+            <a:endParaRPr lang="en-IN" sz="4400" dirty="0"/>
           </a:p>
         </p:txBody>
       </p:sp>
@@ -7627,10 +7653,257 @@
         </p:nvSpPr>
         <p:spPr/>
         <p:txBody>
-          <a:bodyPr/>
+          <a:bodyPr>
+            <a:normAutofit/>
+          </a:bodyPr>
           <a:lstStyle/>
           <a:p>
-            <a:endParaRPr lang="en-IN"/>
+            <a:r>
+              <a:rPr lang="en-US" sz="1900" b="0" i="0" dirty="0">
+                <a:solidFill>
+                  <a:srgbClr val="171717"/>
+                </a:solidFill>
+                <a:effectLst/>
+                <a:latin typeface="Times New Roman" panose="02020603050405020304" pitchFamily="18" charset="0"/>
+                <a:cs typeface="Times New Roman" panose="02020603050405020304" pitchFamily="18" charset="0"/>
+              </a:rPr>
+              <a:t>Arrays can have more than one dimension. For example, the following declaration creates a two-dimensional array of four rows and two columns.</a:t>
+            </a:r>
+          </a:p>
+          <a:p>
+            <a:pPr lvl="1"/>
+            <a:r>
+              <a:rPr lang="en-US" sz="1900" b="0" i="0" dirty="0">
+                <a:solidFill>
+                  <a:srgbClr val="0101FD"/>
+                </a:solidFill>
+                <a:effectLst/>
+                <a:latin typeface="Times New Roman" panose="02020603050405020304" pitchFamily="18" charset="0"/>
+                <a:cs typeface="Times New Roman" panose="02020603050405020304" pitchFamily="18" charset="0"/>
+              </a:rPr>
+              <a:t>int</a:t>
+            </a:r>
+            <a:r>
+              <a:rPr lang="en-US" sz="1900" b="0" i="0" dirty="0">
+                <a:solidFill>
+                  <a:srgbClr val="171717"/>
+                </a:solidFill>
+                <a:effectLst/>
+                <a:latin typeface="Times New Roman" panose="02020603050405020304" pitchFamily="18" charset="0"/>
+                <a:cs typeface="Times New Roman" panose="02020603050405020304" pitchFamily="18" charset="0"/>
+              </a:rPr>
+              <a:t>[,] array = </a:t>
+            </a:r>
+            <a:r>
+              <a:rPr lang="en-US" sz="1900" b="0" i="0" dirty="0">
+                <a:solidFill>
+                  <a:srgbClr val="0101FD"/>
+                </a:solidFill>
+                <a:effectLst/>
+                <a:latin typeface="Times New Roman" panose="02020603050405020304" pitchFamily="18" charset="0"/>
+                <a:cs typeface="Times New Roman" panose="02020603050405020304" pitchFamily="18" charset="0"/>
+              </a:rPr>
+              <a:t>new</a:t>
+            </a:r>
+            <a:r>
+              <a:rPr lang="en-US" sz="1900" b="0" i="0" dirty="0">
+                <a:solidFill>
+                  <a:srgbClr val="171717"/>
+                </a:solidFill>
+                <a:effectLst/>
+                <a:latin typeface="Times New Roman" panose="02020603050405020304" pitchFamily="18" charset="0"/>
+                <a:cs typeface="Times New Roman" panose="02020603050405020304" pitchFamily="18" charset="0"/>
+              </a:rPr>
+              <a:t> </a:t>
+            </a:r>
+            <a:r>
+              <a:rPr lang="en-US" sz="1900" b="0" i="0" dirty="0">
+                <a:solidFill>
+                  <a:srgbClr val="0101FD"/>
+                </a:solidFill>
+                <a:effectLst/>
+                <a:latin typeface="Times New Roman" panose="02020603050405020304" pitchFamily="18" charset="0"/>
+                <a:cs typeface="Times New Roman" panose="02020603050405020304" pitchFamily="18" charset="0"/>
+              </a:rPr>
+              <a:t>int</a:t>
+            </a:r>
+            <a:r>
+              <a:rPr lang="en-US" sz="1900" b="0" i="0" dirty="0">
+                <a:solidFill>
+                  <a:srgbClr val="171717"/>
+                </a:solidFill>
+                <a:effectLst/>
+                <a:latin typeface="Times New Roman" panose="02020603050405020304" pitchFamily="18" charset="0"/>
+                <a:cs typeface="Times New Roman" panose="02020603050405020304" pitchFamily="18" charset="0"/>
+              </a:rPr>
+              <a:t>[4, 2];</a:t>
+            </a:r>
+            <a:endParaRPr lang="en-US" sz="1900" dirty="0">
+              <a:solidFill>
+                <a:srgbClr val="171717"/>
+              </a:solidFill>
+              <a:latin typeface="Times New Roman" panose="02020603050405020304" pitchFamily="18" charset="0"/>
+              <a:cs typeface="Times New Roman" panose="02020603050405020304" pitchFamily="18" charset="0"/>
+            </a:endParaRPr>
+          </a:p>
+          <a:p>
+            <a:r>
+              <a:rPr lang="en-US" sz="1900" b="0" i="0" dirty="0">
+                <a:solidFill>
+                  <a:srgbClr val="171717"/>
+                </a:solidFill>
+                <a:effectLst/>
+                <a:latin typeface="Times New Roman" panose="02020603050405020304" pitchFamily="18" charset="0"/>
+                <a:cs typeface="Times New Roman" panose="02020603050405020304" pitchFamily="18" charset="0"/>
+              </a:rPr>
+              <a:t>The following declaration creates an array of three dimensions, 4, 2, and 3.</a:t>
+            </a:r>
+          </a:p>
+          <a:p>
+            <a:pPr lvl="1"/>
+            <a:r>
+              <a:rPr lang="en-US" sz="1900" b="0" i="0" dirty="0">
+                <a:solidFill>
+                  <a:srgbClr val="0101FD"/>
+                </a:solidFill>
+                <a:effectLst/>
+                <a:latin typeface="Times New Roman" panose="02020603050405020304" pitchFamily="18" charset="0"/>
+                <a:cs typeface="Times New Roman" panose="02020603050405020304" pitchFamily="18" charset="0"/>
+              </a:rPr>
+              <a:t>int</a:t>
+            </a:r>
+            <a:r>
+              <a:rPr lang="en-US" sz="1900" b="0" i="0" dirty="0">
+                <a:solidFill>
+                  <a:srgbClr val="171717"/>
+                </a:solidFill>
+                <a:effectLst/>
+                <a:latin typeface="Times New Roman" panose="02020603050405020304" pitchFamily="18" charset="0"/>
+                <a:cs typeface="Times New Roman" panose="02020603050405020304" pitchFamily="18" charset="0"/>
+              </a:rPr>
+              <a:t>[,,] array1 = </a:t>
+            </a:r>
+            <a:r>
+              <a:rPr lang="en-US" sz="1900" b="0" i="0" dirty="0">
+                <a:solidFill>
+                  <a:srgbClr val="0101FD"/>
+                </a:solidFill>
+                <a:effectLst/>
+                <a:latin typeface="Times New Roman" panose="02020603050405020304" pitchFamily="18" charset="0"/>
+                <a:cs typeface="Times New Roman" panose="02020603050405020304" pitchFamily="18" charset="0"/>
+              </a:rPr>
+              <a:t>new</a:t>
+            </a:r>
+            <a:r>
+              <a:rPr lang="en-US" sz="1900" b="0" i="0" dirty="0">
+                <a:solidFill>
+                  <a:srgbClr val="171717"/>
+                </a:solidFill>
+                <a:effectLst/>
+                <a:latin typeface="Times New Roman" panose="02020603050405020304" pitchFamily="18" charset="0"/>
+                <a:cs typeface="Times New Roman" panose="02020603050405020304" pitchFamily="18" charset="0"/>
+              </a:rPr>
+              <a:t> </a:t>
+            </a:r>
+            <a:r>
+              <a:rPr lang="en-US" sz="1900" b="0" i="0" dirty="0">
+                <a:solidFill>
+                  <a:srgbClr val="0101FD"/>
+                </a:solidFill>
+                <a:effectLst/>
+                <a:latin typeface="Times New Roman" panose="02020603050405020304" pitchFamily="18" charset="0"/>
+                <a:cs typeface="Times New Roman" panose="02020603050405020304" pitchFamily="18" charset="0"/>
+              </a:rPr>
+              <a:t>int</a:t>
+            </a:r>
+            <a:r>
+              <a:rPr lang="en-US" sz="1900" b="0" i="0" dirty="0">
+                <a:solidFill>
+                  <a:srgbClr val="171717"/>
+                </a:solidFill>
+                <a:effectLst/>
+                <a:latin typeface="Times New Roman" panose="02020603050405020304" pitchFamily="18" charset="0"/>
+                <a:cs typeface="Times New Roman" panose="02020603050405020304" pitchFamily="18" charset="0"/>
+              </a:rPr>
+              <a:t>[4, 2, 3];</a:t>
+            </a:r>
+            <a:endParaRPr lang="en-US" sz="1900" dirty="0">
+              <a:solidFill>
+                <a:srgbClr val="171717"/>
+              </a:solidFill>
+              <a:latin typeface="Times New Roman" panose="02020603050405020304" pitchFamily="18" charset="0"/>
+              <a:cs typeface="Times New Roman" panose="02020603050405020304" pitchFamily="18" charset="0"/>
+            </a:endParaRPr>
+          </a:p>
+          <a:p>
+            <a:r>
+              <a:rPr lang="en-US" sz="1900" dirty="0">
+                <a:solidFill>
+                  <a:srgbClr val="171717"/>
+                </a:solidFill>
+                <a:latin typeface="Times New Roman" panose="02020603050405020304" pitchFamily="18" charset="0"/>
+                <a:cs typeface="Times New Roman" panose="02020603050405020304" pitchFamily="18" charset="0"/>
+              </a:rPr>
+              <a:t>A</a:t>
+            </a:r>
+            <a:r>
+              <a:rPr lang="en-US" sz="1900" b="0" i="0" dirty="0">
+                <a:solidFill>
+                  <a:srgbClr val="171717"/>
+                </a:solidFill>
+                <a:effectLst/>
+                <a:latin typeface="Times New Roman" panose="02020603050405020304" pitchFamily="18" charset="0"/>
+                <a:cs typeface="Times New Roman" panose="02020603050405020304" pitchFamily="18" charset="0"/>
+              </a:rPr>
+              <a:t>ssigning a value to a particular array element.</a:t>
+            </a:r>
+          </a:p>
+          <a:p>
+            <a:pPr lvl="1"/>
+            <a:r>
+              <a:rPr lang="en-IN" sz="1900" b="0" i="0" dirty="0">
+                <a:solidFill>
+                  <a:srgbClr val="171717"/>
+                </a:solidFill>
+                <a:effectLst/>
+                <a:latin typeface="Times New Roman" panose="02020603050405020304" pitchFamily="18" charset="0"/>
+                <a:cs typeface="Times New Roman" panose="02020603050405020304" pitchFamily="18" charset="0"/>
+              </a:rPr>
+              <a:t>array[2, 1] = 25;</a:t>
+            </a:r>
+          </a:p>
+          <a:p>
+            <a:r>
+              <a:rPr lang="en-IN" sz="1900" dirty="0">
+                <a:latin typeface="Times New Roman" panose="02020603050405020304" pitchFamily="18" charset="0"/>
+                <a:cs typeface="Times New Roman" panose="02020603050405020304" pitchFamily="18" charset="0"/>
+              </a:rPr>
+              <a:t>Getting value of a particular element and assigns it to a variable.</a:t>
+            </a:r>
+          </a:p>
+          <a:p>
+            <a:pPr lvl="1"/>
+            <a:r>
+              <a:rPr lang="en-IN" sz="1900" dirty="0">
+                <a:latin typeface="Times New Roman" panose="02020603050405020304" pitchFamily="18" charset="0"/>
+                <a:cs typeface="Times New Roman" panose="02020603050405020304" pitchFamily="18" charset="0"/>
+              </a:rPr>
+              <a:t>int </a:t>
+            </a:r>
+            <a:r>
+              <a:rPr lang="en-IN" sz="1900" dirty="0" err="1">
+                <a:latin typeface="Times New Roman" panose="02020603050405020304" pitchFamily="18" charset="0"/>
+                <a:cs typeface="Times New Roman" panose="02020603050405020304" pitchFamily="18" charset="0"/>
+              </a:rPr>
+              <a:t>ele</a:t>
+            </a:r>
+            <a:r>
+              <a:rPr lang="en-IN" sz="1900" dirty="0">
+                <a:latin typeface="Times New Roman" panose="02020603050405020304" pitchFamily="18" charset="0"/>
+                <a:cs typeface="Times New Roman" panose="02020603050405020304" pitchFamily="18" charset="0"/>
+              </a:rPr>
+              <a:t> =array[2,1];</a:t>
+            </a:r>
           </a:p>
         </p:txBody>
       </p:sp>
@@ -7638,6 +7911,1639 @@
     <p:extLst>
       <p:ext uri="{BB962C8B-B14F-4D97-AF65-F5344CB8AC3E}">
         <p14:creationId xmlns:p14="http://schemas.microsoft.com/office/powerpoint/2010/main" val="609059368"/>
+      </p:ext>
+    </p:extLst>
+  </p:cSld>
+  <p:clrMapOvr>
+    <a:masterClrMapping/>
+  </p:clrMapOvr>
+</p:sld>
+</file>
+
+<file path=ppt/slides/slide22.xml><?xml version="1.0" encoding="utf-8"?>
+<p:sld xmlns:a="http://schemas.openxmlformats.org/drawingml/2006/main" xmlns:r="http://schemas.openxmlformats.org/officeDocument/2006/relationships" xmlns:p="http://schemas.openxmlformats.org/presentationml/2006/main">
+  <p:cSld>
+    <p:spTree>
+      <p:nvGrpSpPr>
+        <p:cNvPr id="1" name=""/>
+        <p:cNvGrpSpPr/>
+        <p:nvPr/>
+      </p:nvGrpSpPr>
+      <p:grpSpPr>
+        <a:xfrm>
+          <a:off x="0" y="0"/>
+          <a:ext cx="0" cy="0"/>
+          <a:chOff x="0" y="0"/>
+          <a:chExt cx="0" cy="0"/>
+        </a:xfrm>
+      </p:grpSpPr>
+      <p:sp>
+        <p:nvSpPr>
+          <p:cNvPr id="2" name="Title 1">
+            <a:extLst>
+              <a:ext uri="{FF2B5EF4-FFF2-40B4-BE49-F238E27FC236}">
+                <a16:creationId xmlns:a16="http://schemas.microsoft.com/office/drawing/2014/main" id="{296E8250-CD56-4288-943A-8CB1E8515C25}"/>
+              </a:ext>
+            </a:extLst>
+          </p:cNvPr>
+          <p:cNvSpPr>
+            <a:spLocks noGrp="1"/>
+          </p:cNvSpPr>
+          <p:nvPr>
+            <p:ph type="title"/>
+          </p:nvPr>
+        </p:nvSpPr>
+        <p:spPr/>
+        <p:txBody>
+          <a:bodyPr>
+            <a:normAutofit/>
+          </a:bodyPr>
+          <a:lstStyle/>
+          <a:p>
+            <a:r>
+              <a:rPr lang="en-US" sz="4400" dirty="0">
+                <a:latin typeface="Times New Roman" panose="02020603050405020304" pitchFamily="18" charset="0"/>
+                <a:cs typeface="Times New Roman" panose="02020603050405020304" pitchFamily="18" charset="0"/>
+              </a:rPr>
+              <a:t>Jagged Array :</a:t>
+            </a:r>
+            <a:endParaRPr lang="en-IN" sz="4400" dirty="0">
+              <a:latin typeface="Times New Roman" panose="02020603050405020304" pitchFamily="18" charset="0"/>
+              <a:cs typeface="Times New Roman" panose="02020603050405020304" pitchFamily="18" charset="0"/>
+            </a:endParaRPr>
+          </a:p>
+        </p:txBody>
+      </p:sp>
+      <p:sp>
+        <p:nvSpPr>
+          <p:cNvPr id="3" name="Content Placeholder 2">
+            <a:extLst>
+              <a:ext uri="{FF2B5EF4-FFF2-40B4-BE49-F238E27FC236}">
+                <a16:creationId xmlns:a16="http://schemas.microsoft.com/office/drawing/2014/main" id="{F9FC14F8-D8D7-488D-AAA0-456D650A2458}"/>
+              </a:ext>
+            </a:extLst>
+          </p:cNvPr>
+          <p:cNvSpPr>
+            <a:spLocks noGrp="1"/>
+          </p:cNvSpPr>
+          <p:nvPr>
+            <p:ph idx="1"/>
+          </p:nvPr>
+        </p:nvSpPr>
+        <p:spPr/>
+        <p:txBody>
+          <a:bodyPr>
+            <a:normAutofit fontScale="92500" lnSpcReduction="20000"/>
+          </a:bodyPr>
+          <a:lstStyle/>
+          <a:p>
+            <a:r>
+              <a:rPr lang="en-US" sz="1900" b="0" i="0" dirty="0">
+                <a:solidFill>
+                  <a:srgbClr val="171717"/>
+                </a:solidFill>
+                <a:effectLst/>
+                <a:latin typeface="Times New Roman" panose="02020603050405020304" pitchFamily="18" charset="0"/>
+                <a:cs typeface="Times New Roman" panose="02020603050405020304" pitchFamily="18" charset="0"/>
+              </a:rPr>
+              <a:t>A jagged array is an array whose elements are arrays, possibly of different sizes. A jagged array is sometimes called an “array of arrays”.</a:t>
+            </a:r>
+          </a:p>
+          <a:p>
+            <a:pPr algn="l"/>
+            <a:r>
+              <a:rPr lang="en-US" sz="1900" b="0" i="0" dirty="0">
+                <a:solidFill>
+                  <a:srgbClr val="171717"/>
+                </a:solidFill>
+                <a:effectLst/>
+                <a:latin typeface="Times New Roman" panose="02020603050405020304" pitchFamily="18" charset="0"/>
+                <a:cs typeface="Times New Roman" panose="02020603050405020304" pitchFamily="18" charset="0"/>
+              </a:rPr>
+              <a:t>The following is a declaration of a single-dimensional array that has three elements, each of which is a single-dimensional array of integers:</a:t>
+            </a:r>
+            <a:endParaRPr lang="en-IN" sz="1900" b="0" i="0" dirty="0">
+              <a:solidFill>
+                <a:srgbClr val="171717"/>
+              </a:solidFill>
+              <a:effectLst/>
+              <a:latin typeface="Times New Roman" panose="02020603050405020304" pitchFamily="18" charset="0"/>
+              <a:cs typeface="Times New Roman" panose="02020603050405020304" pitchFamily="18" charset="0"/>
+            </a:endParaRPr>
+          </a:p>
+          <a:p>
+            <a:pPr lvl="1"/>
+            <a:r>
+              <a:rPr lang="en-US" sz="1900" b="0" i="0" dirty="0">
+                <a:solidFill>
+                  <a:srgbClr val="0101FD"/>
+                </a:solidFill>
+                <a:effectLst/>
+                <a:latin typeface="Times New Roman" panose="02020603050405020304" pitchFamily="18" charset="0"/>
+                <a:cs typeface="Times New Roman" panose="02020603050405020304" pitchFamily="18" charset="0"/>
+              </a:rPr>
+              <a:t>int</a:t>
+            </a:r>
+            <a:r>
+              <a:rPr lang="en-US" sz="1900" b="0" i="0" dirty="0">
+                <a:solidFill>
+                  <a:srgbClr val="171717"/>
+                </a:solidFill>
+                <a:effectLst/>
+                <a:latin typeface="Times New Roman" panose="02020603050405020304" pitchFamily="18" charset="0"/>
+                <a:cs typeface="Times New Roman" panose="02020603050405020304" pitchFamily="18" charset="0"/>
+              </a:rPr>
+              <a:t>[][] </a:t>
+            </a:r>
+            <a:r>
+              <a:rPr lang="en-US" sz="1900" b="0" i="0" dirty="0" err="1">
+                <a:solidFill>
+                  <a:srgbClr val="171717"/>
+                </a:solidFill>
+                <a:effectLst/>
+                <a:latin typeface="Times New Roman" panose="02020603050405020304" pitchFamily="18" charset="0"/>
+                <a:cs typeface="Times New Roman" panose="02020603050405020304" pitchFamily="18" charset="0"/>
+              </a:rPr>
+              <a:t>jaggedArray</a:t>
+            </a:r>
+            <a:r>
+              <a:rPr lang="en-US" sz="1900" b="0" i="0" dirty="0">
+                <a:solidFill>
+                  <a:srgbClr val="171717"/>
+                </a:solidFill>
+                <a:effectLst/>
+                <a:latin typeface="Times New Roman" panose="02020603050405020304" pitchFamily="18" charset="0"/>
+                <a:cs typeface="Times New Roman" panose="02020603050405020304" pitchFamily="18" charset="0"/>
+              </a:rPr>
+              <a:t> = </a:t>
+            </a:r>
+            <a:r>
+              <a:rPr lang="en-US" sz="1900" b="0" i="0" dirty="0">
+                <a:solidFill>
+                  <a:srgbClr val="0101FD"/>
+                </a:solidFill>
+                <a:effectLst/>
+                <a:latin typeface="Times New Roman" panose="02020603050405020304" pitchFamily="18" charset="0"/>
+                <a:cs typeface="Times New Roman" panose="02020603050405020304" pitchFamily="18" charset="0"/>
+              </a:rPr>
+              <a:t>new</a:t>
+            </a:r>
+            <a:r>
+              <a:rPr lang="en-US" sz="1900" b="0" i="0" dirty="0">
+                <a:solidFill>
+                  <a:srgbClr val="171717"/>
+                </a:solidFill>
+                <a:effectLst/>
+                <a:latin typeface="Times New Roman" panose="02020603050405020304" pitchFamily="18" charset="0"/>
+                <a:cs typeface="Times New Roman" panose="02020603050405020304" pitchFamily="18" charset="0"/>
+              </a:rPr>
+              <a:t> </a:t>
+            </a:r>
+            <a:r>
+              <a:rPr lang="en-US" sz="1900" b="0" i="0" dirty="0">
+                <a:solidFill>
+                  <a:srgbClr val="0101FD"/>
+                </a:solidFill>
+                <a:effectLst/>
+                <a:latin typeface="Times New Roman" panose="02020603050405020304" pitchFamily="18" charset="0"/>
+                <a:cs typeface="Times New Roman" panose="02020603050405020304" pitchFamily="18" charset="0"/>
+              </a:rPr>
+              <a:t>int</a:t>
+            </a:r>
+            <a:r>
+              <a:rPr lang="en-US" sz="1900" b="0" i="0" dirty="0">
+                <a:solidFill>
+                  <a:srgbClr val="171717"/>
+                </a:solidFill>
+                <a:effectLst/>
+                <a:latin typeface="Times New Roman" panose="02020603050405020304" pitchFamily="18" charset="0"/>
+                <a:cs typeface="Times New Roman" panose="02020603050405020304" pitchFamily="18" charset="0"/>
+              </a:rPr>
+              <a:t>[3][];</a:t>
+            </a:r>
+            <a:endParaRPr lang="en-IN" sz="1900" dirty="0">
+              <a:solidFill>
+                <a:srgbClr val="171717"/>
+              </a:solidFill>
+              <a:latin typeface="Times New Roman" panose="02020603050405020304" pitchFamily="18" charset="0"/>
+              <a:cs typeface="Times New Roman" panose="02020603050405020304" pitchFamily="18" charset="0"/>
+            </a:endParaRPr>
+          </a:p>
+          <a:p>
+            <a:pPr marL="274320" lvl="1" indent="0">
+              <a:buNone/>
+            </a:pPr>
+            <a:r>
+              <a:rPr lang="en-IN" sz="2000" b="0" i="0" dirty="0">
+                <a:solidFill>
+                  <a:srgbClr val="171717"/>
+                </a:solidFill>
+                <a:effectLst/>
+                <a:latin typeface="Times New Roman" panose="02020603050405020304" pitchFamily="18" charset="0"/>
+                <a:cs typeface="Times New Roman" panose="02020603050405020304" pitchFamily="18" charset="0"/>
+              </a:rPr>
+              <a:t>   </a:t>
+            </a:r>
+            <a:r>
+              <a:rPr lang="en-US" sz="1900" b="0" i="0" dirty="0" err="1">
+                <a:solidFill>
+                  <a:srgbClr val="171717"/>
+                </a:solidFill>
+                <a:effectLst/>
+                <a:latin typeface="Times New Roman" panose="02020603050405020304" pitchFamily="18" charset="0"/>
+                <a:cs typeface="Times New Roman" panose="02020603050405020304" pitchFamily="18" charset="0"/>
+              </a:rPr>
+              <a:t>jaggedArray</a:t>
+            </a:r>
+            <a:r>
+              <a:rPr lang="en-US" sz="1900" b="0" i="0" dirty="0">
+                <a:solidFill>
+                  <a:srgbClr val="171717"/>
+                </a:solidFill>
+                <a:effectLst/>
+                <a:latin typeface="Times New Roman" panose="02020603050405020304" pitchFamily="18" charset="0"/>
+                <a:cs typeface="Times New Roman" panose="02020603050405020304" pitchFamily="18" charset="0"/>
+              </a:rPr>
+              <a:t>[0] = </a:t>
+            </a:r>
+            <a:r>
+              <a:rPr lang="en-US" sz="1900" b="0" i="0" dirty="0">
+                <a:solidFill>
+                  <a:srgbClr val="0101FD"/>
+                </a:solidFill>
+                <a:effectLst/>
+                <a:latin typeface="Times New Roman" panose="02020603050405020304" pitchFamily="18" charset="0"/>
+                <a:cs typeface="Times New Roman" panose="02020603050405020304" pitchFamily="18" charset="0"/>
+              </a:rPr>
+              <a:t>new</a:t>
+            </a:r>
+            <a:r>
+              <a:rPr lang="en-US" sz="1900" b="0" i="0" dirty="0">
+                <a:solidFill>
+                  <a:srgbClr val="171717"/>
+                </a:solidFill>
+                <a:effectLst/>
+                <a:latin typeface="Times New Roman" panose="02020603050405020304" pitchFamily="18" charset="0"/>
+                <a:cs typeface="Times New Roman" panose="02020603050405020304" pitchFamily="18" charset="0"/>
+              </a:rPr>
+              <a:t> </a:t>
+            </a:r>
+            <a:r>
+              <a:rPr lang="en-US" sz="1900" b="0" i="0" dirty="0">
+                <a:solidFill>
+                  <a:srgbClr val="0101FD"/>
+                </a:solidFill>
+                <a:effectLst/>
+                <a:latin typeface="Times New Roman" panose="02020603050405020304" pitchFamily="18" charset="0"/>
+                <a:cs typeface="Times New Roman" panose="02020603050405020304" pitchFamily="18" charset="0"/>
+              </a:rPr>
+              <a:t>int</a:t>
+            </a:r>
+            <a:r>
+              <a:rPr lang="en-US" sz="1900" b="0" i="0" dirty="0">
+                <a:solidFill>
+                  <a:srgbClr val="171717"/>
+                </a:solidFill>
+                <a:effectLst/>
+                <a:latin typeface="Times New Roman" panose="02020603050405020304" pitchFamily="18" charset="0"/>
+                <a:cs typeface="Times New Roman" panose="02020603050405020304" pitchFamily="18" charset="0"/>
+              </a:rPr>
+              <a:t>[5]; </a:t>
+            </a:r>
+          </a:p>
+          <a:p>
+            <a:pPr marL="274320" lvl="1" indent="0">
+              <a:buNone/>
+            </a:pPr>
+            <a:r>
+              <a:rPr lang="en-US" sz="1900" dirty="0">
+                <a:solidFill>
+                  <a:srgbClr val="171717"/>
+                </a:solidFill>
+                <a:latin typeface="Times New Roman" panose="02020603050405020304" pitchFamily="18" charset="0"/>
+                <a:cs typeface="Times New Roman" panose="02020603050405020304" pitchFamily="18" charset="0"/>
+              </a:rPr>
+              <a:t>   </a:t>
+            </a:r>
+            <a:r>
+              <a:rPr lang="en-US" sz="1900" b="0" i="0" dirty="0" err="1">
+                <a:solidFill>
+                  <a:srgbClr val="171717"/>
+                </a:solidFill>
+                <a:effectLst/>
+                <a:latin typeface="Times New Roman" panose="02020603050405020304" pitchFamily="18" charset="0"/>
+                <a:cs typeface="Times New Roman" panose="02020603050405020304" pitchFamily="18" charset="0"/>
+              </a:rPr>
+              <a:t>jaggedArray</a:t>
+            </a:r>
+            <a:r>
+              <a:rPr lang="en-US" sz="1900" b="0" i="0" dirty="0">
+                <a:solidFill>
+                  <a:srgbClr val="171717"/>
+                </a:solidFill>
+                <a:effectLst/>
+                <a:latin typeface="Times New Roman" panose="02020603050405020304" pitchFamily="18" charset="0"/>
+                <a:cs typeface="Times New Roman" panose="02020603050405020304" pitchFamily="18" charset="0"/>
+              </a:rPr>
+              <a:t>[1] = </a:t>
+            </a:r>
+            <a:r>
+              <a:rPr lang="en-US" sz="1900" b="0" i="0" dirty="0">
+                <a:solidFill>
+                  <a:srgbClr val="0101FD"/>
+                </a:solidFill>
+                <a:effectLst/>
+                <a:latin typeface="Times New Roman" panose="02020603050405020304" pitchFamily="18" charset="0"/>
+                <a:cs typeface="Times New Roman" panose="02020603050405020304" pitchFamily="18" charset="0"/>
+              </a:rPr>
+              <a:t>new</a:t>
+            </a:r>
+            <a:r>
+              <a:rPr lang="en-US" sz="1900" b="0" i="0" dirty="0">
+                <a:solidFill>
+                  <a:srgbClr val="171717"/>
+                </a:solidFill>
+                <a:effectLst/>
+                <a:latin typeface="Times New Roman" panose="02020603050405020304" pitchFamily="18" charset="0"/>
+                <a:cs typeface="Times New Roman" panose="02020603050405020304" pitchFamily="18" charset="0"/>
+              </a:rPr>
+              <a:t> </a:t>
+            </a:r>
+            <a:r>
+              <a:rPr lang="en-US" sz="1900" b="0" i="0" dirty="0">
+                <a:solidFill>
+                  <a:srgbClr val="0101FD"/>
+                </a:solidFill>
+                <a:effectLst/>
+                <a:latin typeface="Times New Roman" panose="02020603050405020304" pitchFamily="18" charset="0"/>
+                <a:cs typeface="Times New Roman" panose="02020603050405020304" pitchFamily="18" charset="0"/>
+              </a:rPr>
+              <a:t>int</a:t>
+            </a:r>
+            <a:r>
+              <a:rPr lang="en-US" sz="1900" b="0" i="0" dirty="0">
+                <a:solidFill>
+                  <a:srgbClr val="171717"/>
+                </a:solidFill>
+                <a:effectLst/>
+                <a:latin typeface="Times New Roman" panose="02020603050405020304" pitchFamily="18" charset="0"/>
+                <a:cs typeface="Times New Roman" panose="02020603050405020304" pitchFamily="18" charset="0"/>
+              </a:rPr>
+              <a:t>[4]; </a:t>
+            </a:r>
+          </a:p>
+          <a:p>
+            <a:pPr marL="274320" lvl="1" indent="0">
+              <a:buNone/>
+            </a:pPr>
+            <a:r>
+              <a:rPr lang="en-US" sz="1900" dirty="0">
+                <a:solidFill>
+                  <a:srgbClr val="171717"/>
+                </a:solidFill>
+                <a:latin typeface="Times New Roman" panose="02020603050405020304" pitchFamily="18" charset="0"/>
+                <a:cs typeface="Times New Roman" panose="02020603050405020304" pitchFamily="18" charset="0"/>
+              </a:rPr>
+              <a:t>   </a:t>
+            </a:r>
+            <a:r>
+              <a:rPr lang="en-US" sz="1900" b="0" i="0" dirty="0" err="1">
+                <a:solidFill>
+                  <a:srgbClr val="171717"/>
+                </a:solidFill>
+                <a:effectLst/>
+                <a:latin typeface="Times New Roman" panose="02020603050405020304" pitchFamily="18" charset="0"/>
+                <a:cs typeface="Times New Roman" panose="02020603050405020304" pitchFamily="18" charset="0"/>
+              </a:rPr>
+              <a:t>jaggedArray</a:t>
+            </a:r>
+            <a:r>
+              <a:rPr lang="en-US" sz="1900" b="0" i="0" dirty="0">
+                <a:solidFill>
+                  <a:srgbClr val="171717"/>
+                </a:solidFill>
+                <a:effectLst/>
+                <a:latin typeface="Times New Roman" panose="02020603050405020304" pitchFamily="18" charset="0"/>
+                <a:cs typeface="Times New Roman" panose="02020603050405020304" pitchFamily="18" charset="0"/>
+              </a:rPr>
+              <a:t>[2] = </a:t>
+            </a:r>
+            <a:r>
+              <a:rPr lang="en-US" sz="1900" b="0" i="0" dirty="0">
+                <a:solidFill>
+                  <a:srgbClr val="0101FD"/>
+                </a:solidFill>
+                <a:effectLst/>
+                <a:latin typeface="Times New Roman" panose="02020603050405020304" pitchFamily="18" charset="0"/>
+                <a:cs typeface="Times New Roman" panose="02020603050405020304" pitchFamily="18" charset="0"/>
+              </a:rPr>
+              <a:t>new</a:t>
+            </a:r>
+            <a:r>
+              <a:rPr lang="en-US" sz="1900" b="0" i="0" dirty="0">
+                <a:solidFill>
+                  <a:srgbClr val="171717"/>
+                </a:solidFill>
+                <a:effectLst/>
+                <a:latin typeface="Times New Roman" panose="02020603050405020304" pitchFamily="18" charset="0"/>
+                <a:cs typeface="Times New Roman" panose="02020603050405020304" pitchFamily="18" charset="0"/>
+              </a:rPr>
+              <a:t> </a:t>
+            </a:r>
+            <a:r>
+              <a:rPr lang="en-US" sz="1900" b="0" i="0" dirty="0">
+                <a:solidFill>
+                  <a:srgbClr val="0101FD"/>
+                </a:solidFill>
+                <a:effectLst/>
+                <a:latin typeface="Times New Roman" panose="02020603050405020304" pitchFamily="18" charset="0"/>
+                <a:cs typeface="Times New Roman" panose="02020603050405020304" pitchFamily="18" charset="0"/>
+              </a:rPr>
+              <a:t>int</a:t>
+            </a:r>
+            <a:r>
+              <a:rPr lang="en-US" sz="1900" b="0" i="0" dirty="0">
+                <a:solidFill>
+                  <a:srgbClr val="171717"/>
+                </a:solidFill>
+                <a:effectLst/>
+                <a:latin typeface="Times New Roman" panose="02020603050405020304" pitchFamily="18" charset="0"/>
+                <a:cs typeface="Times New Roman" panose="02020603050405020304" pitchFamily="18" charset="0"/>
+              </a:rPr>
+              <a:t>[2];</a:t>
+            </a:r>
+            <a:endParaRPr lang="en-US" sz="1900" dirty="0">
+              <a:solidFill>
+                <a:srgbClr val="171717"/>
+              </a:solidFill>
+              <a:latin typeface="Times New Roman" panose="02020603050405020304" pitchFamily="18" charset="0"/>
+              <a:cs typeface="Times New Roman" panose="02020603050405020304" pitchFamily="18" charset="0"/>
+            </a:endParaRPr>
+          </a:p>
+          <a:p>
+            <a:r>
+              <a:rPr lang="en-US" sz="1900" b="0" i="0" dirty="0">
+                <a:solidFill>
+                  <a:srgbClr val="171717"/>
+                </a:solidFill>
+                <a:effectLst/>
+                <a:latin typeface="Times New Roman" panose="02020603050405020304" pitchFamily="18" charset="0"/>
+                <a:cs typeface="Times New Roman" panose="02020603050405020304" pitchFamily="18" charset="0"/>
+              </a:rPr>
+              <a:t>It is also possible to use initializers to fill the array elements with values, in which case you do not need the array size. For example:</a:t>
+            </a:r>
+          </a:p>
+          <a:p>
+            <a:pPr marL="274320" lvl="1" indent="0">
+              <a:buNone/>
+            </a:pPr>
+            <a:r>
+              <a:rPr lang="en-US" sz="2000" b="0" i="0" dirty="0" err="1">
+                <a:solidFill>
+                  <a:srgbClr val="171717"/>
+                </a:solidFill>
+                <a:effectLst/>
+                <a:latin typeface="SFMono-Regular"/>
+              </a:rPr>
+              <a:t>jaggedArray</a:t>
+            </a:r>
+            <a:r>
+              <a:rPr lang="en-US" sz="2000" b="0" i="0" dirty="0">
+                <a:solidFill>
+                  <a:srgbClr val="171717"/>
+                </a:solidFill>
+                <a:effectLst/>
+                <a:latin typeface="SFMono-Regular"/>
+              </a:rPr>
+              <a:t>[0] = </a:t>
+            </a:r>
+            <a:r>
+              <a:rPr lang="en-US" sz="2000" b="0" i="0" dirty="0">
+                <a:solidFill>
+                  <a:srgbClr val="0101FD"/>
+                </a:solidFill>
+                <a:effectLst/>
+                <a:latin typeface="SFMono-Regular"/>
+              </a:rPr>
+              <a:t>new</a:t>
+            </a:r>
+            <a:r>
+              <a:rPr lang="en-US" sz="2000" b="0" i="0" dirty="0">
+                <a:solidFill>
+                  <a:srgbClr val="171717"/>
+                </a:solidFill>
+                <a:effectLst/>
+                <a:latin typeface="SFMono-Regular"/>
+              </a:rPr>
+              <a:t> </a:t>
+            </a:r>
+            <a:r>
+              <a:rPr lang="en-US" sz="2000" b="0" i="0" dirty="0">
+                <a:solidFill>
+                  <a:srgbClr val="0101FD"/>
+                </a:solidFill>
+                <a:effectLst/>
+                <a:latin typeface="SFMono-Regular"/>
+              </a:rPr>
+              <a:t>int</a:t>
+            </a:r>
+            <a:r>
+              <a:rPr lang="en-US" sz="2000" b="0" i="0" dirty="0">
+                <a:solidFill>
+                  <a:srgbClr val="171717"/>
+                </a:solidFill>
+                <a:effectLst/>
+                <a:latin typeface="SFMono-Regular"/>
+              </a:rPr>
+              <a:t>[] { 1, 3, 5, 7, 9 }; </a:t>
+            </a:r>
+          </a:p>
+          <a:p>
+            <a:pPr marL="274320" lvl="1" indent="0">
+              <a:buNone/>
+            </a:pPr>
+            <a:r>
+              <a:rPr lang="en-US" sz="2000" b="0" i="0" dirty="0" err="1">
+                <a:solidFill>
+                  <a:srgbClr val="171717"/>
+                </a:solidFill>
+                <a:effectLst/>
+                <a:latin typeface="SFMono-Regular"/>
+              </a:rPr>
+              <a:t>jaggedArray</a:t>
+            </a:r>
+            <a:r>
+              <a:rPr lang="en-US" sz="2000" b="0" i="0" dirty="0">
+                <a:solidFill>
+                  <a:srgbClr val="171717"/>
+                </a:solidFill>
+                <a:effectLst/>
+                <a:latin typeface="SFMono-Regular"/>
+              </a:rPr>
+              <a:t>[1] = </a:t>
+            </a:r>
+            <a:r>
+              <a:rPr lang="en-US" sz="2000" b="0" i="0" dirty="0">
+                <a:solidFill>
+                  <a:srgbClr val="0101FD"/>
+                </a:solidFill>
+                <a:effectLst/>
+                <a:latin typeface="SFMono-Regular"/>
+              </a:rPr>
+              <a:t>new</a:t>
+            </a:r>
+            <a:r>
+              <a:rPr lang="en-US" sz="2000" b="0" i="0" dirty="0">
+                <a:solidFill>
+                  <a:srgbClr val="171717"/>
+                </a:solidFill>
+                <a:effectLst/>
+                <a:latin typeface="SFMono-Regular"/>
+              </a:rPr>
+              <a:t> </a:t>
+            </a:r>
+            <a:r>
+              <a:rPr lang="en-US" sz="2000" b="0" i="0" dirty="0">
+                <a:solidFill>
+                  <a:srgbClr val="0101FD"/>
+                </a:solidFill>
+                <a:effectLst/>
+                <a:latin typeface="SFMono-Regular"/>
+              </a:rPr>
+              <a:t>int</a:t>
+            </a:r>
+            <a:r>
+              <a:rPr lang="en-US" sz="2000" b="0" i="0" dirty="0">
+                <a:solidFill>
+                  <a:srgbClr val="171717"/>
+                </a:solidFill>
+                <a:effectLst/>
+                <a:latin typeface="SFMono-Regular"/>
+              </a:rPr>
+              <a:t>[] { 0, 2, 4, 6 }; </a:t>
+            </a:r>
+          </a:p>
+          <a:p>
+            <a:pPr marL="274320" lvl="1" indent="0">
+              <a:buNone/>
+            </a:pPr>
+            <a:r>
+              <a:rPr lang="en-US" sz="2000" b="0" i="0" dirty="0" err="1">
+                <a:solidFill>
+                  <a:srgbClr val="171717"/>
+                </a:solidFill>
+                <a:effectLst/>
+                <a:latin typeface="SFMono-Regular"/>
+              </a:rPr>
+              <a:t>jaggedArray</a:t>
+            </a:r>
+            <a:r>
+              <a:rPr lang="en-US" sz="2000" b="0" i="0" dirty="0">
+                <a:solidFill>
+                  <a:srgbClr val="171717"/>
+                </a:solidFill>
+                <a:effectLst/>
+                <a:latin typeface="SFMono-Regular"/>
+              </a:rPr>
+              <a:t>[2] = </a:t>
+            </a:r>
+            <a:r>
+              <a:rPr lang="en-US" sz="2000" b="0" i="0" dirty="0">
+                <a:solidFill>
+                  <a:srgbClr val="0101FD"/>
+                </a:solidFill>
+                <a:effectLst/>
+                <a:latin typeface="SFMono-Regular"/>
+              </a:rPr>
+              <a:t>new</a:t>
+            </a:r>
+            <a:r>
+              <a:rPr lang="en-US" sz="2000" b="0" i="0" dirty="0">
+                <a:solidFill>
+                  <a:srgbClr val="171717"/>
+                </a:solidFill>
+                <a:effectLst/>
+                <a:latin typeface="SFMono-Regular"/>
+              </a:rPr>
+              <a:t> </a:t>
+            </a:r>
+            <a:r>
+              <a:rPr lang="en-US" sz="2000" b="0" i="0" dirty="0">
+                <a:solidFill>
+                  <a:srgbClr val="0101FD"/>
+                </a:solidFill>
+                <a:effectLst/>
+                <a:latin typeface="SFMono-Regular"/>
+              </a:rPr>
+              <a:t>int</a:t>
+            </a:r>
+            <a:r>
+              <a:rPr lang="en-US" sz="2000" b="0" i="0" dirty="0">
+                <a:solidFill>
+                  <a:srgbClr val="171717"/>
+                </a:solidFill>
+                <a:effectLst/>
+                <a:latin typeface="SFMono-Regular"/>
+              </a:rPr>
+              <a:t>[] { 11, 22 };</a:t>
+            </a:r>
+            <a:endParaRPr lang="en-US" sz="1700" b="0" i="0" dirty="0">
+              <a:solidFill>
+                <a:srgbClr val="171717"/>
+              </a:solidFill>
+              <a:effectLst/>
+              <a:latin typeface="Times New Roman" panose="02020603050405020304" pitchFamily="18" charset="0"/>
+              <a:cs typeface="Times New Roman" panose="02020603050405020304" pitchFamily="18" charset="0"/>
+            </a:endParaRPr>
+          </a:p>
+        </p:txBody>
+      </p:sp>
+    </p:spTree>
+    <p:extLst>
+      <p:ext uri="{BB962C8B-B14F-4D97-AF65-F5344CB8AC3E}">
+        <p14:creationId xmlns:p14="http://schemas.microsoft.com/office/powerpoint/2010/main" val="2860713619"/>
+      </p:ext>
+    </p:extLst>
+  </p:cSld>
+  <p:clrMapOvr>
+    <a:masterClrMapping/>
+  </p:clrMapOvr>
+</p:sld>
+</file>
+
+<file path=ppt/slides/slide23.xml><?xml version="1.0" encoding="utf-8"?>
+<p:sld xmlns:a="http://schemas.openxmlformats.org/drawingml/2006/main" xmlns:r="http://schemas.openxmlformats.org/officeDocument/2006/relationships" xmlns:p="http://schemas.openxmlformats.org/presentationml/2006/main">
+  <p:cSld>
+    <p:spTree>
+      <p:nvGrpSpPr>
+        <p:cNvPr id="1" name=""/>
+        <p:cNvGrpSpPr/>
+        <p:nvPr/>
+      </p:nvGrpSpPr>
+      <p:grpSpPr>
+        <a:xfrm>
+          <a:off x="0" y="0"/>
+          <a:ext cx="0" cy="0"/>
+          <a:chOff x="0" y="0"/>
+          <a:chExt cx="0" cy="0"/>
+        </a:xfrm>
+      </p:grpSpPr>
+      <p:sp>
+        <p:nvSpPr>
+          <p:cNvPr id="2" name="Title 1">
+            <a:extLst>
+              <a:ext uri="{FF2B5EF4-FFF2-40B4-BE49-F238E27FC236}">
+                <a16:creationId xmlns:a16="http://schemas.microsoft.com/office/drawing/2014/main" id="{D37B05E6-41F9-46F0-AB65-ED42147DDAF4}"/>
+              </a:ext>
+            </a:extLst>
+          </p:cNvPr>
+          <p:cNvSpPr>
+            <a:spLocks noGrp="1"/>
+          </p:cNvSpPr>
+          <p:nvPr>
+            <p:ph type="title"/>
+          </p:nvPr>
+        </p:nvSpPr>
+        <p:spPr/>
+        <p:txBody>
+          <a:bodyPr>
+            <a:normAutofit/>
+          </a:bodyPr>
+          <a:lstStyle/>
+          <a:p>
+            <a:r>
+              <a:rPr lang="en-US" sz="4400" dirty="0">
+                <a:latin typeface="Times New Roman" panose="02020603050405020304" pitchFamily="18" charset="0"/>
+                <a:cs typeface="Times New Roman" panose="02020603050405020304" pitchFamily="18" charset="0"/>
+              </a:rPr>
+              <a:t>Structures in C#:</a:t>
+            </a:r>
+            <a:endParaRPr lang="en-IN" sz="4400" dirty="0">
+              <a:latin typeface="Times New Roman" panose="02020603050405020304" pitchFamily="18" charset="0"/>
+              <a:cs typeface="Times New Roman" panose="02020603050405020304" pitchFamily="18" charset="0"/>
+            </a:endParaRPr>
+          </a:p>
+        </p:txBody>
+      </p:sp>
+      <p:sp>
+        <p:nvSpPr>
+          <p:cNvPr id="3" name="Content Placeholder 2">
+            <a:extLst>
+              <a:ext uri="{FF2B5EF4-FFF2-40B4-BE49-F238E27FC236}">
+                <a16:creationId xmlns:a16="http://schemas.microsoft.com/office/drawing/2014/main" id="{D4951819-EB44-4475-846C-B4E9889C3D17}"/>
+              </a:ext>
+            </a:extLst>
+          </p:cNvPr>
+          <p:cNvSpPr>
+            <a:spLocks noGrp="1"/>
+          </p:cNvSpPr>
+          <p:nvPr>
+            <p:ph idx="1"/>
+          </p:nvPr>
+        </p:nvSpPr>
+        <p:spPr>
+          <a:xfrm>
+            <a:off x="1066800" y="1819922"/>
+            <a:ext cx="10058400" cy="4172505"/>
+          </a:xfrm>
+        </p:spPr>
+        <p:txBody>
+          <a:bodyPr>
+            <a:normAutofit fontScale="25000" lnSpcReduction="20000"/>
+          </a:bodyPr>
+          <a:lstStyle/>
+          <a:p>
+            <a:r>
+              <a:rPr lang="en-US" sz="7200" dirty="0">
+                <a:solidFill>
+                  <a:srgbClr val="000000"/>
+                </a:solidFill>
+                <a:latin typeface="Times New Roman" panose="02020603050405020304" pitchFamily="18" charset="0"/>
+                <a:cs typeface="Times New Roman" panose="02020603050405020304" pitchFamily="18" charset="0"/>
+              </a:rPr>
+              <a:t>A</a:t>
+            </a:r>
+            <a:r>
+              <a:rPr lang="en-US" sz="7200" b="0" i="0" dirty="0">
+                <a:solidFill>
+                  <a:srgbClr val="000000"/>
+                </a:solidFill>
+                <a:effectLst/>
+                <a:latin typeface="Times New Roman" panose="02020603050405020304" pitchFamily="18" charset="0"/>
+                <a:cs typeface="Times New Roman" panose="02020603050405020304" pitchFamily="18" charset="0"/>
+              </a:rPr>
+              <a:t> structure is a value type data type. It helps you to make a single variable hold related data of various data types. The </a:t>
+            </a:r>
+            <a:r>
+              <a:rPr lang="en-US" sz="7200" b="1" i="0" dirty="0">
+                <a:solidFill>
+                  <a:srgbClr val="000000"/>
+                </a:solidFill>
+                <a:effectLst/>
+                <a:latin typeface="Times New Roman" panose="02020603050405020304" pitchFamily="18" charset="0"/>
+                <a:cs typeface="Times New Roman" panose="02020603050405020304" pitchFamily="18" charset="0"/>
+              </a:rPr>
+              <a:t>struct</a:t>
+            </a:r>
+            <a:r>
+              <a:rPr lang="en-US" sz="7200" b="0" i="0" dirty="0">
+                <a:solidFill>
+                  <a:srgbClr val="000000"/>
+                </a:solidFill>
+                <a:effectLst/>
+                <a:latin typeface="Times New Roman" panose="02020603050405020304" pitchFamily="18" charset="0"/>
+                <a:cs typeface="Times New Roman" panose="02020603050405020304" pitchFamily="18" charset="0"/>
+              </a:rPr>
+              <a:t> keyword is used for creating a structure.</a:t>
+            </a:r>
+          </a:p>
+          <a:p>
+            <a:r>
+              <a:rPr lang="en-US" sz="7200" dirty="0">
+                <a:solidFill>
+                  <a:srgbClr val="000000"/>
+                </a:solidFill>
+                <a:latin typeface="Times New Roman" panose="02020603050405020304" pitchFamily="18" charset="0"/>
+                <a:cs typeface="Times New Roman" panose="02020603050405020304" pitchFamily="18" charset="0"/>
+              </a:rPr>
+              <a:t>Structures can have methods, fields, indexers, properties, operator methods, and events.</a:t>
+            </a:r>
+          </a:p>
+          <a:p>
+            <a:r>
+              <a:rPr lang="en-US" sz="7200" b="0" i="0" dirty="0">
+                <a:solidFill>
+                  <a:srgbClr val="000000"/>
+                </a:solidFill>
+                <a:effectLst/>
+                <a:latin typeface="Times New Roman" panose="02020603050405020304" pitchFamily="18" charset="0"/>
+                <a:cs typeface="Times New Roman" panose="02020603050405020304" pitchFamily="18" charset="0"/>
+              </a:rPr>
+              <a:t>Unlike classes, structures cannot inherit other structures or classes.</a:t>
+            </a:r>
+          </a:p>
+          <a:p>
+            <a:r>
+              <a:rPr lang="en-US" sz="7200" b="0" i="0" dirty="0">
+                <a:solidFill>
+                  <a:srgbClr val="000000"/>
+                </a:solidFill>
+                <a:effectLst/>
+                <a:latin typeface="Times New Roman" panose="02020603050405020304" pitchFamily="18" charset="0"/>
+                <a:cs typeface="Times New Roman" panose="02020603050405020304" pitchFamily="18" charset="0"/>
+              </a:rPr>
+              <a:t>Structures cannot be used as a base for other structures or classes.</a:t>
+            </a:r>
+          </a:p>
+          <a:p>
+            <a:r>
+              <a:rPr lang="en-US" sz="7200" b="0" i="0" dirty="0">
+                <a:solidFill>
+                  <a:srgbClr val="000000"/>
+                </a:solidFill>
+                <a:effectLst/>
+                <a:latin typeface="Times New Roman" panose="02020603050405020304" pitchFamily="18" charset="0"/>
+                <a:cs typeface="Times New Roman" panose="02020603050405020304" pitchFamily="18" charset="0"/>
+              </a:rPr>
+              <a:t>When you create a struct object using the </a:t>
+            </a:r>
+            <a:r>
+              <a:rPr lang="en-US" sz="7200" b="1" i="0" dirty="0">
+                <a:solidFill>
+                  <a:srgbClr val="000000"/>
+                </a:solidFill>
+                <a:effectLst/>
+                <a:latin typeface="Times New Roman" panose="02020603050405020304" pitchFamily="18" charset="0"/>
+                <a:cs typeface="Times New Roman" panose="02020603050405020304" pitchFamily="18" charset="0"/>
+              </a:rPr>
+              <a:t>New</a:t>
+            </a:r>
+            <a:r>
+              <a:rPr lang="en-US" sz="7200" b="0" i="0" dirty="0">
+                <a:solidFill>
+                  <a:srgbClr val="000000"/>
+                </a:solidFill>
+                <a:effectLst/>
+                <a:latin typeface="Times New Roman" panose="02020603050405020304" pitchFamily="18" charset="0"/>
+                <a:cs typeface="Times New Roman" panose="02020603050405020304" pitchFamily="18" charset="0"/>
+              </a:rPr>
+              <a:t> operator, it gets created and the appropriate constructor is called. Unlike classes, structs can be instantiated without using the New operator.</a:t>
+            </a:r>
+          </a:p>
+          <a:p>
+            <a:r>
+              <a:rPr lang="en-US" sz="7200" b="0" i="0" dirty="0">
+                <a:solidFill>
+                  <a:srgbClr val="000000"/>
+                </a:solidFill>
+                <a:effectLst/>
+                <a:latin typeface="Times New Roman" panose="02020603050405020304" pitchFamily="18" charset="0"/>
+                <a:cs typeface="Times New Roman" panose="02020603050405020304" pitchFamily="18" charset="0"/>
+              </a:rPr>
+              <a:t>For example, here is the way you can declare the Book structure −</a:t>
+            </a:r>
+          </a:p>
+          <a:p>
+            <a:pPr marL="0" indent="0">
+              <a:buNone/>
+            </a:pPr>
+            <a:r>
+              <a:rPr lang="en-US" sz="7200" dirty="0">
+                <a:solidFill>
+                  <a:srgbClr val="000000"/>
+                </a:solidFill>
+                <a:latin typeface="Arial" panose="020B0604020202020204" pitchFamily="34" charset="0"/>
+              </a:rPr>
+              <a:t>	</a:t>
+            </a:r>
+            <a:r>
+              <a:rPr kumimoji="0" lang="en-US" altLang="en-US" sz="7200" b="0" i="0" u="none" strike="noStrike" cap="none" normalizeH="0" baseline="0" dirty="0">
+                <a:ln>
+                  <a:noFill/>
+                </a:ln>
+                <a:solidFill>
+                  <a:srgbClr val="000088"/>
+                </a:solidFill>
+                <a:effectLst/>
+                <a:latin typeface="Times New Roman" panose="02020603050405020304" pitchFamily="18" charset="0"/>
+                <a:cs typeface="Times New Roman" panose="02020603050405020304" pitchFamily="18" charset="0"/>
+              </a:rPr>
+              <a:t>struct</a:t>
+            </a:r>
+            <a:r>
+              <a:rPr kumimoji="0" lang="en-US" altLang="en-US" sz="7200" b="0" i="0" u="none" strike="noStrike" cap="none" normalizeH="0" baseline="0" dirty="0">
+                <a:ln>
+                  <a:noFill/>
+                </a:ln>
+                <a:solidFill>
+                  <a:srgbClr val="000000"/>
+                </a:solidFill>
+                <a:effectLst/>
+                <a:latin typeface="Times New Roman" panose="02020603050405020304" pitchFamily="18" charset="0"/>
+                <a:cs typeface="Times New Roman" panose="02020603050405020304" pitchFamily="18" charset="0"/>
+              </a:rPr>
+              <a:t> </a:t>
+            </a:r>
+            <a:r>
+              <a:rPr kumimoji="0" lang="en-US" altLang="en-US" sz="7200" b="0" i="0" u="none" strike="noStrike" cap="none" normalizeH="0" baseline="0" dirty="0">
+                <a:ln>
+                  <a:noFill/>
+                </a:ln>
+                <a:solidFill>
+                  <a:srgbClr val="660066"/>
+                </a:solidFill>
+                <a:effectLst/>
+                <a:latin typeface="Times New Roman" panose="02020603050405020304" pitchFamily="18" charset="0"/>
+                <a:cs typeface="Times New Roman" panose="02020603050405020304" pitchFamily="18" charset="0"/>
+              </a:rPr>
+              <a:t>Books</a:t>
+            </a:r>
+            <a:r>
+              <a:rPr kumimoji="0" lang="en-US" altLang="en-US" sz="7200" b="0" i="0" u="none" strike="noStrike" cap="none" normalizeH="0" baseline="0" dirty="0">
+                <a:ln>
+                  <a:noFill/>
+                </a:ln>
+                <a:solidFill>
+                  <a:srgbClr val="000000"/>
+                </a:solidFill>
+                <a:effectLst/>
+                <a:latin typeface="Times New Roman" panose="02020603050405020304" pitchFamily="18" charset="0"/>
+                <a:cs typeface="Times New Roman" panose="02020603050405020304" pitchFamily="18" charset="0"/>
+              </a:rPr>
+              <a:t> </a:t>
+            </a:r>
+            <a:r>
+              <a:rPr kumimoji="0" lang="en-US" altLang="en-US" sz="7200" b="0" i="0" u="none" strike="noStrike" cap="none" normalizeH="0" baseline="0" dirty="0">
+                <a:ln>
+                  <a:noFill/>
+                </a:ln>
+                <a:solidFill>
+                  <a:srgbClr val="666600"/>
+                </a:solidFill>
+                <a:effectLst/>
+                <a:latin typeface="Times New Roman" panose="02020603050405020304" pitchFamily="18" charset="0"/>
+                <a:cs typeface="Times New Roman" panose="02020603050405020304" pitchFamily="18" charset="0"/>
+              </a:rPr>
+              <a:t>{</a:t>
+            </a:r>
+            <a:r>
+              <a:rPr kumimoji="0" lang="en-US" altLang="en-US" sz="7200" b="0" i="0" u="none" strike="noStrike" cap="none" normalizeH="0" baseline="0" dirty="0">
+                <a:ln>
+                  <a:noFill/>
+                </a:ln>
+                <a:solidFill>
+                  <a:srgbClr val="000000"/>
+                </a:solidFill>
+                <a:effectLst/>
+                <a:latin typeface="Times New Roman" panose="02020603050405020304" pitchFamily="18" charset="0"/>
+                <a:cs typeface="Times New Roman" panose="02020603050405020304" pitchFamily="18" charset="0"/>
+              </a:rPr>
+              <a:t> </a:t>
+            </a:r>
+          </a:p>
+          <a:p>
+            <a:pPr marL="0" indent="0">
+              <a:buNone/>
+            </a:pPr>
+            <a:r>
+              <a:rPr kumimoji="0" lang="en-US" altLang="en-US" sz="7200" b="0" i="0" u="none" strike="noStrike" cap="none" normalizeH="0" baseline="0" dirty="0">
+                <a:ln>
+                  <a:noFill/>
+                </a:ln>
+                <a:solidFill>
+                  <a:srgbClr val="000088"/>
+                </a:solidFill>
+                <a:effectLst/>
+                <a:latin typeface="Times New Roman" panose="02020603050405020304" pitchFamily="18" charset="0"/>
+                <a:cs typeface="Times New Roman" panose="02020603050405020304" pitchFamily="18" charset="0"/>
+              </a:rPr>
+              <a:t>		public</a:t>
+            </a:r>
+            <a:r>
+              <a:rPr kumimoji="0" lang="en-US" altLang="en-US" sz="7200" b="0" i="0" u="none" strike="noStrike" cap="none" normalizeH="0" baseline="0" dirty="0">
+                <a:ln>
+                  <a:noFill/>
+                </a:ln>
+                <a:solidFill>
+                  <a:srgbClr val="000000"/>
+                </a:solidFill>
+                <a:effectLst/>
+                <a:latin typeface="Times New Roman" panose="02020603050405020304" pitchFamily="18" charset="0"/>
+                <a:cs typeface="Times New Roman" panose="02020603050405020304" pitchFamily="18" charset="0"/>
+              </a:rPr>
+              <a:t> </a:t>
+            </a:r>
+            <a:r>
+              <a:rPr kumimoji="0" lang="en-US" altLang="en-US" sz="7200" b="0" i="0" u="none" strike="noStrike" cap="none" normalizeH="0" baseline="0" dirty="0">
+                <a:ln>
+                  <a:noFill/>
+                </a:ln>
+                <a:solidFill>
+                  <a:srgbClr val="000088"/>
+                </a:solidFill>
+                <a:effectLst/>
+                <a:latin typeface="Times New Roman" panose="02020603050405020304" pitchFamily="18" charset="0"/>
+                <a:cs typeface="Times New Roman" panose="02020603050405020304" pitchFamily="18" charset="0"/>
+              </a:rPr>
+              <a:t>string</a:t>
+            </a:r>
+            <a:r>
+              <a:rPr kumimoji="0" lang="en-US" altLang="en-US" sz="7200" b="0" i="0" u="none" strike="noStrike" cap="none" normalizeH="0" baseline="0" dirty="0">
+                <a:ln>
+                  <a:noFill/>
+                </a:ln>
+                <a:solidFill>
+                  <a:srgbClr val="000000"/>
+                </a:solidFill>
+                <a:effectLst/>
+                <a:latin typeface="Times New Roman" panose="02020603050405020304" pitchFamily="18" charset="0"/>
+                <a:cs typeface="Times New Roman" panose="02020603050405020304" pitchFamily="18" charset="0"/>
+              </a:rPr>
+              <a:t> title</a:t>
+            </a:r>
+            <a:r>
+              <a:rPr kumimoji="0" lang="en-US" altLang="en-US" sz="7200" b="0" i="0" u="none" strike="noStrike" cap="none" normalizeH="0" baseline="0" dirty="0">
+                <a:ln>
+                  <a:noFill/>
+                </a:ln>
+                <a:solidFill>
+                  <a:srgbClr val="666600"/>
+                </a:solidFill>
+                <a:effectLst/>
+                <a:latin typeface="Times New Roman" panose="02020603050405020304" pitchFamily="18" charset="0"/>
+                <a:cs typeface="Times New Roman" panose="02020603050405020304" pitchFamily="18" charset="0"/>
+              </a:rPr>
+              <a:t>;</a:t>
+            </a:r>
+            <a:r>
+              <a:rPr kumimoji="0" lang="en-US" altLang="en-US" sz="7200" b="0" i="0" u="none" strike="noStrike" cap="none" normalizeH="0" baseline="0" dirty="0">
+                <a:ln>
+                  <a:noFill/>
+                </a:ln>
+                <a:solidFill>
+                  <a:srgbClr val="000000"/>
+                </a:solidFill>
+                <a:effectLst/>
+                <a:latin typeface="Times New Roman" panose="02020603050405020304" pitchFamily="18" charset="0"/>
+                <a:cs typeface="Times New Roman" panose="02020603050405020304" pitchFamily="18" charset="0"/>
+              </a:rPr>
+              <a:t> </a:t>
+            </a:r>
+          </a:p>
+          <a:p>
+            <a:pPr marL="0" indent="0">
+              <a:buNone/>
+            </a:pPr>
+            <a:r>
+              <a:rPr kumimoji="0" lang="en-US" altLang="en-US" sz="7200" b="0" i="0" u="none" strike="noStrike" cap="none" normalizeH="0" baseline="0" dirty="0">
+                <a:ln>
+                  <a:noFill/>
+                </a:ln>
+                <a:solidFill>
+                  <a:srgbClr val="000088"/>
+                </a:solidFill>
+                <a:effectLst/>
+                <a:latin typeface="Times New Roman" panose="02020603050405020304" pitchFamily="18" charset="0"/>
+                <a:cs typeface="Times New Roman" panose="02020603050405020304" pitchFamily="18" charset="0"/>
+              </a:rPr>
+              <a:t>		public</a:t>
+            </a:r>
+            <a:r>
+              <a:rPr kumimoji="0" lang="en-US" altLang="en-US" sz="7200" b="0" i="0" u="none" strike="noStrike" cap="none" normalizeH="0" baseline="0" dirty="0">
+                <a:ln>
+                  <a:noFill/>
+                </a:ln>
+                <a:solidFill>
+                  <a:srgbClr val="000000"/>
+                </a:solidFill>
+                <a:effectLst/>
+                <a:latin typeface="Times New Roman" panose="02020603050405020304" pitchFamily="18" charset="0"/>
+                <a:cs typeface="Times New Roman" panose="02020603050405020304" pitchFamily="18" charset="0"/>
+              </a:rPr>
+              <a:t> </a:t>
+            </a:r>
+            <a:r>
+              <a:rPr kumimoji="0" lang="en-US" altLang="en-US" sz="7200" b="0" i="0" u="none" strike="noStrike" cap="none" normalizeH="0" baseline="0" dirty="0">
+                <a:ln>
+                  <a:noFill/>
+                </a:ln>
+                <a:solidFill>
+                  <a:srgbClr val="000088"/>
+                </a:solidFill>
+                <a:effectLst/>
+                <a:latin typeface="Times New Roman" panose="02020603050405020304" pitchFamily="18" charset="0"/>
+                <a:cs typeface="Times New Roman" panose="02020603050405020304" pitchFamily="18" charset="0"/>
+              </a:rPr>
+              <a:t>string</a:t>
+            </a:r>
+            <a:r>
+              <a:rPr kumimoji="0" lang="en-US" altLang="en-US" sz="7200" b="0" i="0" u="none" strike="noStrike" cap="none" normalizeH="0" baseline="0" dirty="0">
+                <a:ln>
+                  <a:noFill/>
+                </a:ln>
+                <a:solidFill>
+                  <a:srgbClr val="000000"/>
+                </a:solidFill>
+                <a:effectLst/>
+                <a:latin typeface="Times New Roman" panose="02020603050405020304" pitchFamily="18" charset="0"/>
+                <a:cs typeface="Times New Roman" panose="02020603050405020304" pitchFamily="18" charset="0"/>
+              </a:rPr>
+              <a:t> author</a:t>
+            </a:r>
+            <a:r>
+              <a:rPr kumimoji="0" lang="en-US" altLang="en-US" sz="7200" b="0" i="0" u="none" strike="noStrike" cap="none" normalizeH="0" baseline="0" dirty="0">
+                <a:ln>
+                  <a:noFill/>
+                </a:ln>
+                <a:solidFill>
+                  <a:srgbClr val="666600"/>
+                </a:solidFill>
+                <a:effectLst/>
+                <a:latin typeface="Times New Roman" panose="02020603050405020304" pitchFamily="18" charset="0"/>
+                <a:cs typeface="Times New Roman" panose="02020603050405020304" pitchFamily="18" charset="0"/>
+              </a:rPr>
+              <a:t>;</a:t>
+            </a:r>
+            <a:r>
+              <a:rPr kumimoji="0" lang="en-US" altLang="en-US" sz="7200" b="0" i="0" u="none" strike="noStrike" cap="none" normalizeH="0" baseline="0" dirty="0">
+                <a:ln>
+                  <a:noFill/>
+                </a:ln>
+                <a:solidFill>
+                  <a:srgbClr val="000000"/>
+                </a:solidFill>
+                <a:effectLst/>
+                <a:latin typeface="Times New Roman" panose="02020603050405020304" pitchFamily="18" charset="0"/>
+                <a:cs typeface="Times New Roman" panose="02020603050405020304" pitchFamily="18" charset="0"/>
+              </a:rPr>
+              <a:t> </a:t>
+            </a:r>
+          </a:p>
+          <a:p>
+            <a:pPr marL="0" indent="0">
+              <a:buNone/>
+            </a:pPr>
+            <a:r>
+              <a:rPr kumimoji="0" lang="en-US" altLang="en-US" sz="7200" b="0" i="0" u="none" strike="noStrike" cap="none" normalizeH="0" baseline="0" dirty="0">
+                <a:ln>
+                  <a:noFill/>
+                </a:ln>
+                <a:solidFill>
+                  <a:srgbClr val="000088"/>
+                </a:solidFill>
+                <a:effectLst/>
+                <a:latin typeface="Times New Roman" panose="02020603050405020304" pitchFamily="18" charset="0"/>
+                <a:cs typeface="Times New Roman" panose="02020603050405020304" pitchFamily="18" charset="0"/>
+              </a:rPr>
+              <a:t>		public</a:t>
+            </a:r>
+            <a:r>
+              <a:rPr kumimoji="0" lang="en-US" altLang="en-US" sz="7200" b="0" i="0" u="none" strike="noStrike" cap="none" normalizeH="0" baseline="0" dirty="0">
+                <a:ln>
+                  <a:noFill/>
+                </a:ln>
+                <a:solidFill>
+                  <a:srgbClr val="000000"/>
+                </a:solidFill>
+                <a:effectLst/>
+                <a:latin typeface="Times New Roman" panose="02020603050405020304" pitchFamily="18" charset="0"/>
+                <a:cs typeface="Times New Roman" panose="02020603050405020304" pitchFamily="18" charset="0"/>
+              </a:rPr>
+              <a:t> </a:t>
+            </a:r>
+            <a:r>
+              <a:rPr kumimoji="0" lang="en-US" altLang="en-US" sz="7200" b="0" i="0" u="none" strike="noStrike" cap="none" normalizeH="0" baseline="0" dirty="0">
+                <a:ln>
+                  <a:noFill/>
+                </a:ln>
+                <a:solidFill>
+                  <a:srgbClr val="000088"/>
+                </a:solidFill>
+                <a:effectLst/>
+                <a:latin typeface="Times New Roman" panose="02020603050405020304" pitchFamily="18" charset="0"/>
+                <a:cs typeface="Times New Roman" panose="02020603050405020304" pitchFamily="18" charset="0"/>
+              </a:rPr>
+              <a:t>string</a:t>
+            </a:r>
+            <a:r>
+              <a:rPr kumimoji="0" lang="en-US" altLang="en-US" sz="7200" b="0" i="0" u="none" strike="noStrike" cap="none" normalizeH="0" baseline="0" dirty="0">
+                <a:ln>
+                  <a:noFill/>
+                </a:ln>
+                <a:solidFill>
+                  <a:srgbClr val="000000"/>
+                </a:solidFill>
+                <a:effectLst/>
+                <a:latin typeface="Times New Roman" panose="02020603050405020304" pitchFamily="18" charset="0"/>
+                <a:cs typeface="Times New Roman" panose="02020603050405020304" pitchFamily="18" charset="0"/>
+              </a:rPr>
+              <a:t> subject</a:t>
+            </a:r>
+            <a:r>
+              <a:rPr kumimoji="0" lang="en-US" altLang="en-US" sz="7200" b="0" i="0" u="none" strike="noStrike" cap="none" normalizeH="0" baseline="0" dirty="0">
+                <a:ln>
+                  <a:noFill/>
+                </a:ln>
+                <a:solidFill>
+                  <a:srgbClr val="666600"/>
+                </a:solidFill>
+                <a:effectLst/>
+                <a:latin typeface="Times New Roman" panose="02020603050405020304" pitchFamily="18" charset="0"/>
+                <a:cs typeface="Times New Roman" panose="02020603050405020304" pitchFamily="18" charset="0"/>
+              </a:rPr>
+              <a:t>;</a:t>
+            </a:r>
+            <a:r>
+              <a:rPr kumimoji="0" lang="en-US" altLang="en-US" sz="7200" b="0" i="0" u="none" strike="noStrike" cap="none" normalizeH="0" baseline="0" dirty="0">
+                <a:ln>
+                  <a:noFill/>
+                </a:ln>
+                <a:solidFill>
+                  <a:srgbClr val="000000"/>
+                </a:solidFill>
+                <a:effectLst/>
+                <a:latin typeface="Times New Roman" panose="02020603050405020304" pitchFamily="18" charset="0"/>
+                <a:cs typeface="Times New Roman" panose="02020603050405020304" pitchFamily="18" charset="0"/>
+              </a:rPr>
+              <a:t> </a:t>
+            </a:r>
+          </a:p>
+          <a:p>
+            <a:pPr marL="0" indent="0">
+              <a:buNone/>
+            </a:pPr>
+            <a:r>
+              <a:rPr kumimoji="0" lang="en-US" altLang="en-US" sz="7200" b="0" i="0" u="none" strike="noStrike" cap="none" normalizeH="0" baseline="0" dirty="0">
+                <a:ln>
+                  <a:noFill/>
+                </a:ln>
+                <a:solidFill>
+                  <a:srgbClr val="666600"/>
+                </a:solidFill>
+                <a:effectLst/>
+                <a:latin typeface="Times New Roman" panose="02020603050405020304" pitchFamily="18" charset="0"/>
+                <a:cs typeface="Times New Roman" panose="02020603050405020304" pitchFamily="18" charset="0"/>
+              </a:rPr>
+              <a:t>	};</a:t>
+            </a:r>
+            <a:r>
+              <a:rPr kumimoji="0" lang="en-US" altLang="en-US" sz="7200" b="0" i="0" u="none" strike="noStrike" cap="none" normalizeH="0" baseline="0" dirty="0">
+                <a:ln>
+                  <a:noFill/>
+                </a:ln>
+                <a:solidFill>
+                  <a:srgbClr val="000000"/>
+                </a:solidFill>
+                <a:effectLst/>
+                <a:latin typeface="Times New Roman" panose="02020603050405020304" pitchFamily="18" charset="0"/>
+                <a:cs typeface="Times New Roman" panose="02020603050405020304" pitchFamily="18" charset="0"/>
+              </a:rPr>
+              <a:t> </a:t>
+            </a:r>
+            <a:endParaRPr kumimoji="0" lang="en-US" altLang="en-US" sz="7200" b="0" i="0" u="none" strike="noStrike" cap="none" normalizeH="0" baseline="0" dirty="0">
+              <a:ln>
+                <a:noFill/>
+              </a:ln>
+              <a:solidFill>
+                <a:schemeClr val="tx1"/>
+              </a:solidFill>
+              <a:effectLst/>
+              <a:latin typeface="Times New Roman" panose="02020603050405020304" pitchFamily="18" charset="0"/>
+              <a:cs typeface="Times New Roman" panose="02020603050405020304" pitchFamily="18" charset="0"/>
+            </a:endParaRPr>
+          </a:p>
+          <a:p>
+            <a:pPr marL="0" indent="0">
+              <a:buNone/>
+            </a:pPr>
+            <a:br>
+              <a:rPr lang="en-US" dirty="0"/>
+            </a:br>
+            <a:br>
+              <a:rPr lang="en-US" dirty="0">
+                <a:solidFill>
+                  <a:srgbClr val="000000"/>
+                </a:solidFill>
+                <a:latin typeface="Arial" panose="020B0604020202020204" pitchFamily="34" charset="0"/>
+              </a:rPr>
+            </a:br>
+            <a:endParaRPr lang="en-IN" dirty="0">
+              <a:solidFill>
+                <a:srgbClr val="000000"/>
+              </a:solidFill>
+              <a:latin typeface="Arial" panose="020B0604020202020204" pitchFamily="34" charset="0"/>
+            </a:endParaRPr>
+          </a:p>
+        </p:txBody>
+      </p:sp>
+    </p:spTree>
+    <p:extLst>
+      <p:ext uri="{BB962C8B-B14F-4D97-AF65-F5344CB8AC3E}">
+        <p14:creationId xmlns:p14="http://schemas.microsoft.com/office/powerpoint/2010/main" val="503100363"/>
+      </p:ext>
+    </p:extLst>
+  </p:cSld>
+  <p:clrMapOvr>
+    <a:masterClrMapping/>
+  </p:clrMapOvr>
+</p:sld>
+</file>
+
+<file path=ppt/slides/slide24.xml><?xml version="1.0" encoding="utf-8"?>
+<p:sld xmlns:a="http://schemas.openxmlformats.org/drawingml/2006/main" xmlns:r="http://schemas.openxmlformats.org/officeDocument/2006/relationships" xmlns:p="http://schemas.openxmlformats.org/presentationml/2006/main">
+  <p:cSld>
+    <p:spTree>
+      <p:nvGrpSpPr>
+        <p:cNvPr id="1" name=""/>
+        <p:cNvGrpSpPr/>
+        <p:nvPr/>
+      </p:nvGrpSpPr>
+      <p:grpSpPr>
+        <a:xfrm>
+          <a:off x="0" y="0"/>
+          <a:ext cx="0" cy="0"/>
+          <a:chOff x="0" y="0"/>
+          <a:chExt cx="0" cy="0"/>
+        </a:xfrm>
+      </p:grpSpPr>
+      <p:sp>
+        <p:nvSpPr>
+          <p:cNvPr id="2" name="Title 1">
+            <a:extLst>
+              <a:ext uri="{FF2B5EF4-FFF2-40B4-BE49-F238E27FC236}">
+                <a16:creationId xmlns:a16="http://schemas.microsoft.com/office/drawing/2014/main" id="{25894DA9-525F-43B4-AD35-5A72A832B62F}"/>
+              </a:ext>
+            </a:extLst>
+          </p:cNvPr>
+          <p:cNvSpPr>
+            <a:spLocks noGrp="1"/>
+          </p:cNvSpPr>
+          <p:nvPr>
+            <p:ph type="title"/>
+          </p:nvPr>
+        </p:nvSpPr>
+        <p:spPr/>
+        <p:txBody>
+          <a:bodyPr>
+            <a:normAutofit/>
+          </a:bodyPr>
+          <a:lstStyle/>
+          <a:p>
+            <a:r>
+              <a:rPr lang="en-US" sz="4400" dirty="0">
+                <a:latin typeface="Times New Roman" panose="02020603050405020304" pitchFamily="18" charset="0"/>
+                <a:cs typeface="Times New Roman" panose="02020603050405020304" pitchFamily="18" charset="0"/>
+              </a:rPr>
+              <a:t>Enumerations in C# :</a:t>
+            </a:r>
+            <a:endParaRPr lang="en-IN" sz="4400" dirty="0">
+              <a:latin typeface="Times New Roman" panose="02020603050405020304" pitchFamily="18" charset="0"/>
+              <a:cs typeface="Times New Roman" panose="02020603050405020304" pitchFamily="18" charset="0"/>
+            </a:endParaRPr>
+          </a:p>
+        </p:txBody>
+      </p:sp>
+      <p:sp>
+        <p:nvSpPr>
+          <p:cNvPr id="3" name="Content Placeholder 2">
+            <a:extLst>
+              <a:ext uri="{FF2B5EF4-FFF2-40B4-BE49-F238E27FC236}">
+                <a16:creationId xmlns:a16="http://schemas.microsoft.com/office/drawing/2014/main" id="{B33F0C43-A4D2-4A90-96A9-87EBCBB1F2A0}"/>
+              </a:ext>
+            </a:extLst>
+          </p:cNvPr>
+          <p:cNvSpPr>
+            <a:spLocks noGrp="1"/>
+          </p:cNvSpPr>
+          <p:nvPr>
+            <p:ph idx="1"/>
+          </p:nvPr>
+        </p:nvSpPr>
+        <p:spPr/>
+        <p:txBody>
+          <a:bodyPr>
+            <a:normAutofit/>
+          </a:bodyPr>
+          <a:lstStyle/>
+          <a:p>
+            <a:r>
+              <a:rPr lang="en-US" sz="1900" b="0" i="0" dirty="0">
+                <a:solidFill>
+                  <a:srgbClr val="000000"/>
+                </a:solidFill>
+                <a:effectLst/>
+                <a:latin typeface="Times New Roman" panose="02020603050405020304" pitchFamily="18" charset="0"/>
+                <a:cs typeface="Times New Roman" panose="02020603050405020304" pitchFamily="18" charset="0"/>
+              </a:rPr>
+              <a:t>An enumeration is a set of named integer constants. An enumerated type is declared using the </a:t>
+            </a:r>
+            <a:r>
+              <a:rPr lang="en-US" sz="1900" b="1" i="0" dirty="0">
+                <a:solidFill>
+                  <a:srgbClr val="000000"/>
+                </a:solidFill>
+                <a:effectLst/>
+                <a:latin typeface="Times New Roman" panose="02020603050405020304" pitchFamily="18" charset="0"/>
+                <a:cs typeface="Times New Roman" panose="02020603050405020304" pitchFamily="18" charset="0"/>
+              </a:rPr>
+              <a:t>enum</a:t>
+            </a:r>
+            <a:r>
+              <a:rPr lang="en-US" sz="1900" b="0" i="0" dirty="0">
+                <a:solidFill>
+                  <a:srgbClr val="000000"/>
+                </a:solidFill>
+                <a:effectLst/>
+                <a:latin typeface="Times New Roman" panose="02020603050405020304" pitchFamily="18" charset="0"/>
+                <a:cs typeface="Times New Roman" panose="02020603050405020304" pitchFamily="18" charset="0"/>
+              </a:rPr>
+              <a:t> keyword.</a:t>
+            </a:r>
+          </a:p>
+          <a:p>
+            <a:pPr algn="just"/>
+            <a:r>
+              <a:rPr lang="en-US" sz="1900" b="0" i="0" dirty="0">
+                <a:solidFill>
+                  <a:srgbClr val="000000"/>
+                </a:solidFill>
+                <a:effectLst/>
+                <a:latin typeface="Times New Roman" panose="02020603050405020304" pitchFamily="18" charset="0"/>
+                <a:cs typeface="Times New Roman" panose="02020603050405020304" pitchFamily="18" charset="0"/>
+              </a:rPr>
+              <a:t>C# enumerations are value data type. In other words, enumeration contains its own values and cannot inherit or cannot pass inheritance.</a:t>
+            </a:r>
+          </a:p>
+          <a:p>
+            <a:r>
+              <a:rPr lang="en-US" sz="1900" b="0" i="0" dirty="0">
+                <a:solidFill>
+                  <a:srgbClr val="000000"/>
+                </a:solidFill>
+                <a:effectLst/>
+                <a:latin typeface="Times New Roman" panose="02020603050405020304" pitchFamily="18" charset="0"/>
+                <a:cs typeface="Times New Roman" panose="02020603050405020304" pitchFamily="18" charset="0"/>
+              </a:rPr>
+              <a:t>The general syntax for declaring an enumeration is </a:t>
+            </a:r>
+          </a:p>
+          <a:p>
+            <a:pPr lvl="1"/>
+            <a:r>
+              <a:rPr kumimoji="0" lang="en-US" altLang="en-US" sz="1900" b="0" i="0" u="none" strike="noStrike" cap="none" normalizeH="0" baseline="0" dirty="0">
+                <a:ln>
+                  <a:noFill/>
+                </a:ln>
+                <a:solidFill>
+                  <a:schemeClr val="tx1"/>
+                </a:solidFill>
+                <a:effectLst/>
+                <a:latin typeface="Times New Roman" panose="02020603050405020304" pitchFamily="18" charset="0"/>
+                <a:cs typeface="Times New Roman" panose="02020603050405020304" pitchFamily="18" charset="0"/>
+              </a:rPr>
+              <a:t>enum &lt;</a:t>
+            </a:r>
+            <a:r>
+              <a:rPr kumimoji="0" lang="en-US" altLang="en-US" sz="1900" b="0" i="0" u="none" strike="noStrike" cap="none" normalizeH="0" baseline="0" dirty="0" err="1">
+                <a:ln>
+                  <a:noFill/>
+                </a:ln>
+                <a:solidFill>
+                  <a:schemeClr val="tx1"/>
+                </a:solidFill>
+                <a:effectLst/>
+                <a:latin typeface="Times New Roman" panose="02020603050405020304" pitchFamily="18" charset="0"/>
+                <a:cs typeface="Times New Roman" panose="02020603050405020304" pitchFamily="18" charset="0"/>
+              </a:rPr>
+              <a:t>enum_name</a:t>
+            </a:r>
+            <a:r>
+              <a:rPr kumimoji="0" lang="en-US" altLang="en-US" sz="1900" b="0" i="0" u="none" strike="noStrike" cap="none" normalizeH="0" baseline="0" dirty="0">
+                <a:ln>
+                  <a:noFill/>
+                </a:ln>
+                <a:solidFill>
+                  <a:schemeClr val="tx1"/>
+                </a:solidFill>
+                <a:effectLst/>
+                <a:latin typeface="Times New Roman" panose="02020603050405020304" pitchFamily="18" charset="0"/>
+                <a:cs typeface="Times New Roman" panose="02020603050405020304" pitchFamily="18" charset="0"/>
+              </a:rPr>
+              <a:t>&gt; { enumeration list }; </a:t>
+            </a:r>
+            <a:endParaRPr lang="en-IN" altLang="en-US" sz="1900" dirty="0">
+              <a:latin typeface="Times New Roman" panose="02020603050405020304" pitchFamily="18" charset="0"/>
+              <a:cs typeface="Times New Roman" panose="02020603050405020304" pitchFamily="18" charset="0"/>
+            </a:endParaRPr>
+          </a:p>
+          <a:p>
+            <a:pPr marL="0" indent="0" algn="just">
+              <a:buNone/>
+            </a:pPr>
+            <a:r>
+              <a:rPr lang="en-US" sz="1900" b="0" i="0" dirty="0">
+                <a:solidFill>
+                  <a:srgbClr val="000000"/>
+                </a:solidFill>
+                <a:effectLst/>
+                <a:latin typeface="Times New Roman" panose="02020603050405020304" pitchFamily="18" charset="0"/>
+                <a:cs typeface="Times New Roman" panose="02020603050405020304" pitchFamily="18" charset="0"/>
+              </a:rPr>
+              <a:t>	The </a:t>
+            </a:r>
+            <a:r>
+              <a:rPr lang="en-US" sz="1900" b="0" dirty="0" err="1">
+                <a:solidFill>
+                  <a:srgbClr val="000000"/>
+                </a:solidFill>
+                <a:effectLst/>
+                <a:latin typeface="Times New Roman" panose="02020603050405020304" pitchFamily="18" charset="0"/>
+                <a:cs typeface="Times New Roman" panose="02020603050405020304" pitchFamily="18" charset="0"/>
+              </a:rPr>
+              <a:t>enum_name</a:t>
+            </a:r>
+            <a:r>
+              <a:rPr lang="en-US" sz="1900" b="0" i="0" dirty="0">
+                <a:solidFill>
+                  <a:srgbClr val="000000"/>
+                </a:solidFill>
+                <a:effectLst/>
+                <a:latin typeface="Times New Roman" panose="02020603050405020304" pitchFamily="18" charset="0"/>
+                <a:cs typeface="Times New Roman" panose="02020603050405020304" pitchFamily="18" charset="0"/>
+              </a:rPr>
+              <a:t> specifies the enumeration type name.</a:t>
+            </a:r>
+          </a:p>
+          <a:p>
+            <a:pPr marL="0" indent="0" algn="just">
+              <a:buNone/>
+            </a:pPr>
+            <a:r>
+              <a:rPr lang="en-US" sz="1900" b="0" i="0" dirty="0">
+                <a:solidFill>
+                  <a:srgbClr val="000000"/>
+                </a:solidFill>
+                <a:effectLst/>
+                <a:latin typeface="Times New Roman" panose="02020603050405020304" pitchFamily="18" charset="0"/>
+                <a:cs typeface="Times New Roman" panose="02020603050405020304" pitchFamily="18" charset="0"/>
+              </a:rPr>
+              <a:t>	The </a:t>
+            </a:r>
+            <a:r>
+              <a:rPr lang="en-US" sz="1900" b="0" dirty="0">
+                <a:solidFill>
+                  <a:srgbClr val="000000"/>
+                </a:solidFill>
+                <a:effectLst/>
+                <a:latin typeface="Times New Roman" panose="02020603050405020304" pitchFamily="18" charset="0"/>
+                <a:cs typeface="Times New Roman" panose="02020603050405020304" pitchFamily="18" charset="0"/>
+              </a:rPr>
+              <a:t>enumeration list</a:t>
+            </a:r>
+            <a:r>
+              <a:rPr lang="en-US" sz="1900" b="0" i="0" dirty="0">
+                <a:solidFill>
+                  <a:srgbClr val="000000"/>
+                </a:solidFill>
+                <a:effectLst/>
+                <a:latin typeface="Times New Roman" panose="02020603050405020304" pitchFamily="18" charset="0"/>
+                <a:cs typeface="Times New Roman" panose="02020603050405020304" pitchFamily="18" charset="0"/>
+              </a:rPr>
+              <a:t> is a comma-separated list of identifiers.</a:t>
+            </a:r>
+          </a:p>
+          <a:p>
+            <a:endParaRPr lang="en-US" altLang="en-US" sz="1900" dirty="0">
+              <a:latin typeface="Times New Roman" panose="02020603050405020304" pitchFamily="18" charset="0"/>
+              <a:cs typeface="Times New Roman" panose="02020603050405020304" pitchFamily="18" charset="0"/>
+            </a:endParaRPr>
+          </a:p>
+        </p:txBody>
+      </p:sp>
+    </p:spTree>
+    <p:extLst>
+      <p:ext uri="{BB962C8B-B14F-4D97-AF65-F5344CB8AC3E}">
+        <p14:creationId xmlns:p14="http://schemas.microsoft.com/office/powerpoint/2010/main" val="2754890782"/>
       </p:ext>
     </p:extLst>
   </p:cSld>

--- a/PPTs/Programming in C#.pptx
+++ b/PPTs/Programming in C#.pptx
@@ -27,8 +27,14 @@
     <p:sldId id="275" r:id="rId21"/>
     <p:sldId id="276" r:id="rId22"/>
     <p:sldId id="277" r:id="rId23"/>
-    <p:sldId id="278" r:id="rId24"/>
-    <p:sldId id="279" r:id="rId25"/>
+    <p:sldId id="280" r:id="rId24"/>
+    <p:sldId id="281" r:id="rId25"/>
+    <p:sldId id="282" r:id="rId26"/>
+    <p:sldId id="283" r:id="rId27"/>
+    <p:sldId id="284" r:id="rId28"/>
+    <p:sldId id="278" r:id="rId29"/>
+    <p:sldId id="279" r:id="rId30"/>
+    <p:sldId id="285" r:id="rId31"/>
   </p:sldIdLst>
   <p:sldSz cx="12192000" cy="6858000"/>
   <p:notesSz cx="6858000" cy="9144000"/>
@@ -597,7 +603,7 @@
           <a:p>
             <a:fld id="{3BAF6DA2-D763-407B-B44A-1AAD4DA45E00}" type="datetimeFigureOut">
               <a:rPr lang="en-IN" smtClean="0"/>
-              <a:t>23-05-2021</a:t>
+              <a:t>24-05-2021</a:t>
             </a:fld>
             <a:endParaRPr lang="en-IN"/>
           </a:p>
@@ -799,7 +805,7 @@
           <a:p>
             <a:fld id="{3BAF6DA2-D763-407B-B44A-1AAD4DA45E00}" type="datetimeFigureOut">
               <a:rPr lang="en-IN" smtClean="0"/>
-              <a:t>23-05-2021</a:t>
+              <a:t>24-05-2021</a:t>
             </a:fld>
             <a:endParaRPr lang="en-IN"/>
           </a:p>
@@ -979,7 +985,7 @@
           <a:p>
             <a:fld id="{3BAF6DA2-D763-407B-B44A-1AAD4DA45E00}" type="datetimeFigureOut">
               <a:rPr lang="en-IN" smtClean="0"/>
-              <a:t>23-05-2021</a:t>
+              <a:t>24-05-2021</a:t>
             </a:fld>
             <a:endParaRPr lang="en-IN"/>
           </a:p>
@@ -1149,7 +1155,7 @@
           <a:p>
             <a:fld id="{3BAF6DA2-D763-407B-B44A-1AAD4DA45E00}" type="datetimeFigureOut">
               <a:rPr lang="en-IN" smtClean="0"/>
-              <a:t>23-05-2021</a:t>
+              <a:t>24-05-2021</a:t>
             </a:fld>
             <a:endParaRPr lang="en-IN"/>
           </a:p>
@@ -1720,7 +1726,7 @@
           <a:p>
             <a:fld id="{3BAF6DA2-D763-407B-B44A-1AAD4DA45E00}" type="datetimeFigureOut">
               <a:rPr lang="en-IN" smtClean="0"/>
-              <a:t>23-05-2021</a:t>
+              <a:t>24-05-2021</a:t>
             </a:fld>
             <a:endParaRPr lang="en-IN"/>
           </a:p>
@@ -2022,7 +2028,7 @@
           <a:p>
             <a:fld id="{3BAF6DA2-D763-407B-B44A-1AAD4DA45E00}" type="datetimeFigureOut">
               <a:rPr lang="en-IN" smtClean="0"/>
-              <a:t>23-05-2021</a:t>
+              <a:t>24-05-2021</a:t>
             </a:fld>
             <a:endParaRPr lang="en-IN"/>
           </a:p>
@@ -2459,7 +2465,7 @@
           <a:p>
             <a:fld id="{3BAF6DA2-D763-407B-B44A-1AAD4DA45E00}" type="datetimeFigureOut">
               <a:rPr lang="en-IN" smtClean="0"/>
-              <a:t>23-05-2021</a:t>
+              <a:t>24-05-2021</a:t>
             </a:fld>
             <a:endParaRPr lang="en-IN"/>
           </a:p>
@@ -2577,7 +2583,7 @@
           <a:p>
             <a:fld id="{3BAF6DA2-D763-407B-B44A-1AAD4DA45E00}" type="datetimeFigureOut">
               <a:rPr lang="en-IN" smtClean="0"/>
-              <a:t>23-05-2021</a:t>
+              <a:t>24-05-2021</a:t>
             </a:fld>
             <a:endParaRPr lang="en-IN"/>
           </a:p>
@@ -2672,7 +2678,7 @@
           <a:p>
             <a:fld id="{3BAF6DA2-D763-407B-B44A-1AAD4DA45E00}" type="datetimeFigureOut">
               <a:rPr lang="en-IN" smtClean="0"/>
-              <a:t>23-05-2021</a:t>
+              <a:t>24-05-2021</a:t>
             </a:fld>
             <a:endParaRPr lang="en-IN"/>
           </a:p>
@@ -3054,7 +3060,7 @@
           <a:p>
             <a:fld id="{3BAF6DA2-D763-407B-B44A-1AAD4DA45E00}" type="datetimeFigureOut">
               <a:rPr lang="en-IN" smtClean="0"/>
-              <a:t>23-05-2021</a:t>
+              <a:t>24-05-2021</a:t>
             </a:fld>
             <a:endParaRPr lang="en-IN"/>
           </a:p>
@@ -3448,7 +3454,7 @@
           <a:p>
             <a:fld id="{3BAF6DA2-D763-407B-B44A-1AAD4DA45E00}" type="datetimeFigureOut">
               <a:rPr lang="en-IN" smtClean="0"/>
-              <a:t>23-05-2021</a:t>
+              <a:t>24-05-2021</a:t>
             </a:fld>
             <a:endParaRPr lang="en-IN"/>
           </a:p>
@@ -3761,7 +3767,7 @@
           <a:p>
             <a:fld id="{3BAF6DA2-D763-407B-B44A-1AAD4DA45E00}" type="datetimeFigureOut">
               <a:rPr lang="en-IN" smtClean="0"/>
-              <a:t>23-05-2021</a:t>
+              <a:t>24-05-2021</a:t>
             </a:fld>
             <a:endParaRPr lang="en-IN"/>
           </a:p>
@@ -8633,6 +8639,4539 @@
           <p:cNvPr id="2" name="Title 1">
             <a:extLst>
               <a:ext uri="{FF2B5EF4-FFF2-40B4-BE49-F238E27FC236}">
+                <a16:creationId xmlns:a16="http://schemas.microsoft.com/office/drawing/2014/main" id="{C6E3183C-E6C8-4D47-A0B2-F6DBEA6D4106}"/>
+              </a:ext>
+            </a:extLst>
+          </p:cNvPr>
+          <p:cNvSpPr>
+            <a:spLocks noGrp="1"/>
+          </p:cNvSpPr>
+          <p:nvPr>
+            <p:ph type="title"/>
+          </p:nvPr>
+        </p:nvSpPr>
+        <p:spPr/>
+        <p:txBody>
+          <a:bodyPr>
+            <a:normAutofit/>
+          </a:bodyPr>
+          <a:lstStyle/>
+          <a:p>
+            <a:r>
+              <a:rPr lang="en-US" sz="4400" dirty="0">
+                <a:latin typeface="Times New Roman" panose="02020603050405020304" pitchFamily="18" charset="0"/>
+                <a:cs typeface="Times New Roman" panose="02020603050405020304" pitchFamily="18" charset="0"/>
+              </a:rPr>
+              <a:t>Lists in C# :</a:t>
+            </a:r>
+            <a:endParaRPr lang="en-IN" sz="4400" dirty="0">
+              <a:latin typeface="Times New Roman" panose="02020603050405020304" pitchFamily="18" charset="0"/>
+              <a:cs typeface="Times New Roman" panose="02020603050405020304" pitchFamily="18" charset="0"/>
+            </a:endParaRPr>
+          </a:p>
+        </p:txBody>
+      </p:sp>
+      <p:sp>
+        <p:nvSpPr>
+          <p:cNvPr id="3" name="Content Placeholder 2">
+            <a:extLst>
+              <a:ext uri="{FF2B5EF4-FFF2-40B4-BE49-F238E27FC236}">
+                <a16:creationId xmlns:a16="http://schemas.microsoft.com/office/drawing/2014/main" id="{1D0F7595-4E03-4B55-8E35-2ED64440B6F4}"/>
+              </a:ext>
+            </a:extLst>
+          </p:cNvPr>
+          <p:cNvSpPr>
+            <a:spLocks noGrp="1"/>
+          </p:cNvSpPr>
+          <p:nvPr>
+            <p:ph idx="1"/>
+          </p:nvPr>
+        </p:nvSpPr>
+        <p:spPr/>
+        <p:txBody>
+          <a:bodyPr>
+            <a:normAutofit/>
+          </a:bodyPr>
+          <a:lstStyle/>
+          <a:p>
+            <a:r>
+              <a:rPr kumimoji="0" lang="en-US" altLang="en-US" sz="1900" b="0" i="0" u="none" strike="noStrike" cap="none" normalizeH="0" baseline="0" dirty="0">
+                <a:ln>
+                  <a:noFill/>
+                </a:ln>
+                <a:solidFill>
+                  <a:srgbClr val="181717"/>
+                </a:solidFill>
+                <a:effectLst/>
+                <a:latin typeface="Times New Roman" panose="02020603050405020304" pitchFamily="18" charset="0"/>
+                <a:cs typeface="Times New Roman" panose="02020603050405020304" pitchFamily="18" charset="0"/>
+              </a:rPr>
+              <a:t>The </a:t>
+            </a:r>
+            <a:r>
+              <a:rPr kumimoji="0" lang="en-US" altLang="en-US" sz="1900" b="0" i="0" u="none" strike="noStrike" cap="none" normalizeH="0" baseline="0" dirty="0">
+                <a:ln>
+                  <a:noFill/>
+                </a:ln>
+                <a:solidFill>
+                  <a:srgbClr val="000000"/>
+                </a:solidFill>
+                <a:effectLst/>
+                <a:latin typeface="Times New Roman" panose="02020603050405020304" pitchFamily="18" charset="0"/>
+                <a:cs typeface="Times New Roman" panose="02020603050405020304" pitchFamily="18" charset="0"/>
+              </a:rPr>
+              <a:t>List&lt;T&gt;</a:t>
+            </a:r>
+            <a:r>
+              <a:rPr kumimoji="0" lang="en-US" altLang="en-US" sz="1900" b="0" i="0" u="none" strike="noStrike" cap="none" normalizeH="0" baseline="0" dirty="0">
+                <a:ln>
+                  <a:noFill/>
+                </a:ln>
+                <a:solidFill>
+                  <a:srgbClr val="181717"/>
+                </a:solidFill>
+                <a:effectLst/>
+                <a:latin typeface="Times New Roman" panose="02020603050405020304" pitchFamily="18" charset="0"/>
+                <a:cs typeface="Times New Roman" panose="02020603050405020304" pitchFamily="18" charset="0"/>
+              </a:rPr>
+              <a:t> is a collection of strongly typed objects that can be accessed by index and having methods for sorting, searching, and modifying list.</a:t>
+            </a:r>
+            <a:r>
+              <a:rPr kumimoji="0" lang="en-US" altLang="en-US" sz="1900" b="0" i="0" u="none" strike="noStrike" cap="none" normalizeH="0" baseline="0" dirty="0">
+                <a:ln>
+                  <a:noFill/>
+                </a:ln>
+                <a:solidFill>
+                  <a:schemeClr val="tx1"/>
+                </a:solidFill>
+                <a:effectLst/>
+                <a:latin typeface="Times New Roman" panose="02020603050405020304" pitchFamily="18" charset="0"/>
+                <a:cs typeface="Times New Roman" panose="02020603050405020304" pitchFamily="18" charset="0"/>
+              </a:rPr>
+              <a:t> </a:t>
+            </a:r>
+          </a:p>
+          <a:p>
+            <a:r>
+              <a:rPr kumimoji="0" lang="en-US" altLang="en-US" sz="1900" b="0" i="0" u="none" strike="noStrike" cap="none" normalizeH="0" baseline="0" dirty="0">
+                <a:ln>
+                  <a:noFill/>
+                </a:ln>
+                <a:solidFill>
+                  <a:srgbClr val="181717"/>
+                </a:solidFill>
+                <a:effectLst/>
+                <a:latin typeface="Times New Roman" panose="02020603050405020304" pitchFamily="18" charset="0"/>
+                <a:cs typeface="Times New Roman" panose="02020603050405020304" pitchFamily="18" charset="0"/>
+              </a:rPr>
+              <a:t>It comes under </a:t>
+            </a:r>
+            <a:r>
+              <a:rPr kumimoji="0" lang="en-US" altLang="en-US" sz="1900" b="0" i="0" u="none" strike="noStrike" cap="none" normalizeH="0" baseline="0" dirty="0" err="1">
+                <a:ln>
+                  <a:noFill/>
+                </a:ln>
+                <a:solidFill>
+                  <a:srgbClr val="000000"/>
+                </a:solidFill>
+                <a:effectLst/>
+                <a:latin typeface="Times New Roman" panose="02020603050405020304" pitchFamily="18" charset="0"/>
+                <a:cs typeface="Times New Roman" panose="02020603050405020304" pitchFamily="18" charset="0"/>
+              </a:rPr>
+              <a:t>System.Collections.Generic</a:t>
+            </a:r>
+            <a:r>
+              <a:rPr kumimoji="0" lang="en-US" altLang="en-US" sz="1900" b="0" i="0" u="none" strike="noStrike" cap="none" normalizeH="0" baseline="0" dirty="0">
+                <a:ln>
+                  <a:noFill/>
+                </a:ln>
+                <a:solidFill>
+                  <a:srgbClr val="181717"/>
+                </a:solidFill>
+                <a:effectLst/>
+                <a:latin typeface="Times New Roman" panose="02020603050405020304" pitchFamily="18" charset="0"/>
+                <a:cs typeface="Times New Roman" panose="02020603050405020304" pitchFamily="18" charset="0"/>
+              </a:rPr>
+              <a:t> namespace.</a:t>
+            </a:r>
+          </a:p>
+          <a:p>
+            <a:r>
+              <a:rPr kumimoji="0" lang="en-US" altLang="en-US" sz="1900" b="0" i="0" u="none" strike="noStrike" cap="none" normalizeH="0" baseline="0" dirty="0">
+                <a:ln>
+                  <a:noFill/>
+                </a:ln>
+                <a:solidFill>
+                  <a:srgbClr val="000000"/>
+                </a:solidFill>
+                <a:effectLst/>
+                <a:latin typeface="Times New Roman" panose="02020603050405020304" pitchFamily="18" charset="0"/>
+                <a:cs typeface="Times New Roman" panose="02020603050405020304" pitchFamily="18" charset="0"/>
+              </a:rPr>
+              <a:t>List&lt;T&gt;</a:t>
+            </a:r>
+            <a:r>
+              <a:rPr kumimoji="0" lang="en-US" altLang="en-US" sz="1900" b="0" i="0" u="none" strike="noStrike" cap="none" normalizeH="0" baseline="0" dirty="0">
+                <a:ln>
+                  <a:noFill/>
+                </a:ln>
+                <a:solidFill>
+                  <a:srgbClr val="181717"/>
+                </a:solidFill>
+                <a:effectLst/>
+                <a:latin typeface="Times New Roman" panose="02020603050405020304" pitchFamily="18" charset="0"/>
+                <a:cs typeface="Times New Roman" panose="02020603050405020304" pitchFamily="18" charset="0"/>
+              </a:rPr>
+              <a:t> can contain elements of the specified type.</a:t>
+            </a:r>
+          </a:p>
+          <a:p>
+            <a:r>
+              <a:rPr kumimoji="0" lang="en-US" altLang="en-US" sz="1900" b="0" i="0" u="none" strike="noStrike" cap="none" normalizeH="0" baseline="0" dirty="0">
+                <a:ln>
+                  <a:noFill/>
+                </a:ln>
+                <a:solidFill>
+                  <a:srgbClr val="181717"/>
+                </a:solidFill>
+                <a:effectLst/>
+                <a:latin typeface="Times New Roman" panose="02020603050405020304" pitchFamily="18" charset="0"/>
+                <a:cs typeface="Times New Roman" panose="02020603050405020304" pitchFamily="18" charset="0"/>
+              </a:rPr>
+              <a:t>Elements can be added using the </a:t>
+            </a:r>
+            <a:r>
+              <a:rPr kumimoji="0" lang="en-US" altLang="en-US" sz="1900" b="0" i="0" u="none" strike="noStrike" cap="none" normalizeH="0" baseline="0" dirty="0">
+                <a:ln>
+                  <a:noFill/>
+                </a:ln>
+                <a:solidFill>
+                  <a:srgbClr val="000000"/>
+                </a:solidFill>
+                <a:effectLst/>
+                <a:latin typeface="Times New Roman" panose="02020603050405020304" pitchFamily="18" charset="0"/>
+                <a:cs typeface="Times New Roman" panose="02020603050405020304" pitchFamily="18" charset="0"/>
+              </a:rPr>
+              <a:t>Add()</a:t>
+            </a:r>
+            <a:r>
+              <a:rPr kumimoji="0" lang="en-US" altLang="en-US" sz="1900" b="0" i="0" u="none" strike="noStrike" cap="none" normalizeH="0" baseline="0" dirty="0">
+                <a:ln>
+                  <a:noFill/>
+                </a:ln>
+                <a:solidFill>
+                  <a:srgbClr val="181717"/>
+                </a:solidFill>
+                <a:effectLst/>
+                <a:latin typeface="Times New Roman" panose="02020603050405020304" pitchFamily="18" charset="0"/>
+                <a:cs typeface="Times New Roman" panose="02020603050405020304" pitchFamily="18" charset="0"/>
+              </a:rPr>
+              <a:t>, </a:t>
+            </a:r>
+            <a:r>
+              <a:rPr kumimoji="0" lang="en-US" altLang="en-US" sz="1900" b="0" i="0" u="none" strike="noStrike" cap="none" normalizeH="0" baseline="0" dirty="0" err="1">
+                <a:ln>
+                  <a:noFill/>
+                </a:ln>
+                <a:solidFill>
+                  <a:srgbClr val="000000"/>
+                </a:solidFill>
+                <a:effectLst/>
+                <a:latin typeface="Times New Roman" panose="02020603050405020304" pitchFamily="18" charset="0"/>
+                <a:cs typeface="Times New Roman" panose="02020603050405020304" pitchFamily="18" charset="0"/>
+              </a:rPr>
+              <a:t>AddRange</a:t>
+            </a:r>
+            <a:r>
+              <a:rPr kumimoji="0" lang="en-US" altLang="en-US" sz="1900" b="0" i="0" u="none" strike="noStrike" cap="none" normalizeH="0" baseline="0" dirty="0">
+                <a:ln>
+                  <a:noFill/>
+                </a:ln>
+                <a:solidFill>
+                  <a:srgbClr val="000000"/>
+                </a:solidFill>
+                <a:effectLst/>
+                <a:latin typeface="Times New Roman" panose="02020603050405020304" pitchFamily="18" charset="0"/>
+                <a:cs typeface="Times New Roman" panose="02020603050405020304" pitchFamily="18" charset="0"/>
+              </a:rPr>
+              <a:t>()</a:t>
+            </a:r>
+            <a:r>
+              <a:rPr kumimoji="0" lang="en-US" altLang="en-US" sz="1900" b="0" i="0" u="none" strike="noStrike" cap="none" normalizeH="0" baseline="0" dirty="0">
+                <a:ln>
+                  <a:noFill/>
+                </a:ln>
+                <a:solidFill>
+                  <a:srgbClr val="181717"/>
+                </a:solidFill>
+                <a:effectLst/>
+                <a:latin typeface="Times New Roman" panose="02020603050405020304" pitchFamily="18" charset="0"/>
+                <a:cs typeface="Times New Roman" panose="02020603050405020304" pitchFamily="18" charset="0"/>
+              </a:rPr>
+              <a:t> methods or collection-initializer syntax.</a:t>
+            </a:r>
+          </a:p>
+          <a:p>
+            <a:r>
+              <a:rPr kumimoji="0" lang="en-US" altLang="en-US" sz="1900" b="0" i="0" u="none" strike="noStrike" cap="none" normalizeH="0" baseline="0" dirty="0">
+                <a:ln>
+                  <a:noFill/>
+                </a:ln>
+                <a:solidFill>
+                  <a:srgbClr val="181717"/>
+                </a:solidFill>
+                <a:effectLst/>
+                <a:latin typeface="Times New Roman" panose="02020603050405020304" pitchFamily="18" charset="0"/>
+                <a:cs typeface="Times New Roman" panose="02020603050405020304" pitchFamily="18" charset="0"/>
+              </a:rPr>
+              <a:t>Elements can be accessed by passing an index e.g. </a:t>
+            </a:r>
+            <a:r>
+              <a:rPr kumimoji="0" lang="en-US" altLang="en-US" sz="1900" b="0" i="0" u="none" strike="noStrike" cap="none" normalizeH="0" baseline="0" dirty="0" err="1">
+                <a:ln>
+                  <a:noFill/>
+                </a:ln>
+                <a:solidFill>
+                  <a:srgbClr val="000000"/>
+                </a:solidFill>
+                <a:effectLst/>
+                <a:latin typeface="Times New Roman" panose="02020603050405020304" pitchFamily="18" charset="0"/>
+                <a:cs typeface="Times New Roman" panose="02020603050405020304" pitchFamily="18" charset="0"/>
+              </a:rPr>
+              <a:t>myList</a:t>
+            </a:r>
+            <a:r>
+              <a:rPr kumimoji="0" lang="en-US" altLang="en-US" sz="1900" b="0" i="0" u="none" strike="noStrike" cap="none" normalizeH="0" baseline="0" dirty="0">
+                <a:ln>
+                  <a:noFill/>
+                </a:ln>
+                <a:solidFill>
+                  <a:srgbClr val="000000"/>
+                </a:solidFill>
+                <a:effectLst/>
+                <a:latin typeface="Times New Roman" panose="02020603050405020304" pitchFamily="18" charset="0"/>
+                <a:cs typeface="Times New Roman" panose="02020603050405020304" pitchFamily="18" charset="0"/>
+              </a:rPr>
+              <a:t>[0]</a:t>
+            </a:r>
+            <a:r>
+              <a:rPr kumimoji="0" lang="en-US" altLang="en-US" sz="1900" b="0" i="0" u="none" strike="noStrike" cap="none" normalizeH="0" baseline="0" dirty="0">
+                <a:ln>
+                  <a:noFill/>
+                </a:ln>
+                <a:solidFill>
+                  <a:srgbClr val="181717"/>
+                </a:solidFill>
+                <a:effectLst/>
+                <a:latin typeface="Times New Roman" panose="02020603050405020304" pitchFamily="18" charset="0"/>
+                <a:cs typeface="Times New Roman" panose="02020603050405020304" pitchFamily="18" charset="0"/>
+              </a:rPr>
+              <a:t>. Indexes start from zero.</a:t>
+            </a:r>
+          </a:p>
+          <a:p>
+            <a:r>
+              <a:rPr lang="en-US" altLang="en-US" sz="1900" dirty="0">
+                <a:solidFill>
+                  <a:srgbClr val="181717"/>
+                </a:solidFill>
+                <a:latin typeface="Times New Roman" panose="02020603050405020304" pitchFamily="18" charset="0"/>
+                <a:cs typeface="Times New Roman" panose="02020603050405020304" pitchFamily="18" charset="0"/>
+              </a:rPr>
+              <a:t>Count property returns the number of elements exists in the List.</a:t>
+            </a:r>
+          </a:p>
+          <a:p>
+            <a:r>
+              <a:rPr kumimoji="0" lang="en-US" altLang="en-US" sz="1900" b="0" i="0" u="none" strike="noStrike" cap="none" normalizeH="0" baseline="0" dirty="0">
+                <a:ln>
+                  <a:noFill/>
+                </a:ln>
+                <a:solidFill>
+                  <a:srgbClr val="181717"/>
+                </a:solidFill>
+                <a:effectLst/>
+                <a:latin typeface="Times New Roman" panose="02020603050405020304" pitchFamily="18" charset="0"/>
+                <a:cs typeface="Times New Roman" panose="02020603050405020304" pitchFamily="18" charset="0"/>
+              </a:rPr>
+              <a:t>To pass List as an argument to a method , we follow th</a:t>
+            </a:r>
+            <a:r>
+              <a:rPr lang="en-US" altLang="en-US" sz="1900" dirty="0">
+                <a:solidFill>
+                  <a:srgbClr val="181717"/>
+                </a:solidFill>
+                <a:latin typeface="Times New Roman" panose="02020603050405020304" pitchFamily="18" charset="0"/>
+                <a:cs typeface="Times New Roman" panose="02020603050405020304" pitchFamily="18" charset="0"/>
+              </a:rPr>
+              <a:t>e syntax </a:t>
+            </a:r>
+          </a:p>
+          <a:p>
+            <a:pPr lvl="1"/>
+            <a:r>
+              <a:rPr lang="en-IN" sz="1900" b="0" dirty="0">
+                <a:effectLst/>
+                <a:latin typeface="Times New Roman" panose="02020603050405020304" pitchFamily="18" charset="0"/>
+                <a:cs typeface="Times New Roman" panose="02020603050405020304" pitchFamily="18" charset="0"/>
+              </a:rPr>
+              <a:t>public static void Display&lt;T&gt;(List&lt;T&gt; list)</a:t>
+            </a:r>
+            <a:endParaRPr kumimoji="0" lang="en-US" altLang="en-US" sz="1900" b="0" i="0" u="none" strike="noStrike" cap="none" normalizeH="0" baseline="0" dirty="0">
+              <a:ln>
+                <a:noFill/>
+              </a:ln>
+              <a:effectLst/>
+              <a:latin typeface="Times New Roman" panose="02020603050405020304" pitchFamily="18" charset="0"/>
+              <a:cs typeface="Times New Roman" panose="02020603050405020304" pitchFamily="18" charset="0"/>
+            </a:endParaRPr>
+          </a:p>
+          <a:p>
+            <a:endParaRPr kumimoji="0" lang="en-US" altLang="en-US" sz="1900" b="0" i="0" u="none" strike="noStrike" cap="none" normalizeH="0" baseline="0" dirty="0">
+              <a:ln>
+                <a:noFill/>
+              </a:ln>
+              <a:solidFill>
+                <a:srgbClr val="181717"/>
+              </a:solidFill>
+              <a:effectLst/>
+              <a:latin typeface="Times New Roman" panose="02020603050405020304" pitchFamily="18" charset="0"/>
+              <a:cs typeface="Times New Roman" panose="02020603050405020304" pitchFamily="18" charset="0"/>
+            </a:endParaRPr>
+          </a:p>
+        </p:txBody>
+      </p:sp>
+    </p:spTree>
+    <p:extLst>
+      <p:ext uri="{BB962C8B-B14F-4D97-AF65-F5344CB8AC3E}">
+        <p14:creationId xmlns:p14="http://schemas.microsoft.com/office/powerpoint/2010/main" val="2694983919"/>
+      </p:ext>
+    </p:extLst>
+  </p:cSld>
+  <p:clrMapOvr>
+    <a:masterClrMapping/>
+  </p:clrMapOvr>
+</p:sld>
+</file>
+
+<file path=ppt/slides/slide24.xml><?xml version="1.0" encoding="utf-8"?>
+<p:sld xmlns:a="http://schemas.openxmlformats.org/drawingml/2006/main" xmlns:r="http://schemas.openxmlformats.org/officeDocument/2006/relationships" xmlns:p="http://schemas.openxmlformats.org/presentationml/2006/main">
+  <p:cSld>
+    <p:bg>
+      <p:bgPr>
+        <a:solidFill>
+          <a:schemeClr val="bg1"/>
+        </a:solidFill>
+        <a:effectLst/>
+      </p:bgPr>
+    </p:bg>
+    <p:spTree>
+      <p:nvGrpSpPr>
+        <p:cNvPr id="1" name=""/>
+        <p:cNvGrpSpPr/>
+        <p:nvPr/>
+      </p:nvGrpSpPr>
+      <p:grpSpPr>
+        <a:xfrm>
+          <a:off x="0" y="0"/>
+          <a:ext cx="0" cy="0"/>
+          <a:chOff x="0" y="0"/>
+          <a:chExt cx="0" cy="0"/>
+        </a:xfrm>
+      </p:grpSpPr>
+      <p:sp>
+        <p:nvSpPr>
+          <p:cNvPr id="12" name="Rectangle 11">
+            <a:extLst>
+              <a:ext uri="{FF2B5EF4-FFF2-40B4-BE49-F238E27FC236}">
+                <a16:creationId xmlns:a16="http://schemas.microsoft.com/office/drawing/2014/main" id="{565B2778-6678-45B6-9A79-C0910CFCA012}"/>
+              </a:ext>
+              <a:ext uri="{C183D7F6-B498-43B3-948B-1728B52AA6E4}">
+                <adec:decorative xmlns:adec="http://schemas.microsoft.com/office/drawing/2017/decorative" val="1"/>
+              </a:ext>
+            </a:extLst>
+          </p:cNvPr>
+          <p:cNvSpPr>
+            <a:spLocks noGrp="1" noRot="1" noChangeAspect="1" noMove="1" noResize="1" noEditPoints="1" noAdjustHandles="1" noChangeArrowheads="1" noChangeShapeType="1" noTextEdit="1"/>
+          </p:cNvSpPr>
+          <p:nvPr>
+            <p:extLst>
+              <p:ext uri="{386F3935-93C4-4BCD-93E2-E3B085C9AB24}">
+                <p16:designElem xmlns:p16="http://schemas.microsoft.com/office/powerpoint/2015/main" val="1"/>
+              </p:ext>
+            </p:extLst>
+          </p:nvPr>
+        </p:nvSpPr>
+        <p:spPr>
+          <a:xfrm>
+            <a:off x="184393" y="237744"/>
+            <a:ext cx="7652977" cy="6382512"/>
+          </a:xfrm>
+          <a:prstGeom prst="rect">
+            <a:avLst/>
+          </a:prstGeom>
+          <a:solidFill>
+            <a:schemeClr val="bg2"/>
+          </a:solidFill>
+          <a:ln>
+            <a:noFill/>
+          </a:ln>
+        </p:spPr>
+        <p:style>
+          <a:lnRef idx="2">
+            <a:schemeClr val="accent1">
+              <a:shade val="50000"/>
+            </a:schemeClr>
+          </a:lnRef>
+          <a:fillRef idx="1">
+            <a:schemeClr val="accent1"/>
+          </a:fillRef>
+          <a:effectRef idx="0">
+            <a:schemeClr val="accent1"/>
+          </a:effectRef>
+          <a:fontRef idx="minor">
+            <a:schemeClr val="lt1"/>
+          </a:fontRef>
+        </p:style>
+      </p:sp>
+      <p:sp>
+        <p:nvSpPr>
+          <p:cNvPr id="2" name="Title 1">
+            <a:extLst>
+              <a:ext uri="{FF2B5EF4-FFF2-40B4-BE49-F238E27FC236}">
+                <a16:creationId xmlns:a16="http://schemas.microsoft.com/office/drawing/2014/main" id="{1994C951-3DD3-4FEF-9926-B1574C71DAD1}"/>
+              </a:ext>
+            </a:extLst>
+          </p:cNvPr>
+          <p:cNvSpPr>
+            <a:spLocks noGrp="1"/>
+          </p:cNvSpPr>
+          <p:nvPr>
+            <p:ph type="title"/>
+          </p:nvPr>
+        </p:nvSpPr>
+        <p:spPr>
+          <a:xfrm>
+            <a:off x="868680" y="642593"/>
+            <a:ext cx="6281928" cy="1744183"/>
+          </a:xfrm>
+        </p:spPr>
+        <p:txBody>
+          <a:bodyPr>
+            <a:normAutofit/>
+          </a:bodyPr>
+          <a:lstStyle/>
+          <a:p>
+            <a:r>
+              <a:rPr lang="en-US">
+                <a:latin typeface="Times New Roman" panose="02020603050405020304" pitchFamily="18" charset="0"/>
+                <a:cs typeface="Times New Roman" panose="02020603050405020304" pitchFamily="18" charset="0"/>
+              </a:rPr>
+              <a:t>Class Hierarchy :</a:t>
+            </a:r>
+            <a:endParaRPr lang="en-IN">
+              <a:latin typeface="Times New Roman" panose="02020603050405020304" pitchFamily="18" charset="0"/>
+              <a:cs typeface="Times New Roman" panose="02020603050405020304" pitchFamily="18" charset="0"/>
+            </a:endParaRPr>
+          </a:p>
+        </p:txBody>
+      </p:sp>
+      <p:sp>
+        <p:nvSpPr>
+          <p:cNvPr id="9" name="Content Placeholder 8">
+            <a:extLst>
+              <a:ext uri="{FF2B5EF4-FFF2-40B4-BE49-F238E27FC236}">
+                <a16:creationId xmlns:a16="http://schemas.microsoft.com/office/drawing/2014/main" id="{056B3E30-7DF2-4A97-958C-C0A7755B764B}"/>
+              </a:ext>
+            </a:extLst>
+          </p:cNvPr>
+          <p:cNvSpPr>
+            <a:spLocks noGrp="1"/>
+          </p:cNvSpPr>
+          <p:nvPr>
+            <p:ph idx="1"/>
+          </p:nvPr>
+        </p:nvSpPr>
+        <p:spPr>
+          <a:xfrm>
+            <a:off x="868680" y="2386584"/>
+            <a:ext cx="6281928" cy="3648456"/>
+          </a:xfrm>
+        </p:spPr>
+        <p:txBody>
+          <a:bodyPr>
+            <a:normAutofit/>
+          </a:bodyPr>
+          <a:lstStyle/>
+          <a:p>
+            <a:r>
+              <a:rPr lang="en-US" dirty="0">
+                <a:latin typeface="Times New Roman" panose="02020603050405020304" pitchFamily="18" charset="0"/>
+                <a:cs typeface="Times New Roman" panose="02020603050405020304" pitchFamily="18" charset="0"/>
+              </a:rPr>
+              <a:t>Add		: To add elements to the list.</a:t>
+            </a:r>
+          </a:p>
+          <a:p>
+            <a:r>
+              <a:rPr lang="en-US" dirty="0" err="1">
+                <a:latin typeface="Times New Roman" panose="02020603050405020304" pitchFamily="18" charset="0"/>
+                <a:cs typeface="Times New Roman" panose="02020603050405020304" pitchFamily="18" charset="0"/>
+              </a:rPr>
+              <a:t>AddRange</a:t>
+            </a:r>
+            <a:r>
+              <a:rPr lang="en-US" dirty="0">
+                <a:latin typeface="Times New Roman" panose="02020603050405020304" pitchFamily="18" charset="0"/>
+                <a:cs typeface="Times New Roman" panose="02020603050405020304" pitchFamily="18" charset="0"/>
+              </a:rPr>
+              <a:t>	: </a:t>
+            </a:r>
+            <a:r>
+              <a:rPr lang="en-US" b="0" i="0" dirty="0">
+                <a:solidFill>
+                  <a:srgbClr val="414141"/>
+                </a:solidFill>
+                <a:effectLst/>
+                <a:latin typeface="Times New Roman" panose="02020603050405020304" pitchFamily="18" charset="0"/>
+                <a:cs typeface="Times New Roman" panose="02020603050405020304" pitchFamily="18" charset="0"/>
+              </a:rPr>
+              <a:t>Adds elements of the specified collection at the end of a List&lt;T&gt;.</a:t>
+            </a:r>
+          </a:p>
+          <a:p>
+            <a:r>
+              <a:rPr lang="en-US" dirty="0">
+                <a:solidFill>
+                  <a:srgbClr val="414141"/>
+                </a:solidFill>
+                <a:latin typeface="Times New Roman" panose="02020603050405020304" pitchFamily="18" charset="0"/>
+                <a:cs typeface="Times New Roman" panose="02020603050405020304" pitchFamily="18" charset="0"/>
+              </a:rPr>
+              <a:t>Clear		: </a:t>
+            </a:r>
+            <a:r>
+              <a:rPr lang="en-US" b="0" i="0" dirty="0">
+                <a:solidFill>
+                  <a:srgbClr val="414141"/>
+                </a:solidFill>
+                <a:effectLst/>
+                <a:latin typeface="Times New Roman" panose="02020603050405020304" pitchFamily="18" charset="0"/>
+                <a:cs typeface="Times New Roman" panose="02020603050405020304" pitchFamily="18" charset="0"/>
+              </a:rPr>
+              <a:t>Removes all the elements from a List&lt;T&gt;.</a:t>
+            </a:r>
+          </a:p>
+          <a:p>
+            <a:r>
+              <a:rPr lang="en-US" dirty="0">
+                <a:solidFill>
+                  <a:srgbClr val="414141"/>
+                </a:solidFill>
+                <a:latin typeface="Times New Roman" panose="02020603050405020304" pitchFamily="18" charset="0"/>
+                <a:cs typeface="Times New Roman" panose="02020603050405020304" pitchFamily="18" charset="0"/>
+              </a:rPr>
+              <a:t>Contains	: </a:t>
+            </a:r>
+            <a:r>
+              <a:rPr lang="en-US" b="0" i="0" dirty="0">
+                <a:solidFill>
+                  <a:srgbClr val="414141"/>
+                </a:solidFill>
+                <a:effectLst/>
+                <a:latin typeface="Times New Roman" panose="02020603050405020304" pitchFamily="18" charset="0"/>
+                <a:cs typeface="Times New Roman" panose="02020603050405020304" pitchFamily="18" charset="0"/>
+              </a:rPr>
+              <a:t>Checks whether the specified element exists or not in a List&lt;T&gt;.</a:t>
+            </a:r>
+          </a:p>
+          <a:p>
+            <a:r>
+              <a:rPr lang="en-US" dirty="0">
+                <a:solidFill>
+                  <a:srgbClr val="414141"/>
+                </a:solidFill>
+                <a:latin typeface="Times New Roman" panose="02020603050405020304" pitchFamily="18" charset="0"/>
+                <a:cs typeface="Times New Roman" panose="02020603050405020304" pitchFamily="18" charset="0"/>
+              </a:rPr>
+              <a:t>Insert		: </a:t>
+            </a:r>
+            <a:r>
+              <a:rPr lang="en-US" b="0" i="0" dirty="0">
+                <a:solidFill>
+                  <a:srgbClr val="414141"/>
+                </a:solidFill>
+                <a:effectLst/>
+                <a:latin typeface="Times New Roman" panose="02020603050405020304" pitchFamily="18" charset="0"/>
+                <a:cs typeface="Times New Roman" panose="02020603050405020304" pitchFamily="18" charset="0"/>
+              </a:rPr>
+              <a:t>Inserts an element at the specified index in a List&lt;T&gt;.</a:t>
+            </a:r>
+            <a:endParaRPr lang="en-US" dirty="0">
+              <a:solidFill>
+                <a:srgbClr val="414141"/>
+              </a:solidFill>
+              <a:latin typeface="Times New Roman" panose="02020603050405020304" pitchFamily="18" charset="0"/>
+              <a:cs typeface="Times New Roman" panose="02020603050405020304" pitchFamily="18" charset="0"/>
+            </a:endParaRPr>
+          </a:p>
+          <a:p>
+            <a:r>
+              <a:rPr lang="en-IN" b="0" i="0" dirty="0">
+                <a:solidFill>
+                  <a:srgbClr val="414141"/>
+                </a:solidFill>
+                <a:effectLst/>
+                <a:latin typeface="Times New Roman" panose="02020603050405020304" pitchFamily="18" charset="0"/>
+                <a:cs typeface="Times New Roman" panose="02020603050405020304" pitchFamily="18" charset="0"/>
+              </a:rPr>
+              <a:t>Remove</a:t>
+            </a:r>
+            <a:r>
+              <a:rPr lang="en-US" b="0" i="0" dirty="0">
+                <a:solidFill>
+                  <a:srgbClr val="414141"/>
+                </a:solidFill>
+                <a:effectLst/>
+                <a:latin typeface="Times New Roman" panose="02020603050405020304" pitchFamily="18" charset="0"/>
+                <a:cs typeface="Times New Roman" panose="02020603050405020304" pitchFamily="18" charset="0"/>
+              </a:rPr>
+              <a:t>	: Removes the first occurrence of the specified element.</a:t>
+            </a:r>
+            <a:endParaRPr lang="en-US" dirty="0">
+              <a:latin typeface="Times New Roman" panose="02020603050405020304" pitchFamily="18" charset="0"/>
+              <a:cs typeface="Times New Roman" panose="02020603050405020304" pitchFamily="18" charset="0"/>
+            </a:endParaRPr>
+          </a:p>
+        </p:txBody>
+      </p:sp>
+      <p:sp useBgFill="1">
+        <p:nvSpPr>
+          <p:cNvPr id="14" name="Rectangle 13">
+            <a:extLst>
+              <a:ext uri="{FF2B5EF4-FFF2-40B4-BE49-F238E27FC236}">
+                <a16:creationId xmlns:a16="http://schemas.microsoft.com/office/drawing/2014/main" id="{82C57F61-3F6E-4BE5-B964-003AA9B3550A}"/>
+              </a:ext>
+              <a:ext uri="{C183D7F6-B498-43B3-948B-1728B52AA6E4}">
+                <adec:decorative xmlns:adec="http://schemas.microsoft.com/office/drawing/2017/decorative" val="1"/>
+              </a:ext>
+            </a:extLst>
+          </p:cNvPr>
+          <p:cNvSpPr>
+            <a:spLocks noGrp="1" noRot="1" noChangeAspect="1" noMove="1" noResize="1" noEditPoints="1" noAdjustHandles="1" noChangeArrowheads="1" noChangeShapeType="1" noTextEdit="1"/>
+          </p:cNvSpPr>
+          <p:nvPr>
+            <p:extLst>
+              <p:ext uri="{386F3935-93C4-4BCD-93E2-E3B085C9AB24}">
+                <p16:designElem xmlns:p16="http://schemas.microsoft.com/office/powerpoint/2015/main" val="1"/>
+              </p:ext>
+            </p:extLst>
+          </p:nvPr>
+        </p:nvSpPr>
+        <p:spPr>
+          <a:xfrm>
+            <a:off x="7837370" y="0"/>
+            <a:ext cx="4354630" cy="6858000"/>
+          </a:xfrm>
+          <a:prstGeom prst="rect">
+            <a:avLst/>
+          </a:prstGeom>
+          <a:ln>
+            <a:noFill/>
+          </a:ln>
+        </p:spPr>
+        <p:style>
+          <a:lnRef idx="2">
+            <a:schemeClr val="accent1">
+              <a:shade val="50000"/>
+            </a:schemeClr>
+          </a:lnRef>
+          <a:fillRef idx="1">
+            <a:schemeClr val="accent1"/>
+          </a:fillRef>
+          <a:effectRef idx="0">
+            <a:schemeClr val="accent1"/>
+          </a:effectRef>
+          <a:fontRef idx="minor">
+            <a:schemeClr val="lt1"/>
+          </a:fontRef>
+        </p:style>
+        <p:txBody>
+          <a:bodyPr rtlCol="0" anchor="ctr"/>
+          <a:lstStyle/>
+          <a:p>
+            <a:pPr algn="ctr"/>
+            <a:endParaRPr lang="en-US"/>
+          </a:p>
+        </p:txBody>
+      </p:sp>
+      <p:pic>
+        <p:nvPicPr>
+          <p:cNvPr id="5" name="Content Placeholder 4" descr="Text&#10;&#10;Description automatically generated">
+            <a:extLst>
+              <a:ext uri="{FF2B5EF4-FFF2-40B4-BE49-F238E27FC236}">
+                <a16:creationId xmlns:a16="http://schemas.microsoft.com/office/drawing/2014/main" id="{19B91F64-43DD-4A02-A7E4-AE3191E1C3D6}"/>
+              </a:ext>
+            </a:extLst>
+          </p:cNvPr>
+          <p:cNvPicPr>
+            <a:picLocks noChangeAspect="1"/>
+          </p:cNvPicPr>
+          <p:nvPr/>
+        </p:nvPicPr>
+        <p:blipFill>
+          <a:blip r:embed="rId2">
+            <a:extLst>
+              <a:ext uri="{28A0092B-C50C-407E-A947-70E740481C1C}">
+                <a14:useLocalDpi xmlns:a14="http://schemas.microsoft.com/office/drawing/2010/main" val="0"/>
+              </a:ext>
+            </a:extLst>
+          </a:blip>
+          <a:stretch>
+            <a:fillRect/>
+          </a:stretch>
+        </p:blipFill>
+        <p:spPr>
+          <a:xfrm>
+            <a:off x="8329636" y="882398"/>
+            <a:ext cx="3298620" cy="5094394"/>
+          </a:xfrm>
+          <a:prstGeom prst="rect">
+            <a:avLst/>
+          </a:prstGeom>
+        </p:spPr>
+      </p:pic>
+    </p:spTree>
+    <p:extLst>
+      <p:ext uri="{BB962C8B-B14F-4D97-AF65-F5344CB8AC3E}">
+        <p14:creationId xmlns:p14="http://schemas.microsoft.com/office/powerpoint/2010/main" val="672489730"/>
+      </p:ext>
+    </p:extLst>
+  </p:cSld>
+  <p:clrMapOvr>
+    <a:masterClrMapping/>
+  </p:clrMapOvr>
+</p:sld>
+</file>
+
+<file path=ppt/slides/slide25.xml><?xml version="1.0" encoding="utf-8"?>
+<p:sld xmlns:a="http://schemas.openxmlformats.org/drawingml/2006/main" xmlns:r="http://schemas.openxmlformats.org/officeDocument/2006/relationships" xmlns:p="http://schemas.openxmlformats.org/presentationml/2006/main">
+  <p:cSld>
+    <p:spTree>
+      <p:nvGrpSpPr>
+        <p:cNvPr id="1" name=""/>
+        <p:cNvGrpSpPr/>
+        <p:nvPr/>
+      </p:nvGrpSpPr>
+      <p:grpSpPr>
+        <a:xfrm>
+          <a:off x="0" y="0"/>
+          <a:ext cx="0" cy="0"/>
+          <a:chOff x="0" y="0"/>
+          <a:chExt cx="0" cy="0"/>
+        </a:xfrm>
+      </p:grpSpPr>
+      <p:sp>
+        <p:nvSpPr>
+          <p:cNvPr id="2" name="Title 1">
+            <a:extLst>
+              <a:ext uri="{FF2B5EF4-FFF2-40B4-BE49-F238E27FC236}">
+                <a16:creationId xmlns:a16="http://schemas.microsoft.com/office/drawing/2014/main" id="{64A98F5E-4398-4A34-A2A4-E1DC5988A9F6}"/>
+              </a:ext>
+            </a:extLst>
+          </p:cNvPr>
+          <p:cNvSpPr>
+            <a:spLocks noGrp="1"/>
+          </p:cNvSpPr>
+          <p:nvPr>
+            <p:ph type="title"/>
+          </p:nvPr>
+        </p:nvSpPr>
+        <p:spPr/>
+        <p:txBody>
+          <a:bodyPr>
+            <a:normAutofit/>
+          </a:bodyPr>
+          <a:lstStyle/>
+          <a:p>
+            <a:r>
+              <a:rPr lang="en-US" sz="4400" dirty="0" err="1">
+                <a:latin typeface="Times New Roman" panose="02020603050405020304" pitchFamily="18" charset="0"/>
+                <a:cs typeface="Times New Roman" panose="02020603050405020304" pitchFamily="18" charset="0"/>
+              </a:rPr>
+              <a:t>ArrayList</a:t>
+            </a:r>
+            <a:r>
+              <a:rPr lang="en-US" sz="4400" dirty="0">
+                <a:latin typeface="Times New Roman" panose="02020603050405020304" pitchFamily="18" charset="0"/>
+                <a:cs typeface="Times New Roman" panose="02020603050405020304" pitchFamily="18" charset="0"/>
+              </a:rPr>
+              <a:t> in C# :</a:t>
+            </a:r>
+            <a:endParaRPr lang="en-IN" sz="4400" dirty="0">
+              <a:latin typeface="Times New Roman" panose="02020603050405020304" pitchFamily="18" charset="0"/>
+              <a:cs typeface="Times New Roman" panose="02020603050405020304" pitchFamily="18" charset="0"/>
+            </a:endParaRPr>
+          </a:p>
+        </p:txBody>
+      </p:sp>
+      <p:sp>
+        <p:nvSpPr>
+          <p:cNvPr id="3" name="Content Placeholder 2">
+            <a:extLst>
+              <a:ext uri="{FF2B5EF4-FFF2-40B4-BE49-F238E27FC236}">
+                <a16:creationId xmlns:a16="http://schemas.microsoft.com/office/drawing/2014/main" id="{9BFAF3C6-A753-4B5F-B8F4-DCF12CB43726}"/>
+              </a:ext>
+            </a:extLst>
+          </p:cNvPr>
+          <p:cNvSpPr>
+            <a:spLocks noGrp="1"/>
+          </p:cNvSpPr>
+          <p:nvPr>
+            <p:ph idx="1"/>
+          </p:nvPr>
+        </p:nvSpPr>
+        <p:spPr/>
+        <p:txBody>
+          <a:bodyPr>
+            <a:normAutofit/>
+          </a:bodyPr>
+          <a:lstStyle/>
+          <a:p>
+            <a:r>
+              <a:rPr kumimoji="0" lang="en-US" altLang="en-US" sz="1900" b="0" i="0" u="none" strike="noStrike" cap="none" normalizeH="0" baseline="0" dirty="0">
+                <a:ln>
+                  <a:noFill/>
+                </a:ln>
+                <a:solidFill>
+                  <a:srgbClr val="181717"/>
+                </a:solidFill>
+                <a:effectLst/>
+                <a:latin typeface="Times New Roman" panose="02020603050405020304" pitchFamily="18" charset="0"/>
+                <a:cs typeface="Times New Roman" panose="02020603050405020304" pitchFamily="18" charset="0"/>
+              </a:rPr>
+              <a:t>In C#, the </a:t>
+            </a:r>
+            <a:r>
+              <a:rPr kumimoji="0" lang="en-US" altLang="en-US" sz="1900" b="0" i="0" u="none" strike="noStrike" cap="none" normalizeH="0" baseline="0" dirty="0" err="1">
+                <a:ln>
+                  <a:noFill/>
+                </a:ln>
+                <a:solidFill>
+                  <a:srgbClr val="000000"/>
+                </a:solidFill>
+                <a:effectLst/>
+                <a:latin typeface="Times New Roman" panose="02020603050405020304" pitchFamily="18" charset="0"/>
+                <a:cs typeface="Times New Roman" panose="02020603050405020304" pitchFamily="18" charset="0"/>
+              </a:rPr>
+              <a:t>ArrayList</a:t>
+            </a:r>
+            <a:r>
+              <a:rPr kumimoji="0" lang="en-US" altLang="en-US" sz="1900" b="0" i="0" u="none" strike="noStrike" cap="none" normalizeH="0" baseline="0" dirty="0">
+                <a:ln>
+                  <a:noFill/>
+                </a:ln>
+                <a:solidFill>
+                  <a:srgbClr val="181717"/>
+                </a:solidFill>
+                <a:effectLst/>
+                <a:latin typeface="Times New Roman" panose="02020603050405020304" pitchFamily="18" charset="0"/>
+                <a:cs typeface="Times New Roman" panose="02020603050405020304" pitchFamily="18" charset="0"/>
+              </a:rPr>
+              <a:t> is a non-generic collection of objects whose size increases dynamically. It is the same as </a:t>
+            </a:r>
+            <a:r>
+              <a:rPr kumimoji="0" lang="en-US" altLang="en-US" sz="1900" b="0" i="0" u="none" strike="noStrike" cap="none" normalizeH="0" baseline="0" dirty="0">
+                <a:ln>
+                  <a:noFill/>
+                </a:ln>
+                <a:solidFill>
+                  <a:srgbClr val="007BFF"/>
+                </a:solidFill>
+                <a:effectLst/>
+                <a:latin typeface="Times New Roman" panose="02020603050405020304" pitchFamily="18" charset="0"/>
+                <a:cs typeface="Times New Roman" panose="02020603050405020304" pitchFamily="18" charset="0"/>
+                <a:hlinkClick r:id="rId2"/>
+              </a:rPr>
+              <a:t>Array</a:t>
+            </a:r>
+            <a:r>
+              <a:rPr kumimoji="0" lang="en-US" altLang="en-US" sz="1900" b="0" i="0" u="none" strike="noStrike" cap="none" normalizeH="0" baseline="0" dirty="0">
+                <a:ln>
+                  <a:noFill/>
+                </a:ln>
+                <a:solidFill>
+                  <a:srgbClr val="181717"/>
+                </a:solidFill>
+                <a:effectLst/>
+                <a:latin typeface="Times New Roman" panose="02020603050405020304" pitchFamily="18" charset="0"/>
+                <a:cs typeface="Times New Roman" panose="02020603050405020304" pitchFamily="18" charset="0"/>
+              </a:rPr>
+              <a:t> except that its size increases dynamically.</a:t>
+            </a:r>
+            <a:r>
+              <a:rPr kumimoji="0" lang="en-US" altLang="en-US" sz="1900" b="0" i="0" u="none" strike="noStrike" cap="none" normalizeH="0" baseline="0" dirty="0">
+                <a:ln>
+                  <a:noFill/>
+                </a:ln>
+                <a:solidFill>
+                  <a:schemeClr val="tx1"/>
+                </a:solidFill>
+                <a:effectLst/>
+                <a:latin typeface="Times New Roman" panose="02020603050405020304" pitchFamily="18" charset="0"/>
+                <a:cs typeface="Times New Roman" panose="02020603050405020304" pitchFamily="18" charset="0"/>
+              </a:rPr>
+              <a:t> </a:t>
+            </a:r>
+          </a:p>
+          <a:p>
+            <a:r>
+              <a:rPr kumimoji="0" lang="en-US" altLang="en-US" sz="1900" b="0" i="0" u="none" strike="noStrike" cap="none" normalizeH="0" baseline="0" dirty="0">
+                <a:ln>
+                  <a:noFill/>
+                </a:ln>
+                <a:solidFill>
+                  <a:srgbClr val="181717"/>
+                </a:solidFill>
+                <a:effectLst/>
+                <a:latin typeface="Times New Roman" panose="02020603050405020304" pitchFamily="18" charset="0"/>
+                <a:cs typeface="Times New Roman" panose="02020603050405020304" pitchFamily="18" charset="0"/>
+              </a:rPr>
+              <a:t>An </a:t>
+            </a:r>
+            <a:r>
+              <a:rPr kumimoji="0" lang="en-US" altLang="en-US" sz="1900" b="0" i="0" u="none" strike="noStrike" cap="none" normalizeH="0" baseline="0" dirty="0" err="1">
+                <a:ln>
+                  <a:noFill/>
+                </a:ln>
+                <a:solidFill>
+                  <a:srgbClr val="000000"/>
+                </a:solidFill>
+                <a:effectLst/>
+                <a:latin typeface="Times New Roman" panose="02020603050405020304" pitchFamily="18" charset="0"/>
+                <a:cs typeface="Times New Roman" panose="02020603050405020304" pitchFamily="18" charset="0"/>
+              </a:rPr>
+              <a:t>ArrayList</a:t>
+            </a:r>
+            <a:r>
+              <a:rPr kumimoji="0" lang="en-US" altLang="en-US" sz="1900" b="0" i="0" u="none" strike="noStrike" cap="none" normalizeH="0" baseline="0" dirty="0">
+                <a:ln>
+                  <a:noFill/>
+                </a:ln>
+                <a:solidFill>
+                  <a:srgbClr val="181717"/>
+                </a:solidFill>
+                <a:effectLst/>
+                <a:latin typeface="Times New Roman" panose="02020603050405020304" pitchFamily="18" charset="0"/>
+                <a:cs typeface="Times New Roman" panose="02020603050405020304" pitchFamily="18" charset="0"/>
+              </a:rPr>
+              <a:t> can be used to add unknown data where you don't know the types and the size of the data.</a:t>
+            </a:r>
+            <a:r>
+              <a:rPr kumimoji="0" lang="en-US" altLang="en-US" sz="1900" b="0" i="0" u="none" strike="noStrike" cap="none" normalizeH="0" baseline="0" dirty="0">
+                <a:ln>
+                  <a:noFill/>
+                </a:ln>
+                <a:solidFill>
+                  <a:schemeClr val="tx1"/>
+                </a:solidFill>
+                <a:effectLst/>
+                <a:latin typeface="Times New Roman" panose="02020603050405020304" pitchFamily="18" charset="0"/>
+                <a:cs typeface="Times New Roman" panose="02020603050405020304" pitchFamily="18" charset="0"/>
+              </a:rPr>
+              <a:t> </a:t>
+            </a:r>
+          </a:p>
+          <a:p>
+            <a:r>
+              <a:rPr lang="en-IN" sz="1900" dirty="0">
+                <a:latin typeface="Times New Roman" panose="02020603050405020304" pitchFamily="18" charset="0"/>
+                <a:cs typeface="Times New Roman" panose="02020603050405020304" pitchFamily="18" charset="0"/>
+              </a:rPr>
+              <a:t>An ArrayList can be created by using the syntax –</a:t>
+            </a:r>
+          </a:p>
+          <a:p>
+            <a:pPr lvl="1"/>
+            <a:r>
+              <a:rPr kumimoji="0" lang="en-US" altLang="en-US" sz="1900" b="0" i="0" u="none" strike="noStrike" cap="none" normalizeH="0" baseline="0" dirty="0" err="1">
+                <a:ln>
+                  <a:noFill/>
+                </a:ln>
+                <a:solidFill>
+                  <a:srgbClr val="2B91AF"/>
+                </a:solidFill>
+                <a:effectLst/>
+                <a:latin typeface="Times New Roman" panose="02020603050405020304" pitchFamily="18" charset="0"/>
+                <a:cs typeface="Times New Roman" panose="02020603050405020304" pitchFamily="18" charset="0"/>
+              </a:rPr>
+              <a:t>ArrayList</a:t>
+            </a:r>
+            <a:r>
+              <a:rPr kumimoji="0" lang="en-US" altLang="en-US" sz="1900" b="0" i="0" u="none" strike="noStrike" cap="none" normalizeH="0" baseline="0" dirty="0">
+                <a:ln>
+                  <a:noFill/>
+                </a:ln>
+                <a:solidFill>
+                  <a:srgbClr val="000000"/>
+                </a:solidFill>
+                <a:effectLst/>
+                <a:latin typeface="Times New Roman" panose="02020603050405020304" pitchFamily="18" charset="0"/>
+                <a:cs typeface="Times New Roman" panose="02020603050405020304" pitchFamily="18" charset="0"/>
+              </a:rPr>
+              <a:t> </a:t>
+            </a:r>
+            <a:r>
+              <a:rPr kumimoji="0" lang="en-US" altLang="en-US" sz="1900" b="0" i="0" u="none" strike="noStrike" cap="none" normalizeH="0" baseline="0" dirty="0" err="1">
+                <a:ln>
+                  <a:noFill/>
+                </a:ln>
+                <a:solidFill>
+                  <a:srgbClr val="000000"/>
+                </a:solidFill>
+                <a:effectLst/>
+                <a:latin typeface="Times New Roman" panose="02020603050405020304" pitchFamily="18" charset="0"/>
+                <a:cs typeface="Times New Roman" panose="02020603050405020304" pitchFamily="18" charset="0"/>
+              </a:rPr>
+              <a:t>arlist</a:t>
+            </a:r>
+            <a:r>
+              <a:rPr kumimoji="0" lang="en-US" altLang="en-US" sz="1900" b="0" i="0" u="none" strike="noStrike" cap="none" normalizeH="0" baseline="0" dirty="0">
+                <a:ln>
+                  <a:noFill/>
+                </a:ln>
+                <a:solidFill>
+                  <a:srgbClr val="000000"/>
+                </a:solidFill>
+                <a:effectLst/>
+                <a:latin typeface="Times New Roman" panose="02020603050405020304" pitchFamily="18" charset="0"/>
+                <a:cs typeface="Times New Roman" panose="02020603050405020304" pitchFamily="18" charset="0"/>
+              </a:rPr>
+              <a:t> = </a:t>
+            </a:r>
+            <a:r>
+              <a:rPr kumimoji="0" lang="en-US" altLang="en-US" sz="1900" b="0" i="0" u="none" strike="noStrike" cap="none" normalizeH="0" baseline="0" dirty="0">
+                <a:ln>
+                  <a:noFill/>
+                </a:ln>
+                <a:solidFill>
+                  <a:srgbClr val="0000FF"/>
+                </a:solidFill>
+                <a:effectLst/>
+                <a:latin typeface="Times New Roman" panose="02020603050405020304" pitchFamily="18" charset="0"/>
+                <a:cs typeface="Times New Roman" panose="02020603050405020304" pitchFamily="18" charset="0"/>
+              </a:rPr>
+              <a:t>new</a:t>
+            </a:r>
+            <a:r>
+              <a:rPr kumimoji="0" lang="en-US" altLang="en-US" sz="1900" b="0" i="0" u="none" strike="noStrike" cap="none" normalizeH="0" baseline="0" dirty="0">
+                <a:ln>
+                  <a:noFill/>
+                </a:ln>
+                <a:solidFill>
+                  <a:srgbClr val="000000"/>
+                </a:solidFill>
+                <a:effectLst/>
+                <a:latin typeface="Times New Roman" panose="02020603050405020304" pitchFamily="18" charset="0"/>
+                <a:cs typeface="Times New Roman" panose="02020603050405020304" pitchFamily="18" charset="0"/>
+              </a:rPr>
+              <a:t> </a:t>
+            </a:r>
+            <a:r>
+              <a:rPr kumimoji="0" lang="en-US" altLang="en-US" sz="1900" b="0" i="0" u="none" strike="noStrike" cap="none" normalizeH="0" baseline="0" dirty="0" err="1">
+                <a:ln>
+                  <a:noFill/>
+                </a:ln>
+                <a:solidFill>
+                  <a:srgbClr val="2B91AF"/>
+                </a:solidFill>
+                <a:effectLst/>
+                <a:latin typeface="Times New Roman" panose="02020603050405020304" pitchFamily="18" charset="0"/>
+                <a:cs typeface="Times New Roman" panose="02020603050405020304" pitchFamily="18" charset="0"/>
+              </a:rPr>
+              <a:t>ArrayList</a:t>
+            </a:r>
+            <a:r>
+              <a:rPr kumimoji="0" lang="en-US" altLang="en-US" sz="1900" b="0" i="0" u="none" strike="noStrike" cap="none" normalizeH="0" baseline="0" dirty="0">
+                <a:ln>
+                  <a:noFill/>
+                </a:ln>
+                <a:solidFill>
+                  <a:srgbClr val="000000"/>
+                </a:solidFill>
+                <a:effectLst/>
+                <a:latin typeface="Times New Roman" panose="02020603050405020304" pitchFamily="18" charset="0"/>
+                <a:cs typeface="Times New Roman" panose="02020603050405020304" pitchFamily="18" charset="0"/>
+              </a:rPr>
+              <a:t>();</a:t>
+            </a:r>
+            <a:r>
+              <a:rPr kumimoji="0" lang="en-US" altLang="en-US" sz="1900" b="0" i="0" u="none" strike="noStrike" cap="none" normalizeH="0" baseline="0" dirty="0">
+                <a:ln>
+                  <a:noFill/>
+                </a:ln>
+                <a:solidFill>
+                  <a:srgbClr val="008000"/>
+                </a:solidFill>
+                <a:effectLst/>
+                <a:latin typeface="Times New Roman" panose="02020603050405020304" pitchFamily="18" charset="0"/>
+                <a:cs typeface="Times New Roman" panose="02020603050405020304" pitchFamily="18" charset="0"/>
+              </a:rPr>
+              <a:t> 		or </a:t>
+            </a:r>
+          </a:p>
+          <a:p>
+            <a:pPr lvl="1"/>
+            <a:r>
+              <a:rPr kumimoji="0" lang="en-US" altLang="en-US" sz="1900" b="0" i="0" u="none" strike="noStrike" cap="none" normalizeH="0" baseline="0" dirty="0">
+                <a:ln>
+                  <a:noFill/>
+                </a:ln>
+                <a:solidFill>
+                  <a:srgbClr val="0000FF"/>
+                </a:solidFill>
+                <a:effectLst/>
+                <a:latin typeface="Times New Roman" panose="02020603050405020304" pitchFamily="18" charset="0"/>
+                <a:cs typeface="Times New Roman" panose="02020603050405020304" pitchFamily="18" charset="0"/>
+              </a:rPr>
+              <a:t>var</a:t>
+            </a:r>
+            <a:r>
+              <a:rPr kumimoji="0" lang="en-US" altLang="en-US" sz="1900" b="0" i="0" u="none" strike="noStrike" cap="none" normalizeH="0" baseline="0" dirty="0">
+                <a:ln>
+                  <a:noFill/>
+                </a:ln>
+                <a:solidFill>
+                  <a:srgbClr val="000000"/>
+                </a:solidFill>
+                <a:effectLst/>
+                <a:latin typeface="Times New Roman" panose="02020603050405020304" pitchFamily="18" charset="0"/>
+                <a:cs typeface="Times New Roman" panose="02020603050405020304" pitchFamily="18" charset="0"/>
+              </a:rPr>
+              <a:t> </a:t>
+            </a:r>
+            <a:r>
+              <a:rPr kumimoji="0" lang="en-US" altLang="en-US" sz="1900" b="0" i="0" u="none" strike="noStrike" cap="none" normalizeH="0" baseline="0" dirty="0" err="1">
+                <a:ln>
+                  <a:noFill/>
+                </a:ln>
+                <a:solidFill>
+                  <a:srgbClr val="000000"/>
+                </a:solidFill>
+                <a:effectLst/>
+                <a:latin typeface="Times New Roman" panose="02020603050405020304" pitchFamily="18" charset="0"/>
+                <a:cs typeface="Times New Roman" panose="02020603050405020304" pitchFamily="18" charset="0"/>
+              </a:rPr>
+              <a:t>arlist</a:t>
+            </a:r>
+            <a:r>
+              <a:rPr kumimoji="0" lang="en-US" altLang="en-US" sz="1900" b="0" i="0" u="none" strike="noStrike" cap="none" normalizeH="0" baseline="0" dirty="0">
+                <a:ln>
+                  <a:noFill/>
+                </a:ln>
+                <a:solidFill>
+                  <a:srgbClr val="000000"/>
+                </a:solidFill>
+                <a:effectLst/>
+                <a:latin typeface="Times New Roman" panose="02020603050405020304" pitchFamily="18" charset="0"/>
+                <a:cs typeface="Times New Roman" panose="02020603050405020304" pitchFamily="18" charset="0"/>
+              </a:rPr>
+              <a:t> = </a:t>
+            </a:r>
+            <a:r>
+              <a:rPr kumimoji="0" lang="en-US" altLang="en-US" sz="1900" b="0" i="0" u="none" strike="noStrike" cap="none" normalizeH="0" baseline="0" dirty="0">
+                <a:ln>
+                  <a:noFill/>
+                </a:ln>
+                <a:solidFill>
+                  <a:srgbClr val="0000FF"/>
+                </a:solidFill>
+                <a:effectLst/>
+                <a:latin typeface="Times New Roman" panose="02020603050405020304" pitchFamily="18" charset="0"/>
+                <a:cs typeface="Times New Roman" panose="02020603050405020304" pitchFamily="18" charset="0"/>
+              </a:rPr>
+              <a:t>new</a:t>
+            </a:r>
+            <a:r>
+              <a:rPr kumimoji="0" lang="en-US" altLang="en-US" sz="1900" b="0" i="0" u="none" strike="noStrike" cap="none" normalizeH="0" baseline="0" dirty="0">
+                <a:ln>
+                  <a:noFill/>
+                </a:ln>
+                <a:solidFill>
+                  <a:srgbClr val="000000"/>
+                </a:solidFill>
+                <a:effectLst/>
+                <a:latin typeface="Times New Roman" panose="02020603050405020304" pitchFamily="18" charset="0"/>
+                <a:cs typeface="Times New Roman" panose="02020603050405020304" pitchFamily="18" charset="0"/>
+              </a:rPr>
+              <a:t> </a:t>
+            </a:r>
+            <a:r>
+              <a:rPr kumimoji="0" lang="en-US" altLang="en-US" sz="1900" b="0" i="0" u="none" strike="noStrike" cap="none" normalizeH="0" baseline="0" dirty="0" err="1">
+                <a:ln>
+                  <a:noFill/>
+                </a:ln>
+                <a:solidFill>
+                  <a:srgbClr val="2B91AF"/>
+                </a:solidFill>
+                <a:effectLst/>
+                <a:latin typeface="Times New Roman" panose="02020603050405020304" pitchFamily="18" charset="0"/>
+                <a:cs typeface="Times New Roman" panose="02020603050405020304" pitchFamily="18" charset="0"/>
+              </a:rPr>
+              <a:t>ArrayList</a:t>
+            </a:r>
+            <a:r>
+              <a:rPr kumimoji="0" lang="en-US" altLang="en-US" sz="1900" b="0" i="0" u="none" strike="noStrike" cap="none" normalizeH="0" baseline="0" dirty="0">
+                <a:ln>
+                  <a:noFill/>
+                </a:ln>
+                <a:solidFill>
+                  <a:srgbClr val="000000"/>
+                </a:solidFill>
+                <a:effectLst/>
+                <a:latin typeface="Times New Roman" panose="02020603050405020304" pitchFamily="18" charset="0"/>
+                <a:cs typeface="Times New Roman" panose="02020603050405020304" pitchFamily="18" charset="0"/>
+              </a:rPr>
+              <a:t>();</a:t>
+            </a:r>
+            <a:r>
+              <a:rPr kumimoji="0" lang="en-US" altLang="en-US" sz="1900" b="0" i="0" u="none" strike="noStrike" cap="none" normalizeH="0" baseline="0" dirty="0">
+                <a:ln>
+                  <a:noFill/>
+                </a:ln>
+                <a:solidFill>
+                  <a:schemeClr val="tx1"/>
+                </a:solidFill>
+                <a:effectLst/>
+                <a:latin typeface="Times New Roman" panose="02020603050405020304" pitchFamily="18" charset="0"/>
+                <a:cs typeface="Times New Roman" panose="02020603050405020304" pitchFamily="18" charset="0"/>
+              </a:rPr>
+              <a:t> </a:t>
+            </a:r>
+          </a:p>
+          <a:p>
+            <a:r>
+              <a:rPr kumimoji="0" lang="en-US" altLang="en-US" sz="1900" b="0" i="0" u="none" strike="noStrike" cap="none" normalizeH="0" baseline="0" dirty="0">
+                <a:ln>
+                  <a:noFill/>
+                </a:ln>
+                <a:solidFill>
+                  <a:srgbClr val="181717"/>
+                </a:solidFill>
+                <a:effectLst/>
+                <a:latin typeface="Times New Roman" panose="02020603050405020304" pitchFamily="18" charset="0"/>
+                <a:cs typeface="Times New Roman" panose="02020603050405020304" pitchFamily="18" charset="0"/>
+              </a:rPr>
+              <a:t>Use the </a:t>
+            </a:r>
+            <a:r>
+              <a:rPr kumimoji="0" lang="en-US" altLang="en-US" sz="1900" b="0" i="0" u="none" strike="noStrike" cap="none" normalizeH="0" baseline="0" dirty="0">
+                <a:ln>
+                  <a:noFill/>
+                </a:ln>
+                <a:solidFill>
+                  <a:srgbClr val="000000"/>
+                </a:solidFill>
+                <a:effectLst/>
+                <a:latin typeface="Times New Roman" panose="02020603050405020304" pitchFamily="18" charset="0"/>
+                <a:cs typeface="Times New Roman" panose="02020603050405020304" pitchFamily="18" charset="0"/>
+              </a:rPr>
+              <a:t>Add()</a:t>
+            </a:r>
+            <a:r>
+              <a:rPr kumimoji="0" lang="en-US" altLang="en-US" sz="1900" b="0" i="0" u="none" strike="noStrike" cap="none" normalizeH="0" baseline="0" dirty="0">
+                <a:ln>
+                  <a:noFill/>
+                </a:ln>
+                <a:solidFill>
+                  <a:srgbClr val="181717"/>
+                </a:solidFill>
+                <a:effectLst/>
+                <a:latin typeface="Times New Roman" panose="02020603050405020304" pitchFamily="18" charset="0"/>
+                <a:cs typeface="Times New Roman" panose="02020603050405020304" pitchFamily="18" charset="0"/>
+              </a:rPr>
+              <a:t> method or </a:t>
+            </a:r>
+            <a:r>
+              <a:rPr kumimoji="0" lang="en-US" altLang="en-US" sz="1900" b="0" i="0" u="none" strike="noStrike" cap="none" normalizeH="0" baseline="0" dirty="0">
+                <a:ln>
+                  <a:noFill/>
+                </a:ln>
+                <a:solidFill>
+                  <a:srgbClr val="007BFF"/>
+                </a:solidFill>
+                <a:effectLst/>
+                <a:latin typeface="Times New Roman" panose="02020603050405020304" pitchFamily="18" charset="0"/>
+                <a:cs typeface="Times New Roman" panose="02020603050405020304" pitchFamily="18" charset="0"/>
+                <a:hlinkClick r:id="rId3"/>
+              </a:rPr>
+              <a:t>object initializer syntax</a:t>
+            </a:r>
+            <a:r>
+              <a:rPr kumimoji="0" lang="en-US" altLang="en-US" sz="1900" b="0" i="0" u="none" strike="noStrike" cap="none" normalizeH="0" baseline="0" dirty="0">
+                <a:ln>
+                  <a:noFill/>
+                </a:ln>
+                <a:solidFill>
+                  <a:srgbClr val="181717"/>
+                </a:solidFill>
+                <a:effectLst/>
+                <a:latin typeface="Times New Roman" panose="02020603050405020304" pitchFamily="18" charset="0"/>
+                <a:cs typeface="Times New Roman" panose="02020603050405020304" pitchFamily="18" charset="0"/>
+              </a:rPr>
+              <a:t> to add elements in an </a:t>
+            </a:r>
+            <a:r>
+              <a:rPr kumimoji="0" lang="en-US" altLang="en-US" sz="1900" b="0" i="0" u="none" strike="noStrike" cap="none" normalizeH="0" baseline="0" dirty="0" err="1">
+                <a:ln>
+                  <a:noFill/>
+                </a:ln>
+                <a:solidFill>
+                  <a:srgbClr val="000000"/>
+                </a:solidFill>
+                <a:effectLst/>
+                <a:latin typeface="Times New Roman" panose="02020603050405020304" pitchFamily="18" charset="0"/>
+                <a:cs typeface="Times New Roman" panose="02020603050405020304" pitchFamily="18" charset="0"/>
+              </a:rPr>
+              <a:t>ArrayList</a:t>
+            </a:r>
+            <a:r>
+              <a:rPr kumimoji="0" lang="en-US" altLang="en-US" sz="1900" b="0" i="0" u="none" strike="noStrike" cap="none" normalizeH="0" baseline="0" dirty="0">
+                <a:ln>
+                  <a:noFill/>
+                </a:ln>
+                <a:solidFill>
+                  <a:srgbClr val="181717"/>
+                </a:solidFill>
+                <a:effectLst/>
+                <a:latin typeface="Times New Roman" panose="02020603050405020304" pitchFamily="18" charset="0"/>
+                <a:cs typeface="Times New Roman" panose="02020603050405020304" pitchFamily="18" charset="0"/>
+              </a:rPr>
+              <a:t>.</a:t>
+            </a:r>
+            <a:r>
+              <a:rPr kumimoji="0" lang="en-US" altLang="en-US" sz="1900" b="0" i="0" u="none" strike="noStrike" cap="none" normalizeH="0" baseline="0" dirty="0">
+                <a:ln>
+                  <a:noFill/>
+                </a:ln>
+                <a:solidFill>
+                  <a:schemeClr val="tx1"/>
+                </a:solidFill>
+                <a:effectLst/>
+                <a:latin typeface="Times New Roman" panose="02020603050405020304" pitchFamily="18" charset="0"/>
+                <a:cs typeface="Times New Roman" panose="02020603050405020304" pitchFamily="18" charset="0"/>
+              </a:rPr>
+              <a:t> </a:t>
+            </a:r>
+          </a:p>
+          <a:p>
+            <a:r>
+              <a:rPr lang="en-US" altLang="en-US" sz="1900" dirty="0">
+                <a:latin typeface="Times New Roman" panose="02020603050405020304" pitchFamily="18" charset="0"/>
+                <a:cs typeface="Times New Roman" panose="02020603050405020304" pitchFamily="18" charset="0"/>
+              </a:rPr>
+              <a:t>We can access the elements in the </a:t>
+            </a:r>
+            <a:r>
+              <a:rPr lang="en-US" altLang="en-US" sz="1900" dirty="0" err="1">
+                <a:latin typeface="Times New Roman" panose="02020603050405020304" pitchFamily="18" charset="0"/>
+                <a:cs typeface="Times New Roman" panose="02020603050405020304" pitchFamily="18" charset="0"/>
+              </a:rPr>
+              <a:t>ArrayList</a:t>
+            </a:r>
+            <a:r>
+              <a:rPr lang="en-US" altLang="en-US" sz="1900" dirty="0">
+                <a:latin typeface="Times New Roman" panose="02020603050405020304" pitchFamily="18" charset="0"/>
+                <a:cs typeface="Times New Roman" panose="02020603050405020304" pitchFamily="18" charset="0"/>
+              </a:rPr>
+              <a:t> by using the index of the elements.</a:t>
+            </a:r>
+            <a:endParaRPr kumimoji="0" lang="en-US" altLang="en-US" sz="1900" b="0" i="0" u="none" strike="noStrike" cap="none" normalizeH="0" baseline="0" dirty="0">
+              <a:ln>
+                <a:noFill/>
+              </a:ln>
+              <a:solidFill>
+                <a:schemeClr val="tx1"/>
+              </a:solidFill>
+              <a:effectLst/>
+              <a:latin typeface="Times New Roman" panose="02020603050405020304" pitchFamily="18" charset="0"/>
+              <a:cs typeface="Times New Roman" panose="02020603050405020304" pitchFamily="18" charset="0"/>
+            </a:endParaRPr>
+          </a:p>
+          <a:p>
+            <a:pPr lvl="1"/>
+            <a:endParaRPr lang="en-IN" sz="1900" dirty="0">
+              <a:latin typeface="Times New Roman" panose="02020603050405020304" pitchFamily="18" charset="0"/>
+              <a:cs typeface="Times New Roman" panose="02020603050405020304" pitchFamily="18" charset="0"/>
+            </a:endParaRPr>
+          </a:p>
+        </p:txBody>
+      </p:sp>
+    </p:spTree>
+    <p:extLst>
+      <p:ext uri="{BB962C8B-B14F-4D97-AF65-F5344CB8AC3E}">
+        <p14:creationId xmlns:p14="http://schemas.microsoft.com/office/powerpoint/2010/main" val="3787867077"/>
+      </p:ext>
+    </p:extLst>
+  </p:cSld>
+  <p:clrMapOvr>
+    <a:masterClrMapping/>
+  </p:clrMapOvr>
+</p:sld>
+</file>
+
+<file path=ppt/slides/slide26.xml><?xml version="1.0" encoding="utf-8"?>
+<p:sld xmlns:a="http://schemas.openxmlformats.org/drawingml/2006/main" xmlns:r="http://schemas.openxmlformats.org/officeDocument/2006/relationships" xmlns:p="http://schemas.openxmlformats.org/presentationml/2006/main">
+  <p:cSld>
+    <p:bg>
+      <p:bgPr>
+        <a:solidFill>
+          <a:schemeClr val="bg1"/>
+        </a:solidFill>
+        <a:effectLst/>
+      </p:bgPr>
+    </p:bg>
+    <p:spTree>
+      <p:nvGrpSpPr>
+        <p:cNvPr id="1" name=""/>
+        <p:cNvGrpSpPr/>
+        <p:nvPr/>
+      </p:nvGrpSpPr>
+      <p:grpSpPr>
+        <a:xfrm>
+          <a:off x="0" y="0"/>
+          <a:ext cx="0" cy="0"/>
+          <a:chOff x="0" y="0"/>
+          <a:chExt cx="0" cy="0"/>
+        </a:xfrm>
+      </p:grpSpPr>
+      <p:sp>
+        <p:nvSpPr>
+          <p:cNvPr id="2" name="Title 1">
+            <a:extLst>
+              <a:ext uri="{FF2B5EF4-FFF2-40B4-BE49-F238E27FC236}">
+                <a16:creationId xmlns:a16="http://schemas.microsoft.com/office/drawing/2014/main" id="{3BD2569D-1B8C-4858-8B17-E10A76456F8E}"/>
+              </a:ext>
+            </a:extLst>
+          </p:cNvPr>
+          <p:cNvSpPr>
+            <a:spLocks noGrp="1"/>
+          </p:cNvSpPr>
+          <p:nvPr>
+            <p:ph type="title"/>
+          </p:nvPr>
+        </p:nvSpPr>
+        <p:spPr>
+          <a:xfrm>
+            <a:off x="1066800" y="642594"/>
+            <a:ext cx="10058400" cy="1371600"/>
+          </a:xfrm>
+        </p:spPr>
+        <p:txBody>
+          <a:bodyPr>
+            <a:normAutofit/>
+          </a:bodyPr>
+          <a:lstStyle/>
+          <a:p>
+            <a:r>
+              <a:rPr lang="en-IN" sz="4400" b="0" i="0" dirty="0">
+                <a:effectLst/>
+                <a:latin typeface="Times New Roman" panose="02020603050405020304" pitchFamily="18" charset="0"/>
+                <a:cs typeface="Times New Roman" panose="02020603050405020304" pitchFamily="18" charset="0"/>
+              </a:rPr>
+              <a:t>ArrayList</a:t>
+            </a:r>
+            <a:r>
+              <a:rPr lang="en-IN" b="0" i="0" dirty="0">
+                <a:effectLst/>
+                <a:latin typeface="Times New Roman" panose="02020603050405020304" pitchFamily="18" charset="0"/>
+                <a:cs typeface="Times New Roman" panose="02020603050405020304" pitchFamily="18" charset="0"/>
+              </a:rPr>
+              <a:t> Properties :</a:t>
+            </a:r>
+            <a:endParaRPr lang="en-IN" dirty="0">
+              <a:latin typeface="Times New Roman" panose="02020603050405020304" pitchFamily="18" charset="0"/>
+              <a:cs typeface="Times New Roman" panose="02020603050405020304" pitchFamily="18" charset="0"/>
+            </a:endParaRPr>
+          </a:p>
+        </p:txBody>
+      </p:sp>
+      <p:graphicFrame>
+        <p:nvGraphicFramePr>
+          <p:cNvPr id="4" name="Content Placeholder 3">
+            <a:extLst>
+              <a:ext uri="{FF2B5EF4-FFF2-40B4-BE49-F238E27FC236}">
+                <a16:creationId xmlns:a16="http://schemas.microsoft.com/office/drawing/2014/main" id="{4857BFAB-0CCD-49DA-8D48-389BDD88C181}"/>
+              </a:ext>
+            </a:extLst>
+          </p:cNvPr>
+          <p:cNvGraphicFramePr>
+            <a:graphicFrameLocks noGrp="1"/>
+          </p:cNvGraphicFramePr>
+          <p:nvPr>
+            <p:ph idx="1"/>
+            <p:extLst>
+              <p:ext uri="{D42A27DB-BD31-4B8C-83A1-F6EECF244321}">
+                <p14:modId xmlns:p14="http://schemas.microsoft.com/office/powerpoint/2010/main" val="431625349"/>
+              </p:ext>
+            </p:extLst>
+          </p:nvPr>
+        </p:nvGraphicFramePr>
+        <p:xfrm>
+          <a:off x="1121351" y="2310063"/>
+          <a:ext cx="9949298" cy="3725614"/>
+        </p:xfrm>
+        <a:graphic>
+          <a:graphicData uri="http://schemas.openxmlformats.org/drawingml/2006/table">
+            <a:tbl>
+              <a:tblPr firstRow="1" bandRow="1"/>
+              <a:tblGrid>
+                <a:gridCol w="4354929">
+                  <a:extLst>
+                    <a:ext uri="{9D8B030D-6E8A-4147-A177-3AD203B41FA5}">
+                      <a16:colId xmlns:a16="http://schemas.microsoft.com/office/drawing/2014/main" val="2566589166"/>
+                    </a:ext>
+                  </a:extLst>
+                </a:gridCol>
+                <a:gridCol w="5594369">
+                  <a:extLst>
+                    <a:ext uri="{9D8B030D-6E8A-4147-A177-3AD203B41FA5}">
+                      <a16:colId xmlns:a16="http://schemas.microsoft.com/office/drawing/2014/main" val="3942294225"/>
+                    </a:ext>
+                  </a:extLst>
+                </a:gridCol>
+              </a:tblGrid>
+              <a:tr h="429639">
+                <a:tc>
+                  <a:txBody>
+                    <a:bodyPr/>
+                    <a:lstStyle/>
+                    <a:p>
+                      <a:pPr algn="l" fontAlgn="b"/>
+                      <a:r>
+                        <a:rPr lang="en-IN" sz="1900" b="0" dirty="0">
+                          <a:solidFill>
+                            <a:srgbClr val="FFFFFF"/>
+                          </a:solidFill>
+                          <a:effectLst/>
+                          <a:latin typeface="Times New Roman" panose="02020603050405020304" pitchFamily="18" charset="0"/>
+                          <a:cs typeface="Times New Roman" panose="02020603050405020304" pitchFamily="18" charset="0"/>
+                        </a:rPr>
+                        <a:t>Properties</a:t>
+                      </a:r>
+                    </a:p>
+                  </a:txBody>
+                  <a:tcPr marL="96782" marR="96782" marT="48390" marB="48390" anchor="b">
+                    <a:lnL w="7620" cap="flat" cmpd="sng" algn="ctr">
+                      <a:solidFill>
+                        <a:srgbClr val="DFDFDF"/>
+                      </a:solidFill>
+                      <a:prstDash val="solid"/>
+                      <a:round/>
+                      <a:headEnd type="none" w="med" len="med"/>
+                      <a:tailEnd type="none" w="med" len="med"/>
+                    </a:lnL>
+                    <a:lnR w="7620" cap="flat" cmpd="sng" algn="ctr">
+                      <a:solidFill>
+                        <a:srgbClr val="DFDFDF"/>
+                      </a:solidFill>
+                      <a:prstDash val="solid"/>
+                      <a:round/>
+                      <a:headEnd type="none" w="med" len="med"/>
+                      <a:tailEnd type="none" w="med" len="med"/>
+                    </a:lnR>
+                    <a:lnT w="7620" cap="flat" cmpd="sng" algn="ctr">
+                      <a:solidFill>
+                        <a:srgbClr val="DFDFDF"/>
+                      </a:solidFill>
+                      <a:prstDash val="solid"/>
+                      <a:round/>
+                      <a:headEnd type="none" w="med" len="med"/>
+                      <a:tailEnd type="none" w="med" len="med"/>
+                    </a:lnT>
+                    <a:lnB w="7620" cap="flat" cmpd="sng" algn="ctr">
+                      <a:solidFill>
+                        <a:srgbClr val="DFDFDF"/>
+                      </a:solidFill>
+                      <a:prstDash val="solid"/>
+                      <a:round/>
+                      <a:headEnd type="none" w="med" len="med"/>
+                      <a:tailEnd type="none" w="med" len="med"/>
+                    </a:lnB>
+                    <a:solidFill>
+                      <a:srgbClr val="63A9E0"/>
+                    </a:solidFill>
+                  </a:tcPr>
+                </a:tc>
+                <a:tc>
+                  <a:txBody>
+                    <a:bodyPr/>
+                    <a:lstStyle/>
+                    <a:p>
+                      <a:pPr algn="l" fontAlgn="b"/>
+                      <a:r>
+                        <a:rPr lang="en-IN" sz="1900" b="0">
+                          <a:solidFill>
+                            <a:srgbClr val="FFFFFF"/>
+                          </a:solidFill>
+                          <a:effectLst/>
+                          <a:latin typeface="Times New Roman" panose="02020603050405020304" pitchFamily="18" charset="0"/>
+                          <a:cs typeface="Times New Roman" panose="02020603050405020304" pitchFamily="18" charset="0"/>
+                        </a:rPr>
+                        <a:t>Description</a:t>
+                      </a:r>
+                    </a:p>
+                  </a:txBody>
+                  <a:tcPr marL="96782" marR="96782" marT="48390" marB="48390" anchor="b">
+                    <a:lnL w="7620" cap="flat" cmpd="sng" algn="ctr">
+                      <a:solidFill>
+                        <a:srgbClr val="DFDFDF"/>
+                      </a:solidFill>
+                      <a:prstDash val="solid"/>
+                      <a:round/>
+                      <a:headEnd type="none" w="med" len="med"/>
+                      <a:tailEnd type="none" w="med" len="med"/>
+                    </a:lnL>
+                    <a:lnR w="7620" cap="flat" cmpd="sng" algn="ctr">
+                      <a:solidFill>
+                        <a:srgbClr val="DFDFDF"/>
+                      </a:solidFill>
+                      <a:prstDash val="solid"/>
+                      <a:round/>
+                      <a:headEnd type="none" w="med" len="med"/>
+                      <a:tailEnd type="none" w="med" len="med"/>
+                    </a:lnR>
+                    <a:lnT w="7620" cap="flat" cmpd="sng" algn="ctr">
+                      <a:solidFill>
+                        <a:srgbClr val="DFDFDF"/>
+                      </a:solidFill>
+                      <a:prstDash val="solid"/>
+                      <a:round/>
+                      <a:headEnd type="none" w="med" len="med"/>
+                      <a:tailEnd type="none" w="med" len="med"/>
+                    </a:lnT>
+                    <a:lnB w="7620" cap="flat" cmpd="sng" algn="ctr">
+                      <a:solidFill>
+                        <a:srgbClr val="DFDFDF"/>
+                      </a:solidFill>
+                      <a:prstDash val="solid"/>
+                      <a:round/>
+                      <a:headEnd type="none" w="med" len="med"/>
+                      <a:tailEnd type="none" w="med" len="med"/>
+                    </a:lnB>
+                    <a:solidFill>
+                      <a:srgbClr val="63A9E0"/>
+                    </a:solidFill>
+                  </a:tcPr>
+                </a:tc>
+                <a:extLst>
+                  <a:ext uri="{0D108BD9-81ED-4DB2-BD59-A6C34878D82A}">
+                    <a16:rowId xmlns:a16="http://schemas.microsoft.com/office/drawing/2014/main" val="1801038183"/>
+                  </a:ext>
+                </a:extLst>
+              </a:tr>
+              <a:tr h="716584">
+                <a:tc>
+                  <a:txBody>
+                    <a:bodyPr/>
+                    <a:lstStyle/>
+                    <a:p>
+                      <a:pPr fontAlgn="t"/>
+                      <a:r>
+                        <a:rPr lang="en-IN" sz="1900">
+                          <a:solidFill>
+                            <a:srgbClr val="414141"/>
+                          </a:solidFill>
+                          <a:effectLst/>
+                          <a:latin typeface="Times New Roman" panose="02020603050405020304" pitchFamily="18" charset="0"/>
+                          <a:cs typeface="Times New Roman" panose="02020603050405020304" pitchFamily="18" charset="0"/>
+                        </a:rPr>
+                        <a:t>Capacity</a:t>
+                      </a:r>
+                    </a:p>
+                  </a:txBody>
+                  <a:tcPr marL="96782" marR="96782" marT="48390" marB="48390">
+                    <a:lnL w="7620" cap="flat" cmpd="sng" algn="ctr">
+                      <a:solidFill>
+                        <a:srgbClr val="DFDFDF"/>
+                      </a:solidFill>
+                      <a:prstDash val="solid"/>
+                      <a:round/>
+                      <a:headEnd type="none" w="med" len="med"/>
+                      <a:tailEnd type="none" w="med" len="med"/>
+                    </a:lnL>
+                    <a:lnR w="7620" cap="flat" cmpd="sng" algn="ctr">
+                      <a:solidFill>
+                        <a:srgbClr val="DFDFDF"/>
+                      </a:solidFill>
+                      <a:prstDash val="solid"/>
+                      <a:round/>
+                      <a:headEnd type="none" w="med" len="med"/>
+                      <a:tailEnd type="none" w="med" len="med"/>
+                    </a:lnR>
+                    <a:lnT w="7620" cap="flat" cmpd="sng" algn="ctr">
+                      <a:solidFill>
+                        <a:srgbClr val="DFDFDF"/>
+                      </a:solidFill>
+                      <a:prstDash val="solid"/>
+                      <a:round/>
+                      <a:headEnd type="none" w="med" len="med"/>
+                      <a:tailEnd type="none" w="med" len="med"/>
+                    </a:lnT>
+                    <a:lnB w="7620" cap="flat" cmpd="sng" algn="ctr">
+                      <a:solidFill>
+                        <a:srgbClr val="DFDFDF"/>
+                      </a:solidFill>
+                      <a:prstDash val="solid"/>
+                      <a:round/>
+                      <a:headEnd type="none" w="med" len="med"/>
+                      <a:tailEnd type="none" w="med" len="med"/>
+                    </a:lnB>
+                    <a:solidFill>
+                      <a:srgbClr val="FFFFFF"/>
+                    </a:solidFill>
+                  </a:tcPr>
+                </a:tc>
+                <a:tc>
+                  <a:txBody>
+                    <a:bodyPr/>
+                    <a:lstStyle/>
+                    <a:p>
+                      <a:pPr fontAlgn="t"/>
+                      <a:r>
+                        <a:rPr lang="en-US" sz="1900">
+                          <a:solidFill>
+                            <a:srgbClr val="414141"/>
+                          </a:solidFill>
+                          <a:effectLst/>
+                          <a:latin typeface="Times New Roman" panose="02020603050405020304" pitchFamily="18" charset="0"/>
+                          <a:cs typeface="Times New Roman" panose="02020603050405020304" pitchFamily="18" charset="0"/>
+                        </a:rPr>
+                        <a:t>Gets or sets the number of elements that the ArrayList can contain.</a:t>
+                      </a:r>
+                    </a:p>
+                  </a:txBody>
+                  <a:tcPr marL="96782" marR="96782" marT="48390" marB="48390">
+                    <a:lnL w="7620" cap="flat" cmpd="sng" algn="ctr">
+                      <a:solidFill>
+                        <a:srgbClr val="DFDFDF"/>
+                      </a:solidFill>
+                      <a:prstDash val="solid"/>
+                      <a:round/>
+                      <a:headEnd type="none" w="med" len="med"/>
+                      <a:tailEnd type="none" w="med" len="med"/>
+                    </a:lnL>
+                    <a:lnR w="7620" cap="flat" cmpd="sng" algn="ctr">
+                      <a:solidFill>
+                        <a:srgbClr val="DFDFDF"/>
+                      </a:solidFill>
+                      <a:prstDash val="solid"/>
+                      <a:round/>
+                      <a:headEnd type="none" w="med" len="med"/>
+                      <a:tailEnd type="none" w="med" len="med"/>
+                    </a:lnR>
+                    <a:lnT w="7620" cap="flat" cmpd="sng" algn="ctr">
+                      <a:solidFill>
+                        <a:srgbClr val="DFDFDF"/>
+                      </a:solidFill>
+                      <a:prstDash val="solid"/>
+                      <a:round/>
+                      <a:headEnd type="none" w="med" len="med"/>
+                      <a:tailEnd type="none" w="med" len="med"/>
+                    </a:lnT>
+                    <a:lnB w="7620" cap="flat" cmpd="sng" algn="ctr">
+                      <a:solidFill>
+                        <a:srgbClr val="DFDFDF"/>
+                      </a:solidFill>
+                      <a:prstDash val="solid"/>
+                      <a:round/>
+                      <a:headEnd type="none" w="med" len="med"/>
+                      <a:tailEnd type="none" w="med" len="med"/>
+                    </a:lnB>
+                    <a:solidFill>
+                      <a:srgbClr val="FFFFFF"/>
+                    </a:solidFill>
+                  </a:tcPr>
+                </a:tc>
+                <a:extLst>
+                  <a:ext uri="{0D108BD9-81ED-4DB2-BD59-A6C34878D82A}">
+                    <a16:rowId xmlns:a16="http://schemas.microsoft.com/office/drawing/2014/main" val="128503902"/>
+                  </a:ext>
+                </a:extLst>
+              </a:tr>
+              <a:tr h="716584">
+                <a:tc>
+                  <a:txBody>
+                    <a:bodyPr/>
+                    <a:lstStyle/>
+                    <a:p>
+                      <a:pPr fontAlgn="t"/>
+                      <a:r>
+                        <a:rPr lang="en-IN" sz="1900">
+                          <a:solidFill>
+                            <a:srgbClr val="414141"/>
+                          </a:solidFill>
+                          <a:effectLst/>
+                          <a:latin typeface="Times New Roman" panose="02020603050405020304" pitchFamily="18" charset="0"/>
+                          <a:cs typeface="Times New Roman" panose="02020603050405020304" pitchFamily="18" charset="0"/>
+                        </a:rPr>
+                        <a:t>Count</a:t>
+                      </a:r>
+                    </a:p>
+                  </a:txBody>
+                  <a:tcPr marL="96782" marR="96782" marT="48390" marB="48390">
+                    <a:lnL w="7620" cap="flat" cmpd="sng" algn="ctr">
+                      <a:solidFill>
+                        <a:srgbClr val="DFDFDF"/>
+                      </a:solidFill>
+                      <a:prstDash val="solid"/>
+                      <a:round/>
+                      <a:headEnd type="none" w="med" len="med"/>
+                      <a:tailEnd type="none" w="med" len="med"/>
+                    </a:lnL>
+                    <a:lnR w="7620" cap="flat" cmpd="sng" algn="ctr">
+                      <a:solidFill>
+                        <a:srgbClr val="DFDFDF"/>
+                      </a:solidFill>
+                      <a:prstDash val="solid"/>
+                      <a:round/>
+                      <a:headEnd type="none" w="med" len="med"/>
+                      <a:tailEnd type="none" w="med" len="med"/>
+                    </a:lnR>
+                    <a:lnT w="7620" cap="flat" cmpd="sng" algn="ctr">
+                      <a:solidFill>
+                        <a:srgbClr val="DFDFDF"/>
+                      </a:solidFill>
+                      <a:prstDash val="solid"/>
+                      <a:round/>
+                      <a:headEnd type="none" w="med" len="med"/>
+                      <a:tailEnd type="none" w="med" len="med"/>
+                    </a:lnT>
+                    <a:lnB w="7620" cap="flat" cmpd="sng" algn="ctr">
+                      <a:solidFill>
+                        <a:srgbClr val="DFDFDF"/>
+                      </a:solidFill>
+                      <a:prstDash val="solid"/>
+                      <a:round/>
+                      <a:headEnd type="none" w="med" len="med"/>
+                      <a:tailEnd type="none" w="med" len="med"/>
+                    </a:lnB>
+                    <a:solidFill>
+                      <a:srgbClr val="F9F9F9"/>
+                    </a:solidFill>
+                  </a:tcPr>
+                </a:tc>
+                <a:tc>
+                  <a:txBody>
+                    <a:bodyPr/>
+                    <a:lstStyle/>
+                    <a:p>
+                      <a:pPr fontAlgn="t"/>
+                      <a:r>
+                        <a:rPr lang="en-US" sz="1900">
+                          <a:solidFill>
+                            <a:srgbClr val="414141"/>
+                          </a:solidFill>
+                          <a:effectLst/>
+                          <a:latin typeface="Times New Roman" panose="02020603050405020304" pitchFamily="18" charset="0"/>
+                          <a:cs typeface="Times New Roman" panose="02020603050405020304" pitchFamily="18" charset="0"/>
+                        </a:rPr>
+                        <a:t>Gets the number of elements actually contained in the ArrayList.</a:t>
+                      </a:r>
+                    </a:p>
+                  </a:txBody>
+                  <a:tcPr marL="96782" marR="96782" marT="48390" marB="48390">
+                    <a:lnL w="7620" cap="flat" cmpd="sng" algn="ctr">
+                      <a:solidFill>
+                        <a:srgbClr val="DFDFDF"/>
+                      </a:solidFill>
+                      <a:prstDash val="solid"/>
+                      <a:round/>
+                      <a:headEnd type="none" w="med" len="med"/>
+                      <a:tailEnd type="none" w="med" len="med"/>
+                    </a:lnL>
+                    <a:lnR w="7620" cap="flat" cmpd="sng" algn="ctr">
+                      <a:solidFill>
+                        <a:srgbClr val="DFDFDF"/>
+                      </a:solidFill>
+                      <a:prstDash val="solid"/>
+                      <a:round/>
+                      <a:headEnd type="none" w="med" len="med"/>
+                      <a:tailEnd type="none" w="med" len="med"/>
+                    </a:lnR>
+                    <a:lnT w="7620" cap="flat" cmpd="sng" algn="ctr">
+                      <a:solidFill>
+                        <a:srgbClr val="DFDFDF"/>
+                      </a:solidFill>
+                      <a:prstDash val="solid"/>
+                      <a:round/>
+                      <a:headEnd type="none" w="med" len="med"/>
+                      <a:tailEnd type="none" w="med" len="med"/>
+                    </a:lnT>
+                    <a:lnB w="7620" cap="flat" cmpd="sng" algn="ctr">
+                      <a:solidFill>
+                        <a:srgbClr val="DFDFDF"/>
+                      </a:solidFill>
+                      <a:prstDash val="solid"/>
+                      <a:round/>
+                      <a:headEnd type="none" w="med" len="med"/>
+                      <a:tailEnd type="none" w="med" len="med"/>
+                    </a:lnB>
+                    <a:solidFill>
+                      <a:srgbClr val="F9F9F9"/>
+                    </a:solidFill>
+                  </a:tcPr>
+                </a:tc>
+                <a:extLst>
+                  <a:ext uri="{0D108BD9-81ED-4DB2-BD59-A6C34878D82A}">
+                    <a16:rowId xmlns:a16="http://schemas.microsoft.com/office/drawing/2014/main" val="2275701390"/>
+                  </a:ext>
+                </a:extLst>
+              </a:tr>
+              <a:tr h="716584">
+                <a:tc>
+                  <a:txBody>
+                    <a:bodyPr/>
+                    <a:lstStyle/>
+                    <a:p>
+                      <a:pPr fontAlgn="t"/>
+                      <a:r>
+                        <a:rPr lang="en-IN" sz="1900">
+                          <a:solidFill>
+                            <a:srgbClr val="414141"/>
+                          </a:solidFill>
+                          <a:effectLst/>
+                          <a:latin typeface="Times New Roman" panose="02020603050405020304" pitchFamily="18" charset="0"/>
+                          <a:cs typeface="Times New Roman" panose="02020603050405020304" pitchFamily="18" charset="0"/>
+                        </a:rPr>
+                        <a:t>IsFixedSize</a:t>
+                      </a:r>
+                    </a:p>
+                  </a:txBody>
+                  <a:tcPr marL="96782" marR="96782" marT="48390" marB="48390">
+                    <a:lnL w="7620" cap="flat" cmpd="sng" algn="ctr">
+                      <a:solidFill>
+                        <a:srgbClr val="DFDFDF"/>
+                      </a:solidFill>
+                      <a:prstDash val="solid"/>
+                      <a:round/>
+                      <a:headEnd type="none" w="med" len="med"/>
+                      <a:tailEnd type="none" w="med" len="med"/>
+                    </a:lnL>
+                    <a:lnR w="7620" cap="flat" cmpd="sng" algn="ctr">
+                      <a:solidFill>
+                        <a:srgbClr val="DFDFDF"/>
+                      </a:solidFill>
+                      <a:prstDash val="solid"/>
+                      <a:round/>
+                      <a:headEnd type="none" w="med" len="med"/>
+                      <a:tailEnd type="none" w="med" len="med"/>
+                    </a:lnR>
+                    <a:lnT w="7620" cap="flat" cmpd="sng" algn="ctr">
+                      <a:solidFill>
+                        <a:srgbClr val="DFDFDF"/>
+                      </a:solidFill>
+                      <a:prstDash val="solid"/>
+                      <a:round/>
+                      <a:headEnd type="none" w="med" len="med"/>
+                      <a:tailEnd type="none" w="med" len="med"/>
+                    </a:lnT>
+                    <a:lnB w="7620" cap="flat" cmpd="sng" algn="ctr">
+                      <a:solidFill>
+                        <a:srgbClr val="DFDFDF"/>
+                      </a:solidFill>
+                      <a:prstDash val="solid"/>
+                      <a:round/>
+                      <a:headEnd type="none" w="med" len="med"/>
+                      <a:tailEnd type="none" w="med" len="med"/>
+                    </a:lnB>
+                    <a:solidFill>
+                      <a:srgbClr val="FFFFFF"/>
+                    </a:solidFill>
+                  </a:tcPr>
+                </a:tc>
+                <a:tc>
+                  <a:txBody>
+                    <a:bodyPr/>
+                    <a:lstStyle/>
+                    <a:p>
+                      <a:pPr fontAlgn="t"/>
+                      <a:r>
+                        <a:rPr lang="en-US" sz="1900">
+                          <a:solidFill>
+                            <a:srgbClr val="414141"/>
+                          </a:solidFill>
+                          <a:effectLst/>
+                          <a:latin typeface="Times New Roman" panose="02020603050405020304" pitchFamily="18" charset="0"/>
+                          <a:cs typeface="Times New Roman" panose="02020603050405020304" pitchFamily="18" charset="0"/>
+                        </a:rPr>
+                        <a:t>Gets a value indicating whether the ArrayList has a fixed size.</a:t>
+                      </a:r>
+                    </a:p>
+                  </a:txBody>
+                  <a:tcPr marL="96782" marR="96782" marT="48390" marB="48390">
+                    <a:lnL w="7620" cap="flat" cmpd="sng" algn="ctr">
+                      <a:solidFill>
+                        <a:srgbClr val="DFDFDF"/>
+                      </a:solidFill>
+                      <a:prstDash val="solid"/>
+                      <a:round/>
+                      <a:headEnd type="none" w="med" len="med"/>
+                      <a:tailEnd type="none" w="med" len="med"/>
+                    </a:lnL>
+                    <a:lnR w="7620" cap="flat" cmpd="sng" algn="ctr">
+                      <a:solidFill>
+                        <a:srgbClr val="DFDFDF"/>
+                      </a:solidFill>
+                      <a:prstDash val="solid"/>
+                      <a:round/>
+                      <a:headEnd type="none" w="med" len="med"/>
+                      <a:tailEnd type="none" w="med" len="med"/>
+                    </a:lnR>
+                    <a:lnT w="7620" cap="flat" cmpd="sng" algn="ctr">
+                      <a:solidFill>
+                        <a:srgbClr val="DFDFDF"/>
+                      </a:solidFill>
+                      <a:prstDash val="solid"/>
+                      <a:round/>
+                      <a:headEnd type="none" w="med" len="med"/>
+                      <a:tailEnd type="none" w="med" len="med"/>
+                    </a:lnT>
+                    <a:lnB w="7620" cap="flat" cmpd="sng" algn="ctr">
+                      <a:solidFill>
+                        <a:srgbClr val="DFDFDF"/>
+                      </a:solidFill>
+                      <a:prstDash val="solid"/>
+                      <a:round/>
+                      <a:headEnd type="none" w="med" len="med"/>
+                      <a:tailEnd type="none" w="med" len="med"/>
+                    </a:lnB>
+                    <a:solidFill>
+                      <a:srgbClr val="FFFFFF"/>
+                    </a:solidFill>
+                  </a:tcPr>
+                </a:tc>
+                <a:extLst>
+                  <a:ext uri="{0D108BD9-81ED-4DB2-BD59-A6C34878D82A}">
+                    <a16:rowId xmlns:a16="http://schemas.microsoft.com/office/drawing/2014/main" val="3609604138"/>
+                  </a:ext>
+                </a:extLst>
+              </a:tr>
+              <a:tr h="716584">
+                <a:tc>
+                  <a:txBody>
+                    <a:bodyPr/>
+                    <a:lstStyle/>
+                    <a:p>
+                      <a:pPr fontAlgn="t"/>
+                      <a:r>
+                        <a:rPr lang="en-IN" sz="1900">
+                          <a:solidFill>
+                            <a:srgbClr val="414141"/>
+                          </a:solidFill>
+                          <a:effectLst/>
+                          <a:latin typeface="Times New Roman" panose="02020603050405020304" pitchFamily="18" charset="0"/>
+                          <a:cs typeface="Times New Roman" panose="02020603050405020304" pitchFamily="18" charset="0"/>
+                        </a:rPr>
+                        <a:t>IsReadOnly</a:t>
+                      </a:r>
+                    </a:p>
+                  </a:txBody>
+                  <a:tcPr marL="96782" marR="96782" marT="48390" marB="48390">
+                    <a:lnL w="7620" cap="flat" cmpd="sng" algn="ctr">
+                      <a:solidFill>
+                        <a:srgbClr val="DFDFDF"/>
+                      </a:solidFill>
+                      <a:prstDash val="solid"/>
+                      <a:round/>
+                      <a:headEnd type="none" w="med" len="med"/>
+                      <a:tailEnd type="none" w="med" len="med"/>
+                    </a:lnL>
+                    <a:lnR w="7620" cap="flat" cmpd="sng" algn="ctr">
+                      <a:solidFill>
+                        <a:srgbClr val="DFDFDF"/>
+                      </a:solidFill>
+                      <a:prstDash val="solid"/>
+                      <a:round/>
+                      <a:headEnd type="none" w="med" len="med"/>
+                      <a:tailEnd type="none" w="med" len="med"/>
+                    </a:lnR>
+                    <a:lnT w="7620" cap="flat" cmpd="sng" algn="ctr">
+                      <a:solidFill>
+                        <a:srgbClr val="DFDFDF"/>
+                      </a:solidFill>
+                      <a:prstDash val="solid"/>
+                      <a:round/>
+                      <a:headEnd type="none" w="med" len="med"/>
+                      <a:tailEnd type="none" w="med" len="med"/>
+                    </a:lnT>
+                    <a:lnB w="7620" cap="flat" cmpd="sng" algn="ctr">
+                      <a:solidFill>
+                        <a:srgbClr val="DFDFDF"/>
+                      </a:solidFill>
+                      <a:prstDash val="solid"/>
+                      <a:round/>
+                      <a:headEnd type="none" w="med" len="med"/>
+                      <a:tailEnd type="none" w="med" len="med"/>
+                    </a:lnB>
+                    <a:solidFill>
+                      <a:srgbClr val="F9F9F9"/>
+                    </a:solidFill>
+                  </a:tcPr>
+                </a:tc>
+                <a:tc>
+                  <a:txBody>
+                    <a:bodyPr/>
+                    <a:lstStyle/>
+                    <a:p>
+                      <a:pPr fontAlgn="t"/>
+                      <a:r>
+                        <a:rPr lang="en-US" sz="1900">
+                          <a:solidFill>
+                            <a:srgbClr val="414141"/>
+                          </a:solidFill>
+                          <a:effectLst/>
+                          <a:latin typeface="Times New Roman" panose="02020603050405020304" pitchFamily="18" charset="0"/>
+                          <a:cs typeface="Times New Roman" panose="02020603050405020304" pitchFamily="18" charset="0"/>
+                        </a:rPr>
+                        <a:t>Gets a value indicating whether the ArrayList is read-only.</a:t>
+                      </a:r>
+                    </a:p>
+                  </a:txBody>
+                  <a:tcPr marL="96782" marR="96782" marT="48390" marB="48390">
+                    <a:lnL w="7620" cap="flat" cmpd="sng" algn="ctr">
+                      <a:solidFill>
+                        <a:srgbClr val="DFDFDF"/>
+                      </a:solidFill>
+                      <a:prstDash val="solid"/>
+                      <a:round/>
+                      <a:headEnd type="none" w="med" len="med"/>
+                      <a:tailEnd type="none" w="med" len="med"/>
+                    </a:lnL>
+                    <a:lnR w="7620" cap="flat" cmpd="sng" algn="ctr">
+                      <a:solidFill>
+                        <a:srgbClr val="DFDFDF"/>
+                      </a:solidFill>
+                      <a:prstDash val="solid"/>
+                      <a:round/>
+                      <a:headEnd type="none" w="med" len="med"/>
+                      <a:tailEnd type="none" w="med" len="med"/>
+                    </a:lnR>
+                    <a:lnT w="7620" cap="flat" cmpd="sng" algn="ctr">
+                      <a:solidFill>
+                        <a:srgbClr val="DFDFDF"/>
+                      </a:solidFill>
+                      <a:prstDash val="solid"/>
+                      <a:round/>
+                      <a:headEnd type="none" w="med" len="med"/>
+                      <a:tailEnd type="none" w="med" len="med"/>
+                    </a:lnT>
+                    <a:lnB w="7620" cap="flat" cmpd="sng" algn="ctr">
+                      <a:solidFill>
+                        <a:srgbClr val="DFDFDF"/>
+                      </a:solidFill>
+                      <a:prstDash val="solid"/>
+                      <a:round/>
+                      <a:headEnd type="none" w="med" len="med"/>
+                      <a:tailEnd type="none" w="med" len="med"/>
+                    </a:lnB>
+                    <a:solidFill>
+                      <a:srgbClr val="F9F9F9"/>
+                    </a:solidFill>
+                  </a:tcPr>
+                </a:tc>
+                <a:extLst>
+                  <a:ext uri="{0D108BD9-81ED-4DB2-BD59-A6C34878D82A}">
+                    <a16:rowId xmlns:a16="http://schemas.microsoft.com/office/drawing/2014/main" val="3409808578"/>
+                  </a:ext>
+                </a:extLst>
+              </a:tr>
+              <a:tr h="429639">
+                <a:tc>
+                  <a:txBody>
+                    <a:bodyPr/>
+                    <a:lstStyle/>
+                    <a:p>
+                      <a:pPr fontAlgn="t"/>
+                      <a:r>
+                        <a:rPr lang="en-IN" sz="1900">
+                          <a:solidFill>
+                            <a:srgbClr val="414141"/>
+                          </a:solidFill>
+                          <a:effectLst/>
+                          <a:latin typeface="Times New Roman" panose="02020603050405020304" pitchFamily="18" charset="0"/>
+                          <a:cs typeface="Times New Roman" panose="02020603050405020304" pitchFamily="18" charset="0"/>
+                        </a:rPr>
+                        <a:t>Item</a:t>
+                      </a:r>
+                    </a:p>
+                  </a:txBody>
+                  <a:tcPr marL="96782" marR="96782" marT="48390" marB="48390">
+                    <a:lnL w="7620" cap="flat" cmpd="sng" algn="ctr">
+                      <a:solidFill>
+                        <a:srgbClr val="DFDFDF"/>
+                      </a:solidFill>
+                      <a:prstDash val="solid"/>
+                      <a:round/>
+                      <a:headEnd type="none" w="med" len="med"/>
+                      <a:tailEnd type="none" w="med" len="med"/>
+                    </a:lnL>
+                    <a:lnR w="7620" cap="flat" cmpd="sng" algn="ctr">
+                      <a:solidFill>
+                        <a:srgbClr val="DFDFDF"/>
+                      </a:solidFill>
+                      <a:prstDash val="solid"/>
+                      <a:round/>
+                      <a:headEnd type="none" w="med" len="med"/>
+                      <a:tailEnd type="none" w="med" len="med"/>
+                    </a:lnR>
+                    <a:lnT w="7620" cap="flat" cmpd="sng" algn="ctr">
+                      <a:solidFill>
+                        <a:srgbClr val="DFDFDF"/>
+                      </a:solidFill>
+                      <a:prstDash val="solid"/>
+                      <a:round/>
+                      <a:headEnd type="none" w="med" len="med"/>
+                      <a:tailEnd type="none" w="med" len="med"/>
+                    </a:lnT>
+                    <a:lnB w="7620" cap="flat" cmpd="sng" algn="ctr">
+                      <a:solidFill>
+                        <a:srgbClr val="DFDFDF"/>
+                      </a:solidFill>
+                      <a:prstDash val="solid"/>
+                      <a:round/>
+                      <a:headEnd type="none" w="med" len="med"/>
+                      <a:tailEnd type="none" w="med" len="med"/>
+                    </a:lnB>
+                    <a:solidFill>
+                      <a:srgbClr val="FFFFFF"/>
+                    </a:solidFill>
+                  </a:tcPr>
+                </a:tc>
+                <a:tc>
+                  <a:txBody>
+                    <a:bodyPr/>
+                    <a:lstStyle/>
+                    <a:p>
+                      <a:pPr fontAlgn="t"/>
+                      <a:r>
+                        <a:rPr lang="en-US" sz="1900" dirty="0">
+                          <a:solidFill>
+                            <a:srgbClr val="414141"/>
+                          </a:solidFill>
+                          <a:effectLst/>
+                          <a:latin typeface="Times New Roman" panose="02020603050405020304" pitchFamily="18" charset="0"/>
+                          <a:cs typeface="Times New Roman" panose="02020603050405020304" pitchFamily="18" charset="0"/>
+                        </a:rPr>
+                        <a:t>Gets or sets the element at the specified index.</a:t>
+                      </a:r>
+                    </a:p>
+                  </a:txBody>
+                  <a:tcPr marL="96782" marR="96782" marT="48390" marB="48390">
+                    <a:lnL w="7620" cap="flat" cmpd="sng" algn="ctr">
+                      <a:solidFill>
+                        <a:srgbClr val="DFDFDF"/>
+                      </a:solidFill>
+                      <a:prstDash val="solid"/>
+                      <a:round/>
+                      <a:headEnd type="none" w="med" len="med"/>
+                      <a:tailEnd type="none" w="med" len="med"/>
+                    </a:lnL>
+                    <a:lnR w="7620" cap="flat" cmpd="sng" algn="ctr">
+                      <a:solidFill>
+                        <a:srgbClr val="DFDFDF"/>
+                      </a:solidFill>
+                      <a:prstDash val="solid"/>
+                      <a:round/>
+                      <a:headEnd type="none" w="med" len="med"/>
+                      <a:tailEnd type="none" w="med" len="med"/>
+                    </a:lnR>
+                    <a:lnT w="7620" cap="flat" cmpd="sng" algn="ctr">
+                      <a:solidFill>
+                        <a:srgbClr val="DFDFDF"/>
+                      </a:solidFill>
+                      <a:prstDash val="solid"/>
+                      <a:round/>
+                      <a:headEnd type="none" w="med" len="med"/>
+                      <a:tailEnd type="none" w="med" len="med"/>
+                    </a:lnT>
+                    <a:lnB w="7620" cap="flat" cmpd="sng" algn="ctr">
+                      <a:solidFill>
+                        <a:srgbClr val="DFDFDF"/>
+                      </a:solidFill>
+                      <a:prstDash val="solid"/>
+                      <a:round/>
+                      <a:headEnd type="none" w="med" len="med"/>
+                      <a:tailEnd type="none" w="med" len="med"/>
+                    </a:lnB>
+                    <a:solidFill>
+                      <a:srgbClr val="FFFFFF"/>
+                    </a:solidFill>
+                  </a:tcPr>
+                </a:tc>
+                <a:extLst>
+                  <a:ext uri="{0D108BD9-81ED-4DB2-BD59-A6C34878D82A}">
+                    <a16:rowId xmlns:a16="http://schemas.microsoft.com/office/drawing/2014/main" val="4058849021"/>
+                  </a:ext>
+                </a:extLst>
+              </a:tr>
+            </a:tbl>
+          </a:graphicData>
+        </a:graphic>
+      </p:graphicFrame>
+    </p:spTree>
+    <p:extLst>
+      <p:ext uri="{BB962C8B-B14F-4D97-AF65-F5344CB8AC3E}">
+        <p14:creationId xmlns:p14="http://schemas.microsoft.com/office/powerpoint/2010/main" val="3070216965"/>
+      </p:ext>
+    </p:extLst>
+  </p:cSld>
+  <p:clrMapOvr>
+    <a:masterClrMapping/>
+  </p:clrMapOvr>
+</p:sld>
+</file>
+
+<file path=ppt/slides/slide27.xml><?xml version="1.0" encoding="utf-8"?>
+<p:sld xmlns:a="http://schemas.openxmlformats.org/drawingml/2006/main" xmlns:r="http://schemas.openxmlformats.org/officeDocument/2006/relationships" xmlns:p="http://schemas.openxmlformats.org/presentationml/2006/main">
+  <p:cSld>
+    <p:bg>
+      <p:bgPr>
+        <a:solidFill>
+          <a:schemeClr val="bg1"/>
+        </a:solidFill>
+        <a:effectLst/>
+      </p:bgPr>
+    </p:bg>
+    <p:spTree>
+      <p:nvGrpSpPr>
+        <p:cNvPr id="1" name=""/>
+        <p:cNvGrpSpPr/>
+        <p:nvPr/>
+      </p:nvGrpSpPr>
+      <p:grpSpPr>
+        <a:xfrm>
+          <a:off x="0" y="0"/>
+          <a:ext cx="0" cy="0"/>
+          <a:chOff x="0" y="0"/>
+          <a:chExt cx="0" cy="0"/>
+        </a:xfrm>
+      </p:grpSpPr>
+      <p:sp useBgFill="1">
+        <p:nvSpPr>
+          <p:cNvPr id="9" name="Rectangle 8">
+            <a:extLst>
+              <a:ext uri="{FF2B5EF4-FFF2-40B4-BE49-F238E27FC236}">
+                <a16:creationId xmlns:a16="http://schemas.microsoft.com/office/drawing/2014/main" id="{7455F7F3-3A58-4BBB-95C7-CF706F9FFA10}"/>
+              </a:ext>
+              <a:ext uri="{C183D7F6-B498-43B3-948B-1728B52AA6E4}">
+                <adec:decorative xmlns:adec="http://schemas.microsoft.com/office/drawing/2017/decorative" val="1"/>
+              </a:ext>
+            </a:extLst>
+          </p:cNvPr>
+          <p:cNvSpPr>
+            <a:spLocks noGrp="1" noRot="1" noChangeAspect="1" noMove="1" noResize="1" noEditPoints="1" noAdjustHandles="1" noChangeArrowheads="1" noChangeShapeType="1" noTextEdit="1"/>
+          </p:cNvSpPr>
+          <p:nvPr>
+            <p:extLst>
+              <p:ext uri="{386F3935-93C4-4BCD-93E2-E3B085C9AB24}">
+                <p16:designElem xmlns:p16="http://schemas.microsoft.com/office/powerpoint/2015/main" val="1"/>
+              </p:ext>
+            </p:extLst>
+          </p:nvPr>
+        </p:nvSpPr>
+        <p:spPr>
+          <a:xfrm>
+            <a:off x="0" y="0"/>
+            <a:ext cx="12192000" cy="6858000"/>
+          </a:xfrm>
+          <a:prstGeom prst="rect">
+            <a:avLst/>
+          </a:prstGeom>
+          <a:ln>
+            <a:noFill/>
+          </a:ln>
+        </p:spPr>
+        <p:style>
+          <a:lnRef idx="2">
+            <a:schemeClr val="accent1">
+              <a:shade val="50000"/>
+            </a:schemeClr>
+          </a:lnRef>
+          <a:fillRef idx="1">
+            <a:schemeClr val="accent1"/>
+          </a:fillRef>
+          <a:effectRef idx="0">
+            <a:schemeClr val="accent1"/>
+          </a:effectRef>
+          <a:fontRef idx="minor">
+            <a:schemeClr val="lt1"/>
+          </a:fontRef>
+        </p:style>
+        <p:txBody>
+          <a:bodyPr rtlCol="0" anchor="ctr"/>
+          <a:lstStyle/>
+          <a:p>
+            <a:pPr algn="ctr"/>
+            <a:endParaRPr lang="en-US"/>
+          </a:p>
+        </p:txBody>
+      </p:sp>
+      <p:sp>
+        <p:nvSpPr>
+          <p:cNvPr id="11" name="Rectangle 10">
+            <a:extLst>
+              <a:ext uri="{FF2B5EF4-FFF2-40B4-BE49-F238E27FC236}">
+                <a16:creationId xmlns:a16="http://schemas.microsoft.com/office/drawing/2014/main" id="{3AE3D314-6F93-4D91-8C0F-E92657F465C6}"/>
+              </a:ext>
+              <a:ext uri="{C183D7F6-B498-43B3-948B-1728B52AA6E4}">
+                <adec:decorative xmlns:adec="http://schemas.microsoft.com/office/drawing/2017/decorative" val="1"/>
+              </a:ext>
+            </a:extLst>
+          </p:cNvPr>
+          <p:cNvSpPr>
+            <a:spLocks noGrp="1" noRot="1" noChangeAspect="1" noMove="1" noResize="1" noEditPoints="1" noAdjustHandles="1" noChangeArrowheads="1" noChangeShapeType="1" noTextEdit="1"/>
+          </p:cNvSpPr>
+          <p:nvPr>
+            <p:extLst>
+              <p:ext uri="{386F3935-93C4-4BCD-93E2-E3B085C9AB24}">
+                <p16:designElem xmlns:p16="http://schemas.microsoft.com/office/powerpoint/2015/main" val="1"/>
+              </p:ext>
+            </p:extLst>
+          </p:nvPr>
+        </p:nvSpPr>
+        <p:spPr>
+          <a:xfrm>
+            <a:off x="234696" y="237744"/>
+            <a:ext cx="4419599" cy="6382512"/>
+          </a:xfrm>
+          <a:prstGeom prst="rect">
+            <a:avLst/>
+          </a:prstGeom>
+          <a:solidFill>
+            <a:schemeClr val="bg2"/>
+          </a:solidFill>
+          <a:ln w="6350" cap="flat" cmpd="sng" algn="ctr">
+            <a:noFill/>
+            <a:prstDash val="solid"/>
+          </a:ln>
+          <a:effectLst>
+            <a:softEdge rad="0"/>
+          </a:effectLst>
+        </p:spPr>
+      </p:sp>
+      <p:sp>
+        <p:nvSpPr>
+          <p:cNvPr id="2" name="Title 1">
+            <a:extLst>
+              <a:ext uri="{FF2B5EF4-FFF2-40B4-BE49-F238E27FC236}">
+                <a16:creationId xmlns:a16="http://schemas.microsoft.com/office/drawing/2014/main" id="{F46F07C7-911D-4B83-9D1F-C786334CCD26}"/>
+              </a:ext>
+            </a:extLst>
+          </p:cNvPr>
+          <p:cNvSpPr>
+            <a:spLocks noGrp="1"/>
+          </p:cNvSpPr>
+          <p:nvPr>
+            <p:ph type="title"/>
+          </p:nvPr>
+        </p:nvSpPr>
+        <p:spPr>
+          <a:xfrm>
+            <a:off x="573409" y="559477"/>
+            <a:ext cx="2760100" cy="5709931"/>
+          </a:xfrm>
+        </p:spPr>
+        <p:txBody>
+          <a:bodyPr>
+            <a:normAutofit/>
+          </a:bodyPr>
+          <a:lstStyle/>
+          <a:p>
+            <a:pPr algn="ctr"/>
+            <a:r>
+              <a:rPr lang="en-IN" b="0" i="0" dirty="0">
+                <a:effectLst/>
+                <a:latin typeface="Times New Roman" panose="02020603050405020304" pitchFamily="18" charset="0"/>
+                <a:cs typeface="Times New Roman" panose="02020603050405020304" pitchFamily="18" charset="0"/>
+              </a:rPr>
+              <a:t>ArrayList Methods :</a:t>
+            </a:r>
+            <a:endParaRPr lang="en-IN" dirty="0">
+              <a:latin typeface="Times New Roman" panose="02020603050405020304" pitchFamily="18" charset="0"/>
+              <a:cs typeface="Times New Roman" panose="02020603050405020304" pitchFamily="18" charset="0"/>
+            </a:endParaRPr>
+          </a:p>
+        </p:txBody>
+      </p:sp>
+      <p:graphicFrame>
+        <p:nvGraphicFramePr>
+          <p:cNvPr id="4" name="Content Placeholder 3">
+            <a:extLst>
+              <a:ext uri="{FF2B5EF4-FFF2-40B4-BE49-F238E27FC236}">
+                <a16:creationId xmlns:a16="http://schemas.microsoft.com/office/drawing/2014/main" id="{6BBCE4A3-FB07-4D21-9CEA-6D60AAC4E15B}"/>
+              </a:ext>
+            </a:extLst>
+          </p:cNvPr>
+          <p:cNvGraphicFramePr>
+            <a:graphicFrameLocks noGrp="1"/>
+          </p:cNvGraphicFramePr>
+          <p:nvPr>
+            <p:ph idx="1"/>
+            <p:extLst>
+              <p:ext uri="{D42A27DB-BD31-4B8C-83A1-F6EECF244321}">
+                <p14:modId xmlns:p14="http://schemas.microsoft.com/office/powerpoint/2010/main" val="2378300649"/>
+              </p:ext>
+            </p:extLst>
+          </p:nvPr>
+        </p:nvGraphicFramePr>
+        <p:xfrm>
+          <a:off x="3553428" y="237741"/>
+          <a:ext cx="8403876" cy="6382514"/>
+        </p:xfrm>
+        <a:graphic>
+          <a:graphicData uri="http://schemas.openxmlformats.org/drawingml/2006/table">
+            <a:tbl>
+              <a:tblPr firstRow="1" bandRow="1"/>
+              <a:tblGrid>
+                <a:gridCol w="2438936">
+                  <a:extLst>
+                    <a:ext uri="{9D8B030D-6E8A-4147-A177-3AD203B41FA5}">
+                      <a16:colId xmlns:a16="http://schemas.microsoft.com/office/drawing/2014/main" val="1632443969"/>
+                    </a:ext>
+                  </a:extLst>
+                </a:gridCol>
+                <a:gridCol w="5964940">
+                  <a:extLst>
+                    <a:ext uri="{9D8B030D-6E8A-4147-A177-3AD203B41FA5}">
+                      <a16:colId xmlns:a16="http://schemas.microsoft.com/office/drawing/2014/main" val="1479775180"/>
+                    </a:ext>
+                  </a:extLst>
+                </a:gridCol>
+              </a:tblGrid>
+              <a:tr h="293513">
+                <a:tc>
+                  <a:txBody>
+                    <a:bodyPr/>
+                    <a:lstStyle/>
+                    <a:p>
+                      <a:pPr algn="l" fontAlgn="b"/>
+                      <a:r>
+                        <a:rPr lang="en-IN" sz="1200" b="0">
+                          <a:solidFill>
+                            <a:srgbClr val="FFFFFF"/>
+                          </a:solidFill>
+                          <a:effectLst/>
+                          <a:latin typeface="Times New Roman" panose="02020603050405020304" pitchFamily="18" charset="0"/>
+                          <a:cs typeface="Times New Roman" panose="02020603050405020304" pitchFamily="18" charset="0"/>
+                        </a:rPr>
+                        <a:t>Methods</a:t>
+                      </a:r>
+                    </a:p>
+                  </a:txBody>
+                  <a:tcPr marL="19461" marR="19461" marT="9731" marB="9731" anchor="b">
+                    <a:lnL w="7620" cap="flat" cmpd="sng" algn="ctr">
+                      <a:solidFill>
+                        <a:srgbClr val="DFDFDF"/>
+                      </a:solidFill>
+                      <a:prstDash val="solid"/>
+                      <a:round/>
+                      <a:headEnd type="none" w="med" len="med"/>
+                      <a:tailEnd type="none" w="med" len="med"/>
+                    </a:lnL>
+                    <a:lnR w="7620" cap="flat" cmpd="sng" algn="ctr">
+                      <a:solidFill>
+                        <a:srgbClr val="DFDFDF"/>
+                      </a:solidFill>
+                      <a:prstDash val="solid"/>
+                      <a:round/>
+                      <a:headEnd type="none" w="med" len="med"/>
+                      <a:tailEnd type="none" w="med" len="med"/>
+                    </a:lnR>
+                    <a:lnT w="7620" cap="flat" cmpd="sng" algn="ctr">
+                      <a:solidFill>
+                        <a:srgbClr val="DFDFDF"/>
+                      </a:solidFill>
+                      <a:prstDash val="solid"/>
+                      <a:round/>
+                      <a:headEnd type="none" w="med" len="med"/>
+                      <a:tailEnd type="none" w="med" len="med"/>
+                    </a:lnT>
+                    <a:lnB w="7620" cap="flat" cmpd="sng" algn="ctr">
+                      <a:solidFill>
+                        <a:srgbClr val="DFDFDF"/>
+                      </a:solidFill>
+                      <a:prstDash val="solid"/>
+                      <a:round/>
+                      <a:headEnd type="none" w="med" len="med"/>
+                      <a:tailEnd type="none" w="med" len="med"/>
+                    </a:lnB>
+                    <a:solidFill>
+                      <a:srgbClr val="63A9E0"/>
+                    </a:solidFill>
+                  </a:tcPr>
+                </a:tc>
+                <a:tc>
+                  <a:txBody>
+                    <a:bodyPr/>
+                    <a:lstStyle/>
+                    <a:p>
+                      <a:pPr algn="l" fontAlgn="b"/>
+                      <a:r>
+                        <a:rPr lang="en-IN" sz="1200" b="0">
+                          <a:solidFill>
+                            <a:srgbClr val="FFFFFF"/>
+                          </a:solidFill>
+                          <a:effectLst/>
+                          <a:latin typeface="Times New Roman" panose="02020603050405020304" pitchFamily="18" charset="0"/>
+                          <a:cs typeface="Times New Roman" panose="02020603050405020304" pitchFamily="18" charset="0"/>
+                        </a:rPr>
+                        <a:t>Description</a:t>
+                      </a:r>
+                    </a:p>
+                  </a:txBody>
+                  <a:tcPr marL="19461" marR="19461" marT="9731" marB="9731" anchor="b">
+                    <a:lnL w="7620" cap="flat" cmpd="sng" algn="ctr">
+                      <a:solidFill>
+                        <a:srgbClr val="DFDFDF"/>
+                      </a:solidFill>
+                      <a:prstDash val="solid"/>
+                      <a:round/>
+                      <a:headEnd type="none" w="med" len="med"/>
+                      <a:tailEnd type="none" w="med" len="med"/>
+                    </a:lnL>
+                    <a:lnR w="7620" cap="flat" cmpd="sng" algn="ctr">
+                      <a:solidFill>
+                        <a:srgbClr val="DFDFDF"/>
+                      </a:solidFill>
+                      <a:prstDash val="solid"/>
+                      <a:round/>
+                      <a:headEnd type="none" w="med" len="med"/>
+                      <a:tailEnd type="none" w="med" len="med"/>
+                    </a:lnR>
+                    <a:lnT w="7620" cap="flat" cmpd="sng" algn="ctr">
+                      <a:solidFill>
+                        <a:srgbClr val="DFDFDF"/>
+                      </a:solidFill>
+                      <a:prstDash val="solid"/>
+                      <a:round/>
+                      <a:headEnd type="none" w="med" len="med"/>
+                      <a:tailEnd type="none" w="med" len="med"/>
+                    </a:lnT>
+                    <a:lnB w="7620" cap="flat" cmpd="sng" algn="ctr">
+                      <a:solidFill>
+                        <a:srgbClr val="DFDFDF"/>
+                      </a:solidFill>
+                      <a:prstDash val="solid"/>
+                      <a:round/>
+                      <a:headEnd type="none" w="med" len="med"/>
+                      <a:tailEnd type="none" w="med" len="med"/>
+                    </a:lnB>
+                    <a:solidFill>
+                      <a:srgbClr val="63A9E0"/>
+                    </a:solidFill>
+                  </a:tcPr>
+                </a:tc>
+                <a:extLst>
+                  <a:ext uri="{0D108BD9-81ED-4DB2-BD59-A6C34878D82A}">
+                    <a16:rowId xmlns:a16="http://schemas.microsoft.com/office/drawing/2014/main" val="816685247"/>
+                  </a:ext>
+                </a:extLst>
+              </a:tr>
+              <a:tr h="759130">
+                <a:tc>
+                  <a:txBody>
+                    <a:bodyPr/>
+                    <a:lstStyle/>
+                    <a:p>
+                      <a:pPr fontAlgn="t"/>
+                      <a:r>
+                        <a:rPr lang="en-IN" sz="1200" u="none" strike="noStrike">
+                          <a:solidFill>
+                            <a:srgbClr val="007BFF"/>
+                          </a:solidFill>
+                          <a:effectLst/>
+                          <a:latin typeface="Times New Roman" panose="02020603050405020304" pitchFamily="18" charset="0"/>
+                          <a:cs typeface="Times New Roman" panose="02020603050405020304" pitchFamily="18" charset="0"/>
+                          <a:hlinkClick r:id="rId2"/>
+                        </a:rPr>
+                        <a:t>Add()/AddRange()</a:t>
+                      </a:r>
+                      <a:endParaRPr lang="en-IN" sz="1200">
+                        <a:solidFill>
+                          <a:srgbClr val="414141"/>
+                        </a:solidFill>
+                        <a:effectLst/>
+                        <a:latin typeface="Times New Roman" panose="02020603050405020304" pitchFamily="18" charset="0"/>
+                        <a:cs typeface="Times New Roman" panose="02020603050405020304" pitchFamily="18" charset="0"/>
+                      </a:endParaRPr>
+                    </a:p>
+                  </a:txBody>
+                  <a:tcPr marL="19461" marR="19461" marT="9731" marB="9731">
+                    <a:lnL w="7620" cap="flat" cmpd="sng" algn="ctr">
+                      <a:solidFill>
+                        <a:srgbClr val="DFDFDF"/>
+                      </a:solidFill>
+                      <a:prstDash val="solid"/>
+                      <a:round/>
+                      <a:headEnd type="none" w="med" len="med"/>
+                      <a:tailEnd type="none" w="med" len="med"/>
+                    </a:lnL>
+                    <a:lnR w="7620" cap="flat" cmpd="sng" algn="ctr">
+                      <a:solidFill>
+                        <a:srgbClr val="DFDFDF"/>
+                      </a:solidFill>
+                      <a:prstDash val="solid"/>
+                      <a:round/>
+                      <a:headEnd type="none" w="med" len="med"/>
+                      <a:tailEnd type="none" w="med" len="med"/>
+                    </a:lnR>
+                    <a:lnT w="7620" cap="flat" cmpd="sng" algn="ctr">
+                      <a:solidFill>
+                        <a:srgbClr val="DFDFDF"/>
+                      </a:solidFill>
+                      <a:prstDash val="solid"/>
+                      <a:round/>
+                      <a:headEnd type="none" w="med" len="med"/>
+                      <a:tailEnd type="none" w="med" len="med"/>
+                    </a:lnT>
+                    <a:lnB w="7620" cap="flat" cmpd="sng" algn="ctr">
+                      <a:solidFill>
+                        <a:srgbClr val="DFDFDF"/>
+                      </a:solidFill>
+                      <a:prstDash val="solid"/>
+                      <a:round/>
+                      <a:headEnd type="none" w="med" len="med"/>
+                      <a:tailEnd type="none" w="med" len="med"/>
+                    </a:lnB>
+                    <a:solidFill>
+                      <a:srgbClr val="FFFFFF"/>
+                    </a:solidFill>
+                  </a:tcPr>
+                </a:tc>
+                <a:tc>
+                  <a:txBody>
+                    <a:bodyPr/>
+                    <a:lstStyle/>
+                    <a:p>
+                      <a:pPr fontAlgn="t"/>
+                      <a:r>
+                        <a:rPr lang="en-US" sz="1200">
+                          <a:solidFill>
+                            <a:srgbClr val="414141"/>
+                          </a:solidFill>
+                          <a:effectLst/>
+                          <a:latin typeface="Times New Roman" panose="02020603050405020304" pitchFamily="18" charset="0"/>
+                          <a:cs typeface="Times New Roman" panose="02020603050405020304" pitchFamily="18" charset="0"/>
+                        </a:rPr>
+                        <a:t>Add() method adds single elements at the end of ArrayList.</a:t>
+                      </a:r>
+                      <a:br>
+                        <a:rPr lang="en-US" sz="1200">
+                          <a:solidFill>
+                            <a:srgbClr val="414141"/>
+                          </a:solidFill>
+                          <a:effectLst/>
+                          <a:latin typeface="Times New Roman" panose="02020603050405020304" pitchFamily="18" charset="0"/>
+                          <a:cs typeface="Times New Roman" panose="02020603050405020304" pitchFamily="18" charset="0"/>
+                        </a:rPr>
+                      </a:br>
+                      <a:r>
+                        <a:rPr lang="en-US" sz="1200">
+                          <a:solidFill>
+                            <a:srgbClr val="414141"/>
+                          </a:solidFill>
+                          <a:effectLst/>
+                          <a:latin typeface="Times New Roman" panose="02020603050405020304" pitchFamily="18" charset="0"/>
+                          <a:cs typeface="Times New Roman" panose="02020603050405020304" pitchFamily="18" charset="0"/>
+                        </a:rPr>
+                        <a:t>AddRange() method adds all the elements from the specified collection into ArrayList.</a:t>
+                      </a:r>
+                    </a:p>
+                  </a:txBody>
+                  <a:tcPr marL="19461" marR="19461" marT="9731" marB="9731">
+                    <a:lnL w="7620" cap="flat" cmpd="sng" algn="ctr">
+                      <a:solidFill>
+                        <a:srgbClr val="DFDFDF"/>
+                      </a:solidFill>
+                      <a:prstDash val="solid"/>
+                      <a:round/>
+                      <a:headEnd type="none" w="med" len="med"/>
+                      <a:tailEnd type="none" w="med" len="med"/>
+                    </a:lnL>
+                    <a:lnR w="7620" cap="flat" cmpd="sng" algn="ctr">
+                      <a:solidFill>
+                        <a:srgbClr val="DFDFDF"/>
+                      </a:solidFill>
+                      <a:prstDash val="solid"/>
+                      <a:round/>
+                      <a:headEnd type="none" w="med" len="med"/>
+                      <a:tailEnd type="none" w="med" len="med"/>
+                    </a:lnR>
+                    <a:lnT w="7620" cap="flat" cmpd="sng" algn="ctr">
+                      <a:solidFill>
+                        <a:srgbClr val="DFDFDF"/>
+                      </a:solidFill>
+                      <a:prstDash val="solid"/>
+                      <a:round/>
+                      <a:headEnd type="none" w="med" len="med"/>
+                      <a:tailEnd type="none" w="med" len="med"/>
+                    </a:lnT>
+                    <a:lnB w="7620" cap="flat" cmpd="sng" algn="ctr">
+                      <a:solidFill>
+                        <a:srgbClr val="DFDFDF"/>
+                      </a:solidFill>
+                      <a:prstDash val="solid"/>
+                      <a:round/>
+                      <a:headEnd type="none" w="med" len="med"/>
+                      <a:tailEnd type="none" w="med" len="med"/>
+                    </a:lnB>
+                    <a:solidFill>
+                      <a:srgbClr val="FFFFFF"/>
+                    </a:solidFill>
+                  </a:tcPr>
+                </a:tc>
+                <a:extLst>
+                  <a:ext uri="{0D108BD9-81ED-4DB2-BD59-A6C34878D82A}">
+                    <a16:rowId xmlns:a16="http://schemas.microsoft.com/office/drawing/2014/main" val="346734392"/>
+                  </a:ext>
+                </a:extLst>
+              </a:tr>
+              <a:tr h="994915">
+                <a:tc>
+                  <a:txBody>
+                    <a:bodyPr/>
+                    <a:lstStyle/>
+                    <a:p>
+                      <a:pPr fontAlgn="t"/>
+                      <a:r>
+                        <a:rPr lang="en-IN" sz="1200" u="none" strike="noStrike">
+                          <a:solidFill>
+                            <a:srgbClr val="007BFF"/>
+                          </a:solidFill>
+                          <a:effectLst/>
+                          <a:latin typeface="Times New Roman" panose="02020603050405020304" pitchFamily="18" charset="0"/>
+                          <a:cs typeface="Times New Roman" panose="02020603050405020304" pitchFamily="18" charset="0"/>
+                          <a:hlinkClick r:id="rId3"/>
+                        </a:rPr>
+                        <a:t>Insert()/InsertRange()</a:t>
+                      </a:r>
+                      <a:endParaRPr lang="en-IN" sz="1200">
+                        <a:solidFill>
+                          <a:srgbClr val="414141"/>
+                        </a:solidFill>
+                        <a:effectLst/>
+                        <a:latin typeface="Times New Roman" panose="02020603050405020304" pitchFamily="18" charset="0"/>
+                        <a:cs typeface="Times New Roman" panose="02020603050405020304" pitchFamily="18" charset="0"/>
+                      </a:endParaRPr>
+                    </a:p>
+                  </a:txBody>
+                  <a:tcPr marL="19461" marR="19461" marT="9731" marB="9731">
+                    <a:lnL w="7620" cap="flat" cmpd="sng" algn="ctr">
+                      <a:solidFill>
+                        <a:srgbClr val="DFDFDF"/>
+                      </a:solidFill>
+                      <a:prstDash val="solid"/>
+                      <a:round/>
+                      <a:headEnd type="none" w="med" len="med"/>
+                      <a:tailEnd type="none" w="med" len="med"/>
+                    </a:lnL>
+                    <a:lnR w="7620" cap="flat" cmpd="sng" algn="ctr">
+                      <a:solidFill>
+                        <a:srgbClr val="DFDFDF"/>
+                      </a:solidFill>
+                      <a:prstDash val="solid"/>
+                      <a:round/>
+                      <a:headEnd type="none" w="med" len="med"/>
+                      <a:tailEnd type="none" w="med" len="med"/>
+                    </a:lnR>
+                    <a:lnT w="7620" cap="flat" cmpd="sng" algn="ctr">
+                      <a:solidFill>
+                        <a:srgbClr val="DFDFDF"/>
+                      </a:solidFill>
+                      <a:prstDash val="solid"/>
+                      <a:round/>
+                      <a:headEnd type="none" w="med" len="med"/>
+                      <a:tailEnd type="none" w="med" len="med"/>
+                    </a:lnT>
+                    <a:lnB w="7620" cap="flat" cmpd="sng" algn="ctr">
+                      <a:solidFill>
+                        <a:srgbClr val="DFDFDF"/>
+                      </a:solidFill>
+                      <a:prstDash val="solid"/>
+                      <a:round/>
+                      <a:headEnd type="none" w="med" len="med"/>
+                      <a:tailEnd type="none" w="med" len="med"/>
+                    </a:lnB>
+                    <a:solidFill>
+                      <a:srgbClr val="F9F9F9"/>
+                    </a:solidFill>
+                  </a:tcPr>
+                </a:tc>
+                <a:tc>
+                  <a:txBody>
+                    <a:bodyPr/>
+                    <a:lstStyle/>
+                    <a:p>
+                      <a:pPr fontAlgn="t"/>
+                      <a:r>
+                        <a:rPr lang="en-US" sz="1200">
+                          <a:solidFill>
+                            <a:srgbClr val="414141"/>
+                          </a:solidFill>
+                          <a:effectLst/>
+                          <a:latin typeface="Times New Roman" panose="02020603050405020304" pitchFamily="18" charset="0"/>
+                          <a:cs typeface="Times New Roman" panose="02020603050405020304" pitchFamily="18" charset="0"/>
+                        </a:rPr>
+                        <a:t>Insert() method insert a single elements at the specified index in ArrayList.</a:t>
+                      </a:r>
+                      <a:br>
+                        <a:rPr lang="en-US" sz="1200">
+                          <a:solidFill>
+                            <a:srgbClr val="414141"/>
+                          </a:solidFill>
+                          <a:effectLst/>
+                          <a:latin typeface="Times New Roman" panose="02020603050405020304" pitchFamily="18" charset="0"/>
+                          <a:cs typeface="Times New Roman" panose="02020603050405020304" pitchFamily="18" charset="0"/>
+                        </a:rPr>
+                      </a:br>
+                      <a:r>
+                        <a:rPr lang="en-US" sz="1200">
+                          <a:solidFill>
+                            <a:srgbClr val="414141"/>
+                          </a:solidFill>
+                          <a:effectLst/>
+                          <a:latin typeface="Times New Roman" panose="02020603050405020304" pitchFamily="18" charset="0"/>
+                          <a:cs typeface="Times New Roman" panose="02020603050405020304" pitchFamily="18" charset="0"/>
+                        </a:rPr>
+                        <a:t>InsertRange() method insert all the elements of the specified collection starting from specified index in ArrayList.</a:t>
+                      </a:r>
+                    </a:p>
+                  </a:txBody>
+                  <a:tcPr marL="19461" marR="19461" marT="9731" marB="9731">
+                    <a:lnL w="7620" cap="flat" cmpd="sng" algn="ctr">
+                      <a:solidFill>
+                        <a:srgbClr val="DFDFDF"/>
+                      </a:solidFill>
+                      <a:prstDash val="solid"/>
+                      <a:round/>
+                      <a:headEnd type="none" w="med" len="med"/>
+                      <a:tailEnd type="none" w="med" len="med"/>
+                    </a:lnL>
+                    <a:lnR w="7620" cap="flat" cmpd="sng" algn="ctr">
+                      <a:solidFill>
+                        <a:srgbClr val="DFDFDF"/>
+                      </a:solidFill>
+                      <a:prstDash val="solid"/>
+                      <a:round/>
+                      <a:headEnd type="none" w="med" len="med"/>
+                      <a:tailEnd type="none" w="med" len="med"/>
+                    </a:lnR>
+                    <a:lnT w="7620" cap="flat" cmpd="sng" algn="ctr">
+                      <a:solidFill>
+                        <a:srgbClr val="DFDFDF"/>
+                      </a:solidFill>
+                      <a:prstDash val="solid"/>
+                      <a:round/>
+                      <a:headEnd type="none" w="med" len="med"/>
+                      <a:tailEnd type="none" w="med" len="med"/>
+                    </a:lnT>
+                    <a:lnB w="7620" cap="flat" cmpd="sng" algn="ctr">
+                      <a:solidFill>
+                        <a:srgbClr val="DFDFDF"/>
+                      </a:solidFill>
+                      <a:prstDash val="solid"/>
+                      <a:round/>
+                      <a:headEnd type="none" w="med" len="med"/>
+                      <a:tailEnd type="none" w="med" len="med"/>
+                    </a:lnB>
+                    <a:solidFill>
+                      <a:srgbClr val="F9F9F9"/>
+                    </a:solidFill>
+                  </a:tcPr>
+                </a:tc>
+                <a:extLst>
+                  <a:ext uri="{0D108BD9-81ED-4DB2-BD59-A6C34878D82A}">
+                    <a16:rowId xmlns:a16="http://schemas.microsoft.com/office/drawing/2014/main" val="326167138"/>
+                  </a:ext>
+                </a:extLst>
+              </a:tr>
+              <a:tr h="994915">
+                <a:tc>
+                  <a:txBody>
+                    <a:bodyPr/>
+                    <a:lstStyle/>
+                    <a:p>
+                      <a:pPr fontAlgn="t"/>
+                      <a:r>
+                        <a:rPr lang="en-IN" sz="1200" u="none" strike="noStrike">
+                          <a:solidFill>
+                            <a:srgbClr val="007BFF"/>
+                          </a:solidFill>
+                          <a:effectLst/>
+                          <a:latin typeface="Times New Roman" panose="02020603050405020304" pitchFamily="18" charset="0"/>
+                          <a:cs typeface="Times New Roman" panose="02020603050405020304" pitchFamily="18" charset="0"/>
+                          <a:hlinkClick r:id="rId4"/>
+                        </a:rPr>
+                        <a:t>Remove()/RemoveRange()</a:t>
+                      </a:r>
+                      <a:endParaRPr lang="en-IN" sz="1200">
+                        <a:solidFill>
+                          <a:srgbClr val="414141"/>
+                        </a:solidFill>
+                        <a:effectLst/>
+                        <a:latin typeface="Times New Roman" panose="02020603050405020304" pitchFamily="18" charset="0"/>
+                        <a:cs typeface="Times New Roman" panose="02020603050405020304" pitchFamily="18" charset="0"/>
+                      </a:endParaRPr>
+                    </a:p>
+                  </a:txBody>
+                  <a:tcPr marL="19461" marR="19461" marT="9731" marB="9731">
+                    <a:lnL w="7620" cap="flat" cmpd="sng" algn="ctr">
+                      <a:solidFill>
+                        <a:srgbClr val="DFDFDF"/>
+                      </a:solidFill>
+                      <a:prstDash val="solid"/>
+                      <a:round/>
+                      <a:headEnd type="none" w="med" len="med"/>
+                      <a:tailEnd type="none" w="med" len="med"/>
+                    </a:lnL>
+                    <a:lnR w="7620" cap="flat" cmpd="sng" algn="ctr">
+                      <a:solidFill>
+                        <a:srgbClr val="DFDFDF"/>
+                      </a:solidFill>
+                      <a:prstDash val="solid"/>
+                      <a:round/>
+                      <a:headEnd type="none" w="med" len="med"/>
+                      <a:tailEnd type="none" w="med" len="med"/>
+                    </a:lnR>
+                    <a:lnT w="7620" cap="flat" cmpd="sng" algn="ctr">
+                      <a:solidFill>
+                        <a:srgbClr val="DFDFDF"/>
+                      </a:solidFill>
+                      <a:prstDash val="solid"/>
+                      <a:round/>
+                      <a:headEnd type="none" w="med" len="med"/>
+                      <a:tailEnd type="none" w="med" len="med"/>
+                    </a:lnT>
+                    <a:lnB w="7620" cap="flat" cmpd="sng" algn="ctr">
+                      <a:solidFill>
+                        <a:srgbClr val="DFDFDF"/>
+                      </a:solidFill>
+                      <a:prstDash val="solid"/>
+                      <a:round/>
+                      <a:headEnd type="none" w="med" len="med"/>
+                      <a:tailEnd type="none" w="med" len="med"/>
+                    </a:lnB>
+                    <a:solidFill>
+                      <a:srgbClr val="FFFFFF"/>
+                    </a:solidFill>
+                  </a:tcPr>
+                </a:tc>
+                <a:tc>
+                  <a:txBody>
+                    <a:bodyPr/>
+                    <a:lstStyle/>
+                    <a:p>
+                      <a:pPr fontAlgn="t"/>
+                      <a:r>
+                        <a:rPr lang="en-US" sz="1200" dirty="0">
+                          <a:solidFill>
+                            <a:srgbClr val="414141"/>
+                          </a:solidFill>
+                          <a:effectLst/>
+                          <a:latin typeface="Times New Roman" panose="02020603050405020304" pitchFamily="18" charset="0"/>
+                          <a:cs typeface="Times New Roman" panose="02020603050405020304" pitchFamily="18" charset="0"/>
+                        </a:rPr>
+                        <a:t>Remove() method removes the specified element from the </a:t>
+                      </a:r>
+                      <a:r>
+                        <a:rPr lang="en-US" sz="1200" dirty="0" err="1">
+                          <a:solidFill>
+                            <a:srgbClr val="414141"/>
+                          </a:solidFill>
+                          <a:effectLst/>
+                          <a:latin typeface="Times New Roman" panose="02020603050405020304" pitchFamily="18" charset="0"/>
+                          <a:cs typeface="Times New Roman" panose="02020603050405020304" pitchFamily="18" charset="0"/>
+                        </a:rPr>
+                        <a:t>ArrayList</a:t>
+                      </a:r>
+                      <a:r>
+                        <a:rPr lang="en-US" sz="1200" dirty="0">
+                          <a:solidFill>
+                            <a:srgbClr val="414141"/>
+                          </a:solidFill>
+                          <a:effectLst/>
+                          <a:latin typeface="Times New Roman" panose="02020603050405020304" pitchFamily="18" charset="0"/>
+                          <a:cs typeface="Times New Roman" panose="02020603050405020304" pitchFamily="18" charset="0"/>
+                        </a:rPr>
+                        <a:t>.</a:t>
+                      </a:r>
+                      <a:br>
+                        <a:rPr lang="en-US" sz="1200" dirty="0">
+                          <a:solidFill>
+                            <a:srgbClr val="414141"/>
+                          </a:solidFill>
+                          <a:effectLst/>
+                          <a:latin typeface="Times New Roman" panose="02020603050405020304" pitchFamily="18" charset="0"/>
+                          <a:cs typeface="Times New Roman" panose="02020603050405020304" pitchFamily="18" charset="0"/>
+                        </a:rPr>
+                      </a:br>
+                      <a:r>
+                        <a:rPr lang="en-US" sz="1200" dirty="0" err="1">
+                          <a:solidFill>
+                            <a:srgbClr val="414141"/>
+                          </a:solidFill>
+                          <a:effectLst/>
+                          <a:latin typeface="Times New Roman" panose="02020603050405020304" pitchFamily="18" charset="0"/>
+                          <a:cs typeface="Times New Roman" panose="02020603050405020304" pitchFamily="18" charset="0"/>
+                        </a:rPr>
+                        <a:t>RemoveRange</a:t>
+                      </a:r>
+                      <a:r>
+                        <a:rPr lang="en-US" sz="1200" dirty="0">
+                          <a:solidFill>
+                            <a:srgbClr val="414141"/>
+                          </a:solidFill>
+                          <a:effectLst/>
+                          <a:latin typeface="Times New Roman" panose="02020603050405020304" pitchFamily="18" charset="0"/>
+                          <a:cs typeface="Times New Roman" panose="02020603050405020304" pitchFamily="18" charset="0"/>
+                        </a:rPr>
+                        <a:t>() method removes a range of elements from the </a:t>
+                      </a:r>
+                      <a:r>
+                        <a:rPr lang="en-US" sz="1200" dirty="0" err="1">
+                          <a:solidFill>
+                            <a:srgbClr val="414141"/>
+                          </a:solidFill>
+                          <a:effectLst/>
+                          <a:latin typeface="Times New Roman" panose="02020603050405020304" pitchFamily="18" charset="0"/>
+                          <a:cs typeface="Times New Roman" panose="02020603050405020304" pitchFamily="18" charset="0"/>
+                        </a:rPr>
+                        <a:t>ArrayList</a:t>
+                      </a:r>
+                      <a:r>
+                        <a:rPr lang="en-US" sz="1200" dirty="0">
+                          <a:solidFill>
+                            <a:srgbClr val="414141"/>
+                          </a:solidFill>
+                          <a:effectLst/>
+                          <a:latin typeface="Times New Roman" panose="02020603050405020304" pitchFamily="18" charset="0"/>
+                          <a:cs typeface="Times New Roman" panose="02020603050405020304" pitchFamily="18" charset="0"/>
+                        </a:rPr>
+                        <a:t>.</a:t>
+                      </a:r>
+                    </a:p>
+                  </a:txBody>
+                  <a:tcPr marL="19461" marR="19461" marT="9731" marB="9731">
+                    <a:lnL w="7620" cap="flat" cmpd="sng" algn="ctr">
+                      <a:solidFill>
+                        <a:srgbClr val="DFDFDF"/>
+                      </a:solidFill>
+                      <a:prstDash val="solid"/>
+                      <a:round/>
+                      <a:headEnd type="none" w="med" len="med"/>
+                      <a:tailEnd type="none" w="med" len="med"/>
+                    </a:lnL>
+                    <a:lnR w="7620" cap="flat" cmpd="sng" algn="ctr">
+                      <a:solidFill>
+                        <a:srgbClr val="DFDFDF"/>
+                      </a:solidFill>
+                      <a:prstDash val="solid"/>
+                      <a:round/>
+                      <a:headEnd type="none" w="med" len="med"/>
+                      <a:tailEnd type="none" w="med" len="med"/>
+                    </a:lnR>
+                    <a:lnT w="7620" cap="flat" cmpd="sng" algn="ctr">
+                      <a:solidFill>
+                        <a:srgbClr val="DFDFDF"/>
+                      </a:solidFill>
+                      <a:prstDash val="solid"/>
+                      <a:round/>
+                      <a:headEnd type="none" w="med" len="med"/>
+                      <a:tailEnd type="none" w="med" len="med"/>
+                    </a:lnT>
+                    <a:lnB w="7620" cap="flat" cmpd="sng" algn="ctr">
+                      <a:solidFill>
+                        <a:srgbClr val="DFDFDF"/>
+                      </a:solidFill>
+                      <a:prstDash val="solid"/>
+                      <a:round/>
+                      <a:headEnd type="none" w="med" len="med"/>
+                      <a:tailEnd type="none" w="med" len="med"/>
+                    </a:lnB>
+                    <a:solidFill>
+                      <a:srgbClr val="FFFFFF"/>
+                    </a:solidFill>
+                  </a:tcPr>
+                </a:tc>
+                <a:extLst>
+                  <a:ext uri="{0D108BD9-81ED-4DB2-BD59-A6C34878D82A}">
+                    <a16:rowId xmlns:a16="http://schemas.microsoft.com/office/drawing/2014/main" val="349704751"/>
+                  </a:ext>
+                </a:extLst>
+              </a:tr>
+              <a:tr h="293513">
+                <a:tc>
+                  <a:txBody>
+                    <a:bodyPr/>
+                    <a:lstStyle/>
+                    <a:p>
+                      <a:pPr fontAlgn="t"/>
+                      <a:r>
+                        <a:rPr lang="en-IN" sz="1200" u="none" strike="noStrike">
+                          <a:solidFill>
+                            <a:srgbClr val="007BFF"/>
+                          </a:solidFill>
+                          <a:effectLst/>
+                          <a:latin typeface="Times New Roman" panose="02020603050405020304" pitchFamily="18" charset="0"/>
+                          <a:cs typeface="Times New Roman" panose="02020603050405020304" pitchFamily="18" charset="0"/>
+                          <a:hlinkClick r:id="rId4"/>
+                        </a:rPr>
+                        <a:t>RemoveAt()</a:t>
+                      </a:r>
+                      <a:endParaRPr lang="en-IN" sz="1200">
+                        <a:solidFill>
+                          <a:srgbClr val="414141"/>
+                        </a:solidFill>
+                        <a:effectLst/>
+                        <a:latin typeface="Times New Roman" panose="02020603050405020304" pitchFamily="18" charset="0"/>
+                        <a:cs typeface="Times New Roman" panose="02020603050405020304" pitchFamily="18" charset="0"/>
+                      </a:endParaRPr>
+                    </a:p>
+                  </a:txBody>
+                  <a:tcPr marL="19461" marR="19461" marT="9731" marB="9731">
+                    <a:lnL w="7620" cap="flat" cmpd="sng" algn="ctr">
+                      <a:solidFill>
+                        <a:srgbClr val="DFDFDF"/>
+                      </a:solidFill>
+                      <a:prstDash val="solid"/>
+                      <a:round/>
+                      <a:headEnd type="none" w="med" len="med"/>
+                      <a:tailEnd type="none" w="med" len="med"/>
+                    </a:lnL>
+                    <a:lnR w="7620" cap="flat" cmpd="sng" algn="ctr">
+                      <a:solidFill>
+                        <a:srgbClr val="DFDFDF"/>
+                      </a:solidFill>
+                      <a:prstDash val="solid"/>
+                      <a:round/>
+                      <a:headEnd type="none" w="med" len="med"/>
+                      <a:tailEnd type="none" w="med" len="med"/>
+                    </a:lnR>
+                    <a:lnT w="7620" cap="flat" cmpd="sng" algn="ctr">
+                      <a:solidFill>
+                        <a:srgbClr val="DFDFDF"/>
+                      </a:solidFill>
+                      <a:prstDash val="solid"/>
+                      <a:round/>
+                      <a:headEnd type="none" w="med" len="med"/>
+                      <a:tailEnd type="none" w="med" len="med"/>
+                    </a:lnT>
+                    <a:lnB w="7620" cap="flat" cmpd="sng" algn="ctr">
+                      <a:solidFill>
+                        <a:srgbClr val="DFDFDF"/>
+                      </a:solidFill>
+                      <a:prstDash val="solid"/>
+                      <a:round/>
+                      <a:headEnd type="none" w="med" len="med"/>
+                      <a:tailEnd type="none" w="med" len="med"/>
+                    </a:lnB>
+                    <a:solidFill>
+                      <a:srgbClr val="F9F9F9"/>
+                    </a:solidFill>
+                  </a:tcPr>
+                </a:tc>
+                <a:tc>
+                  <a:txBody>
+                    <a:bodyPr/>
+                    <a:lstStyle/>
+                    <a:p>
+                      <a:pPr fontAlgn="t"/>
+                      <a:r>
+                        <a:rPr lang="en-US" sz="1200">
+                          <a:solidFill>
+                            <a:srgbClr val="414141"/>
+                          </a:solidFill>
+                          <a:effectLst/>
+                          <a:latin typeface="Times New Roman" panose="02020603050405020304" pitchFamily="18" charset="0"/>
+                          <a:cs typeface="Times New Roman" panose="02020603050405020304" pitchFamily="18" charset="0"/>
+                        </a:rPr>
+                        <a:t>Removes the element at the specified index from the ArrayList.</a:t>
+                      </a:r>
+                    </a:p>
+                  </a:txBody>
+                  <a:tcPr marL="19461" marR="19461" marT="9731" marB="9731">
+                    <a:lnL w="7620" cap="flat" cmpd="sng" algn="ctr">
+                      <a:solidFill>
+                        <a:srgbClr val="DFDFDF"/>
+                      </a:solidFill>
+                      <a:prstDash val="solid"/>
+                      <a:round/>
+                      <a:headEnd type="none" w="med" len="med"/>
+                      <a:tailEnd type="none" w="med" len="med"/>
+                    </a:lnL>
+                    <a:lnR w="7620" cap="flat" cmpd="sng" algn="ctr">
+                      <a:solidFill>
+                        <a:srgbClr val="DFDFDF"/>
+                      </a:solidFill>
+                      <a:prstDash val="solid"/>
+                      <a:round/>
+                      <a:headEnd type="none" w="med" len="med"/>
+                      <a:tailEnd type="none" w="med" len="med"/>
+                    </a:lnR>
+                    <a:lnT w="7620" cap="flat" cmpd="sng" algn="ctr">
+                      <a:solidFill>
+                        <a:srgbClr val="DFDFDF"/>
+                      </a:solidFill>
+                      <a:prstDash val="solid"/>
+                      <a:round/>
+                      <a:headEnd type="none" w="med" len="med"/>
+                      <a:tailEnd type="none" w="med" len="med"/>
+                    </a:lnT>
+                    <a:lnB w="7620" cap="flat" cmpd="sng" algn="ctr">
+                      <a:solidFill>
+                        <a:srgbClr val="DFDFDF"/>
+                      </a:solidFill>
+                      <a:prstDash val="solid"/>
+                      <a:round/>
+                      <a:headEnd type="none" w="med" len="med"/>
+                      <a:tailEnd type="none" w="med" len="med"/>
+                    </a:lnB>
+                    <a:solidFill>
+                      <a:srgbClr val="F9F9F9"/>
+                    </a:solidFill>
+                  </a:tcPr>
+                </a:tc>
+                <a:extLst>
+                  <a:ext uri="{0D108BD9-81ED-4DB2-BD59-A6C34878D82A}">
+                    <a16:rowId xmlns:a16="http://schemas.microsoft.com/office/drawing/2014/main" val="877941895"/>
+                  </a:ext>
+                </a:extLst>
+              </a:tr>
+              <a:tr h="293513">
+                <a:tc>
+                  <a:txBody>
+                    <a:bodyPr/>
+                    <a:lstStyle/>
+                    <a:p>
+                      <a:pPr fontAlgn="t"/>
+                      <a:r>
+                        <a:rPr lang="en-IN" sz="1200">
+                          <a:solidFill>
+                            <a:srgbClr val="414141"/>
+                          </a:solidFill>
+                          <a:effectLst/>
+                          <a:latin typeface="Times New Roman" panose="02020603050405020304" pitchFamily="18" charset="0"/>
+                          <a:cs typeface="Times New Roman" panose="02020603050405020304" pitchFamily="18" charset="0"/>
+                        </a:rPr>
+                        <a:t>Sort()</a:t>
+                      </a:r>
+                    </a:p>
+                  </a:txBody>
+                  <a:tcPr marL="19461" marR="19461" marT="9731" marB="9731">
+                    <a:lnL w="7620" cap="flat" cmpd="sng" algn="ctr">
+                      <a:solidFill>
+                        <a:srgbClr val="DFDFDF"/>
+                      </a:solidFill>
+                      <a:prstDash val="solid"/>
+                      <a:round/>
+                      <a:headEnd type="none" w="med" len="med"/>
+                      <a:tailEnd type="none" w="med" len="med"/>
+                    </a:lnL>
+                    <a:lnR w="7620" cap="flat" cmpd="sng" algn="ctr">
+                      <a:solidFill>
+                        <a:srgbClr val="DFDFDF"/>
+                      </a:solidFill>
+                      <a:prstDash val="solid"/>
+                      <a:round/>
+                      <a:headEnd type="none" w="med" len="med"/>
+                      <a:tailEnd type="none" w="med" len="med"/>
+                    </a:lnR>
+                    <a:lnT w="7620" cap="flat" cmpd="sng" algn="ctr">
+                      <a:solidFill>
+                        <a:srgbClr val="DFDFDF"/>
+                      </a:solidFill>
+                      <a:prstDash val="solid"/>
+                      <a:round/>
+                      <a:headEnd type="none" w="med" len="med"/>
+                      <a:tailEnd type="none" w="med" len="med"/>
+                    </a:lnT>
+                    <a:lnB w="7620" cap="flat" cmpd="sng" algn="ctr">
+                      <a:solidFill>
+                        <a:srgbClr val="DFDFDF"/>
+                      </a:solidFill>
+                      <a:prstDash val="solid"/>
+                      <a:round/>
+                      <a:headEnd type="none" w="med" len="med"/>
+                      <a:tailEnd type="none" w="med" len="med"/>
+                    </a:lnB>
+                    <a:solidFill>
+                      <a:srgbClr val="FFFFFF"/>
+                    </a:solidFill>
+                  </a:tcPr>
+                </a:tc>
+                <a:tc>
+                  <a:txBody>
+                    <a:bodyPr/>
+                    <a:lstStyle/>
+                    <a:p>
+                      <a:pPr fontAlgn="t"/>
+                      <a:r>
+                        <a:rPr lang="en-US" sz="1200">
+                          <a:solidFill>
+                            <a:srgbClr val="414141"/>
+                          </a:solidFill>
+                          <a:effectLst/>
+                          <a:latin typeface="Times New Roman" panose="02020603050405020304" pitchFamily="18" charset="0"/>
+                          <a:cs typeface="Times New Roman" panose="02020603050405020304" pitchFamily="18" charset="0"/>
+                        </a:rPr>
+                        <a:t>Sorts entire elements of the ArrayList.</a:t>
+                      </a:r>
+                    </a:p>
+                  </a:txBody>
+                  <a:tcPr marL="19461" marR="19461" marT="9731" marB="9731">
+                    <a:lnL w="7620" cap="flat" cmpd="sng" algn="ctr">
+                      <a:solidFill>
+                        <a:srgbClr val="DFDFDF"/>
+                      </a:solidFill>
+                      <a:prstDash val="solid"/>
+                      <a:round/>
+                      <a:headEnd type="none" w="med" len="med"/>
+                      <a:tailEnd type="none" w="med" len="med"/>
+                    </a:lnL>
+                    <a:lnR w="7620" cap="flat" cmpd="sng" algn="ctr">
+                      <a:solidFill>
+                        <a:srgbClr val="DFDFDF"/>
+                      </a:solidFill>
+                      <a:prstDash val="solid"/>
+                      <a:round/>
+                      <a:headEnd type="none" w="med" len="med"/>
+                      <a:tailEnd type="none" w="med" len="med"/>
+                    </a:lnR>
+                    <a:lnT w="7620" cap="flat" cmpd="sng" algn="ctr">
+                      <a:solidFill>
+                        <a:srgbClr val="DFDFDF"/>
+                      </a:solidFill>
+                      <a:prstDash val="solid"/>
+                      <a:round/>
+                      <a:headEnd type="none" w="med" len="med"/>
+                      <a:tailEnd type="none" w="med" len="med"/>
+                    </a:lnT>
+                    <a:lnB w="7620" cap="flat" cmpd="sng" algn="ctr">
+                      <a:solidFill>
+                        <a:srgbClr val="DFDFDF"/>
+                      </a:solidFill>
+                      <a:prstDash val="solid"/>
+                      <a:round/>
+                      <a:headEnd type="none" w="med" len="med"/>
+                      <a:tailEnd type="none" w="med" len="med"/>
+                    </a:lnB>
+                    <a:solidFill>
+                      <a:srgbClr val="FFFFFF"/>
+                    </a:solidFill>
+                  </a:tcPr>
+                </a:tc>
+                <a:extLst>
+                  <a:ext uri="{0D108BD9-81ED-4DB2-BD59-A6C34878D82A}">
+                    <a16:rowId xmlns:a16="http://schemas.microsoft.com/office/drawing/2014/main" val="2169523452"/>
+                  </a:ext>
+                </a:extLst>
+              </a:tr>
+              <a:tr h="293513">
+                <a:tc>
+                  <a:txBody>
+                    <a:bodyPr/>
+                    <a:lstStyle/>
+                    <a:p>
+                      <a:pPr fontAlgn="t"/>
+                      <a:r>
+                        <a:rPr lang="en-IN" sz="1200">
+                          <a:solidFill>
+                            <a:srgbClr val="414141"/>
+                          </a:solidFill>
+                          <a:effectLst/>
+                          <a:latin typeface="Times New Roman" panose="02020603050405020304" pitchFamily="18" charset="0"/>
+                          <a:cs typeface="Times New Roman" panose="02020603050405020304" pitchFamily="18" charset="0"/>
+                        </a:rPr>
+                        <a:t>Reverse()</a:t>
+                      </a:r>
+                    </a:p>
+                  </a:txBody>
+                  <a:tcPr marL="19461" marR="19461" marT="9731" marB="9731">
+                    <a:lnL w="7620" cap="flat" cmpd="sng" algn="ctr">
+                      <a:solidFill>
+                        <a:srgbClr val="DFDFDF"/>
+                      </a:solidFill>
+                      <a:prstDash val="solid"/>
+                      <a:round/>
+                      <a:headEnd type="none" w="med" len="med"/>
+                      <a:tailEnd type="none" w="med" len="med"/>
+                    </a:lnL>
+                    <a:lnR w="7620" cap="flat" cmpd="sng" algn="ctr">
+                      <a:solidFill>
+                        <a:srgbClr val="DFDFDF"/>
+                      </a:solidFill>
+                      <a:prstDash val="solid"/>
+                      <a:round/>
+                      <a:headEnd type="none" w="med" len="med"/>
+                      <a:tailEnd type="none" w="med" len="med"/>
+                    </a:lnR>
+                    <a:lnT w="7620" cap="flat" cmpd="sng" algn="ctr">
+                      <a:solidFill>
+                        <a:srgbClr val="DFDFDF"/>
+                      </a:solidFill>
+                      <a:prstDash val="solid"/>
+                      <a:round/>
+                      <a:headEnd type="none" w="med" len="med"/>
+                      <a:tailEnd type="none" w="med" len="med"/>
+                    </a:lnT>
+                    <a:lnB w="7620" cap="flat" cmpd="sng" algn="ctr">
+                      <a:solidFill>
+                        <a:srgbClr val="DFDFDF"/>
+                      </a:solidFill>
+                      <a:prstDash val="solid"/>
+                      <a:round/>
+                      <a:headEnd type="none" w="med" len="med"/>
+                      <a:tailEnd type="none" w="med" len="med"/>
+                    </a:lnB>
+                    <a:solidFill>
+                      <a:srgbClr val="F9F9F9"/>
+                    </a:solidFill>
+                  </a:tcPr>
+                </a:tc>
+                <a:tc>
+                  <a:txBody>
+                    <a:bodyPr/>
+                    <a:lstStyle/>
+                    <a:p>
+                      <a:pPr fontAlgn="t"/>
+                      <a:r>
+                        <a:rPr lang="en-US" sz="1200">
+                          <a:solidFill>
+                            <a:srgbClr val="414141"/>
+                          </a:solidFill>
+                          <a:effectLst/>
+                          <a:latin typeface="Times New Roman" panose="02020603050405020304" pitchFamily="18" charset="0"/>
+                          <a:cs typeface="Times New Roman" panose="02020603050405020304" pitchFamily="18" charset="0"/>
+                        </a:rPr>
+                        <a:t>Reverses the order of the elements in the entire ArrayList.</a:t>
+                      </a:r>
+                    </a:p>
+                  </a:txBody>
+                  <a:tcPr marL="19461" marR="19461" marT="9731" marB="9731">
+                    <a:lnL w="7620" cap="flat" cmpd="sng" algn="ctr">
+                      <a:solidFill>
+                        <a:srgbClr val="DFDFDF"/>
+                      </a:solidFill>
+                      <a:prstDash val="solid"/>
+                      <a:round/>
+                      <a:headEnd type="none" w="med" len="med"/>
+                      <a:tailEnd type="none" w="med" len="med"/>
+                    </a:lnL>
+                    <a:lnR w="7620" cap="flat" cmpd="sng" algn="ctr">
+                      <a:solidFill>
+                        <a:srgbClr val="DFDFDF"/>
+                      </a:solidFill>
+                      <a:prstDash val="solid"/>
+                      <a:round/>
+                      <a:headEnd type="none" w="med" len="med"/>
+                      <a:tailEnd type="none" w="med" len="med"/>
+                    </a:lnR>
+                    <a:lnT w="7620" cap="flat" cmpd="sng" algn="ctr">
+                      <a:solidFill>
+                        <a:srgbClr val="DFDFDF"/>
+                      </a:solidFill>
+                      <a:prstDash val="solid"/>
+                      <a:round/>
+                      <a:headEnd type="none" w="med" len="med"/>
+                      <a:tailEnd type="none" w="med" len="med"/>
+                    </a:lnT>
+                    <a:lnB w="7620" cap="flat" cmpd="sng" algn="ctr">
+                      <a:solidFill>
+                        <a:srgbClr val="DFDFDF"/>
+                      </a:solidFill>
+                      <a:prstDash val="solid"/>
+                      <a:round/>
+                      <a:headEnd type="none" w="med" len="med"/>
+                      <a:tailEnd type="none" w="med" len="med"/>
+                    </a:lnB>
+                    <a:solidFill>
+                      <a:srgbClr val="F9F9F9"/>
+                    </a:solidFill>
+                  </a:tcPr>
+                </a:tc>
+                <a:extLst>
+                  <a:ext uri="{0D108BD9-81ED-4DB2-BD59-A6C34878D82A}">
+                    <a16:rowId xmlns:a16="http://schemas.microsoft.com/office/drawing/2014/main" val="4052269137"/>
+                  </a:ext>
+                </a:extLst>
+              </a:tr>
+              <a:tr h="526321">
+                <a:tc>
+                  <a:txBody>
+                    <a:bodyPr/>
+                    <a:lstStyle/>
+                    <a:p>
+                      <a:pPr fontAlgn="t"/>
+                      <a:r>
+                        <a:rPr lang="en-IN" sz="1200" u="none" strike="noStrike">
+                          <a:solidFill>
+                            <a:srgbClr val="007BFF"/>
+                          </a:solidFill>
+                          <a:effectLst/>
+                          <a:latin typeface="Times New Roman" panose="02020603050405020304" pitchFamily="18" charset="0"/>
+                          <a:cs typeface="Times New Roman" panose="02020603050405020304" pitchFamily="18" charset="0"/>
+                          <a:hlinkClick r:id="rId5"/>
+                        </a:rPr>
+                        <a:t>Contains</a:t>
+                      </a:r>
+                      <a:endParaRPr lang="en-IN" sz="1200">
+                        <a:solidFill>
+                          <a:srgbClr val="414141"/>
+                        </a:solidFill>
+                        <a:effectLst/>
+                        <a:latin typeface="Times New Roman" panose="02020603050405020304" pitchFamily="18" charset="0"/>
+                        <a:cs typeface="Times New Roman" panose="02020603050405020304" pitchFamily="18" charset="0"/>
+                      </a:endParaRPr>
+                    </a:p>
+                  </a:txBody>
+                  <a:tcPr marL="19461" marR="19461" marT="9731" marB="9731">
+                    <a:lnL w="7620" cap="flat" cmpd="sng" algn="ctr">
+                      <a:solidFill>
+                        <a:srgbClr val="DFDFDF"/>
+                      </a:solidFill>
+                      <a:prstDash val="solid"/>
+                      <a:round/>
+                      <a:headEnd type="none" w="med" len="med"/>
+                      <a:tailEnd type="none" w="med" len="med"/>
+                    </a:lnL>
+                    <a:lnR w="7620" cap="flat" cmpd="sng" algn="ctr">
+                      <a:solidFill>
+                        <a:srgbClr val="DFDFDF"/>
+                      </a:solidFill>
+                      <a:prstDash val="solid"/>
+                      <a:round/>
+                      <a:headEnd type="none" w="med" len="med"/>
+                      <a:tailEnd type="none" w="med" len="med"/>
+                    </a:lnR>
+                    <a:lnT w="7620" cap="flat" cmpd="sng" algn="ctr">
+                      <a:solidFill>
+                        <a:srgbClr val="DFDFDF"/>
+                      </a:solidFill>
+                      <a:prstDash val="solid"/>
+                      <a:round/>
+                      <a:headEnd type="none" w="med" len="med"/>
+                      <a:tailEnd type="none" w="med" len="med"/>
+                    </a:lnT>
+                    <a:lnB w="7620" cap="flat" cmpd="sng" algn="ctr">
+                      <a:solidFill>
+                        <a:srgbClr val="DFDFDF"/>
+                      </a:solidFill>
+                      <a:prstDash val="solid"/>
+                      <a:round/>
+                      <a:headEnd type="none" w="med" len="med"/>
+                      <a:tailEnd type="none" w="med" len="med"/>
+                    </a:lnB>
+                    <a:solidFill>
+                      <a:srgbClr val="FFFFFF"/>
+                    </a:solidFill>
+                  </a:tcPr>
+                </a:tc>
+                <a:tc>
+                  <a:txBody>
+                    <a:bodyPr/>
+                    <a:lstStyle/>
+                    <a:p>
+                      <a:pPr fontAlgn="t"/>
+                      <a:r>
+                        <a:rPr lang="en-US" sz="1200">
+                          <a:solidFill>
+                            <a:srgbClr val="414141"/>
+                          </a:solidFill>
+                          <a:effectLst/>
+                          <a:latin typeface="Times New Roman" panose="02020603050405020304" pitchFamily="18" charset="0"/>
+                          <a:cs typeface="Times New Roman" panose="02020603050405020304" pitchFamily="18" charset="0"/>
+                        </a:rPr>
+                        <a:t>Checks whether specified element exists in the ArrayList or not. Returns true if exists otherwise false.</a:t>
+                      </a:r>
+                    </a:p>
+                  </a:txBody>
+                  <a:tcPr marL="19461" marR="19461" marT="9731" marB="9731">
+                    <a:lnL w="7620" cap="flat" cmpd="sng" algn="ctr">
+                      <a:solidFill>
+                        <a:srgbClr val="DFDFDF"/>
+                      </a:solidFill>
+                      <a:prstDash val="solid"/>
+                      <a:round/>
+                      <a:headEnd type="none" w="med" len="med"/>
+                      <a:tailEnd type="none" w="med" len="med"/>
+                    </a:lnL>
+                    <a:lnR w="7620" cap="flat" cmpd="sng" algn="ctr">
+                      <a:solidFill>
+                        <a:srgbClr val="DFDFDF"/>
+                      </a:solidFill>
+                      <a:prstDash val="solid"/>
+                      <a:round/>
+                      <a:headEnd type="none" w="med" len="med"/>
+                      <a:tailEnd type="none" w="med" len="med"/>
+                    </a:lnR>
+                    <a:lnT w="7620" cap="flat" cmpd="sng" algn="ctr">
+                      <a:solidFill>
+                        <a:srgbClr val="DFDFDF"/>
+                      </a:solidFill>
+                      <a:prstDash val="solid"/>
+                      <a:round/>
+                      <a:headEnd type="none" w="med" len="med"/>
+                      <a:tailEnd type="none" w="med" len="med"/>
+                    </a:lnT>
+                    <a:lnB w="7620" cap="flat" cmpd="sng" algn="ctr">
+                      <a:solidFill>
+                        <a:srgbClr val="DFDFDF"/>
+                      </a:solidFill>
+                      <a:prstDash val="solid"/>
+                      <a:round/>
+                      <a:headEnd type="none" w="med" len="med"/>
+                      <a:tailEnd type="none" w="med" len="med"/>
+                    </a:lnB>
+                    <a:solidFill>
+                      <a:srgbClr val="FFFFFF"/>
+                    </a:solidFill>
+                  </a:tcPr>
+                </a:tc>
+                <a:extLst>
+                  <a:ext uri="{0D108BD9-81ED-4DB2-BD59-A6C34878D82A}">
+                    <a16:rowId xmlns:a16="http://schemas.microsoft.com/office/drawing/2014/main" val="4206605901"/>
+                  </a:ext>
+                </a:extLst>
+              </a:tr>
+              <a:tr h="293513">
+                <a:tc>
+                  <a:txBody>
+                    <a:bodyPr/>
+                    <a:lstStyle/>
+                    <a:p>
+                      <a:pPr fontAlgn="t"/>
+                      <a:r>
+                        <a:rPr lang="en-IN" sz="1200">
+                          <a:solidFill>
+                            <a:srgbClr val="414141"/>
+                          </a:solidFill>
+                          <a:effectLst/>
+                          <a:latin typeface="Times New Roman" panose="02020603050405020304" pitchFamily="18" charset="0"/>
+                          <a:cs typeface="Times New Roman" panose="02020603050405020304" pitchFamily="18" charset="0"/>
+                        </a:rPr>
+                        <a:t>Clear</a:t>
+                      </a:r>
+                    </a:p>
+                  </a:txBody>
+                  <a:tcPr marL="19461" marR="19461" marT="9731" marB="9731">
+                    <a:lnL w="7620" cap="flat" cmpd="sng" algn="ctr">
+                      <a:solidFill>
+                        <a:srgbClr val="DFDFDF"/>
+                      </a:solidFill>
+                      <a:prstDash val="solid"/>
+                      <a:round/>
+                      <a:headEnd type="none" w="med" len="med"/>
+                      <a:tailEnd type="none" w="med" len="med"/>
+                    </a:lnL>
+                    <a:lnR w="7620" cap="flat" cmpd="sng" algn="ctr">
+                      <a:solidFill>
+                        <a:srgbClr val="DFDFDF"/>
+                      </a:solidFill>
+                      <a:prstDash val="solid"/>
+                      <a:round/>
+                      <a:headEnd type="none" w="med" len="med"/>
+                      <a:tailEnd type="none" w="med" len="med"/>
+                    </a:lnR>
+                    <a:lnT w="7620" cap="flat" cmpd="sng" algn="ctr">
+                      <a:solidFill>
+                        <a:srgbClr val="DFDFDF"/>
+                      </a:solidFill>
+                      <a:prstDash val="solid"/>
+                      <a:round/>
+                      <a:headEnd type="none" w="med" len="med"/>
+                      <a:tailEnd type="none" w="med" len="med"/>
+                    </a:lnT>
+                    <a:lnB w="7620" cap="flat" cmpd="sng" algn="ctr">
+                      <a:solidFill>
+                        <a:srgbClr val="DFDFDF"/>
+                      </a:solidFill>
+                      <a:prstDash val="solid"/>
+                      <a:round/>
+                      <a:headEnd type="none" w="med" len="med"/>
+                      <a:tailEnd type="none" w="med" len="med"/>
+                    </a:lnB>
+                    <a:solidFill>
+                      <a:srgbClr val="F9F9F9"/>
+                    </a:solidFill>
+                  </a:tcPr>
+                </a:tc>
+                <a:tc>
+                  <a:txBody>
+                    <a:bodyPr/>
+                    <a:lstStyle/>
+                    <a:p>
+                      <a:pPr fontAlgn="t"/>
+                      <a:r>
+                        <a:rPr lang="en-US" sz="1200">
+                          <a:solidFill>
+                            <a:srgbClr val="414141"/>
+                          </a:solidFill>
+                          <a:effectLst/>
+                          <a:latin typeface="Times New Roman" panose="02020603050405020304" pitchFamily="18" charset="0"/>
+                          <a:cs typeface="Times New Roman" panose="02020603050405020304" pitchFamily="18" charset="0"/>
+                        </a:rPr>
+                        <a:t>Removes all the elements in ArrayList.</a:t>
+                      </a:r>
+                    </a:p>
+                  </a:txBody>
+                  <a:tcPr marL="19461" marR="19461" marT="9731" marB="9731">
+                    <a:lnL w="7620" cap="flat" cmpd="sng" algn="ctr">
+                      <a:solidFill>
+                        <a:srgbClr val="DFDFDF"/>
+                      </a:solidFill>
+                      <a:prstDash val="solid"/>
+                      <a:round/>
+                      <a:headEnd type="none" w="med" len="med"/>
+                      <a:tailEnd type="none" w="med" len="med"/>
+                    </a:lnL>
+                    <a:lnR w="7620" cap="flat" cmpd="sng" algn="ctr">
+                      <a:solidFill>
+                        <a:srgbClr val="DFDFDF"/>
+                      </a:solidFill>
+                      <a:prstDash val="solid"/>
+                      <a:round/>
+                      <a:headEnd type="none" w="med" len="med"/>
+                      <a:tailEnd type="none" w="med" len="med"/>
+                    </a:lnR>
+                    <a:lnT w="7620" cap="flat" cmpd="sng" algn="ctr">
+                      <a:solidFill>
+                        <a:srgbClr val="DFDFDF"/>
+                      </a:solidFill>
+                      <a:prstDash val="solid"/>
+                      <a:round/>
+                      <a:headEnd type="none" w="med" len="med"/>
+                      <a:tailEnd type="none" w="med" len="med"/>
+                    </a:lnT>
+                    <a:lnB w="7620" cap="flat" cmpd="sng" algn="ctr">
+                      <a:solidFill>
+                        <a:srgbClr val="DFDFDF"/>
+                      </a:solidFill>
+                      <a:prstDash val="solid"/>
+                      <a:round/>
+                      <a:headEnd type="none" w="med" len="med"/>
+                      <a:tailEnd type="none" w="med" len="med"/>
+                    </a:lnB>
+                    <a:solidFill>
+                      <a:srgbClr val="F9F9F9"/>
+                    </a:solidFill>
+                  </a:tcPr>
+                </a:tc>
+                <a:extLst>
+                  <a:ext uri="{0D108BD9-81ED-4DB2-BD59-A6C34878D82A}">
+                    <a16:rowId xmlns:a16="http://schemas.microsoft.com/office/drawing/2014/main" val="1332460064"/>
+                  </a:ext>
+                </a:extLst>
+              </a:tr>
+              <a:tr h="293513">
+                <a:tc>
+                  <a:txBody>
+                    <a:bodyPr/>
+                    <a:lstStyle/>
+                    <a:p>
+                      <a:pPr fontAlgn="t"/>
+                      <a:r>
+                        <a:rPr lang="en-IN" sz="1200">
+                          <a:solidFill>
+                            <a:srgbClr val="414141"/>
+                          </a:solidFill>
+                          <a:effectLst/>
+                          <a:latin typeface="Times New Roman" panose="02020603050405020304" pitchFamily="18" charset="0"/>
+                          <a:cs typeface="Times New Roman" panose="02020603050405020304" pitchFamily="18" charset="0"/>
+                        </a:rPr>
+                        <a:t>CopyTo</a:t>
+                      </a:r>
+                    </a:p>
+                  </a:txBody>
+                  <a:tcPr marL="19461" marR="19461" marT="9731" marB="9731">
+                    <a:lnL w="7620" cap="flat" cmpd="sng" algn="ctr">
+                      <a:solidFill>
+                        <a:srgbClr val="DFDFDF"/>
+                      </a:solidFill>
+                      <a:prstDash val="solid"/>
+                      <a:round/>
+                      <a:headEnd type="none" w="med" len="med"/>
+                      <a:tailEnd type="none" w="med" len="med"/>
+                    </a:lnL>
+                    <a:lnR w="7620" cap="flat" cmpd="sng" algn="ctr">
+                      <a:solidFill>
+                        <a:srgbClr val="DFDFDF"/>
+                      </a:solidFill>
+                      <a:prstDash val="solid"/>
+                      <a:round/>
+                      <a:headEnd type="none" w="med" len="med"/>
+                      <a:tailEnd type="none" w="med" len="med"/>
+                    </a:lnR>
+                    <a:lnT w="7620" cap="flat" cmpd="sng" algn="ctr">
+                      <a:solidFill>
+                        <a:srgbClr val="DFDFDF"/>
+                      </a:solidFill>
+                      <a:prstDash val="solid"/>
+                      <a:round/>
+                      <a:headEnd type="none" w="med" len="med"/>
+                      <a:tailEnd type="none" w="med" len="med"/>
+                    </a:lnT>
+                    <a:lnB w="7620" cap="flat" cmpd="sng" algn="ctr">
+                      <a:solidFill>
+                        <a:srgbClr val="DFDFDF"/>
+                      </a:solidFill>
+                      <a:prstDash val="solid"/>
+                      <a:round/>
+                      <a:headEnd type="none" w="med" len="med"/>
+                      <a:tailEnd type="none" w="med" len="med"/>
+                    </a:lnB>
+                    <a:solidFill>
+                      <a:srgbClr val="FFFFFF"/>
+                    </a:solidFill>
+                  </a:tcPr>
+                </a:tc>
+                <a:tc>
+                  <a:txBody>
+                    <a:bodyPr/>
+                    <a:lstStyle/>
+                    <a:p>
+                      <a:pPr fontAlgn="t"/>
+                      <a:r>
+                        <a:rPr lang="en-US" sz="1200">
+                          <a:solidFill>
+                            <a:srgbClr val="414141"/>
+                          </a:solidFill>
+                          <a:effectLst/>
+                          <a:latin typeface="Times New Roman" panose="02020603050405020304" pitchFamily="18" charset="0"/>
+                          <a:cs typeface="Times New Roman" panose="02020603050405020304" pitchFamily="18" charset="0"/>
+                        </a:rPr>
+                        <a:t>Copies all the elements or range of elements to compitible Array.</a:t>
+                      </a:r>
+                    </a:p>
+                  </a:txBody>
+                  <a:tcPr marL="19461" marR="19461" marT="9731" marB="9731">
+                    <a:lnL w="7620" cap="flat" cmpd="sng" algn="ctr">
+                      <a:solidFill>
+                        <a:srgbClr val="DFDFDF"/>
+                      </a:solidFill>
+                      <a:prstDash val="solid"/>
+                      <a:round/>
+                      <a:headEnd type="none" w="med" len="med"/>
+                      <a:tailEnd type="none" w="med" len="med"/>
+                    </a:lnL>
+                    <a:lnR w="7620" cap="flat" cmpd="sng" algn="ctr">
+                      <a:solidFill>
+                        <a:srgbClr val="DFDFDF"/>
+                      </a:solidFill>
+                      <a:prstDash val="solid"/>
+                      <a:round/>
+                      <a:headEnd type="none" w="med" len="med"/>
+                      <a:tailEnd type="none" w="med" len="med"/>
+                    </a:lnR>
+                    <a:lnT w="7620" cap="flat" cmpd="sng" algn="ctr">
+                      <a:solidFill>
+                        <a:srgbClr val="DFDFDF"/>
+                      </a:solidFill>
+                      <a:prstDash val="solid"/>
+                      <a:round/>
+                      <a:headEnd type="none" w="med" len="med"/>
+                      <a:tailEnd type="none" w="med" len="med"/>
+                    </a:lnT>
+                    <a:lnB w="7620" cap="flat" cmpd="sng" algn="ctr">
+                      <a:solidFill>
+                        <a:srgbClr val="DFDFDF"/>
+                      </a:solidFill>
+                      <a:prstDash val="solid"/>
+                      <a:round/>
+                      <a:headEnd type="none" w="med" len="med"/>
+                      <a:tailEnd type="none" w="med" len="med"/>
+                    </a:lnB>
+                    <a:solidFill>
+                      <a:srgbClr val="FFFFFF"/>
+                    </a:solidFill>
+                  </a:tcPr>
+                </a:tc>
+                <a:extLst>
+                  <a:ext uri="{0D108BD9-81ED-4DB2-BD59-A6C34878D82A}">
+                    <a16:rowId xmlns:a16="http://schemas.microsoft.com/office/drawing/2014/main" val="472150822"/>
+                  </a:ext>
+                </a:extLst>
+              </a:tr>
+              <a:tr h="526321">
+                <a:tc>
+                  <a:txBody>
+                    <a:bodyPr/>
+                    <a:lstStyle/>
+                    <a:p>
+                      <a:pPr fontAlgn="t"/>
+                      <a:r>
+                        <a:rPr lang="en-IN" sz="1200">
+                          <a:solidFill>
+                            <a:srgbClr val="414141"/>
+                          </a:solidFill>
+                          <a:effectLst/>
+                          <a:latin typeface="Times New Roman" panose="02020603050405020304" pitchFamily="18" charset="0"/>
+                          <a:cs typeface="Times New Roman" panose="02020603050405020304" pitchFamily="18" charset="0"/>
+                        </a:rPr>
+                        <a:t>GetRange</a:t>
+                      </a:r>
+                    </a:p>
+                  </a:txBody>
+                  <a:tcPr marL="19461" marR="19461" marT="9731" marB="9731">
+                    <a:lnL w="7620" cap="flat" cmpd="sng" algn="ctr">
+                      <a:solidFill>
+                        <a:srgbClr val="DFDFDF"/>
+                      </a:solidFill>
+                      <a:prstDash val="solid"/>
+                      <a:round/>
+                      <a:headEnd type="none" w="med" len="med"/>
+                      <a:tailEnd type="none" w="med" len="med"/>
+                    </a:lnL>
+                    <a:lnR w="7620" cap="flat" cmpd="sng" algn="ctr">
+                      <a:solidFill>
+                        <a:srgbClr val="DFDFDF"/>
+                      </a:solidFill>
+                      <a:prstDash val="solid"/>
+                      <a:round/>
+                      <a:headEnd type="none" w="med" len="med"/>
+                      <a:tailEnd type="none" w="med" len="med"/>
+                    </a:lnR>
+                    <a:lnT w="7620" cap="flat" cmpd="sng" algn="ctr">
+                      <a:solidFill>
+                        <a:srgbClr val="DFDFDF"/>
+                      </a:solidFill>
+                      <a:prstDash val="solid"/>
+                      <a:round/>
+                      <a:headEnd type="none" w="med" len="med"/>
+                      <a:tailEnd type="none" w="med" len="med"/>
+                    </a:lnT>
+                    <a:lnB w="7620" cap="flat" cmpd="sng" algn="ctr">
+                      <a:solidFill>
+                        <a:srgbClr val="DFDFDF"/>
+                      </a:solidFill>
+                      <a:prstDash val="solid"/>
+                      <a:round/>
+                      <a:headEnd type="none" w="med" len="med"/>
+                      <a:tailEnd type="none" w="med" len="med"/>
+                    </a:lnB>
+                    <a:solidFill>
+                      <a:srgbClr val="F9F9F9"/>
+                    </a:solidFill>
+                  </a:tcPr>
+                </a:tc>
+                <a:tc>
+                  <a:txBody>
+                    <a:bodyPr/>
+                    <a:lstStyle/>
+                    <a:p>
+                      <a:pPr fontAlgn="t"/>
+                      <a:r>
+                        <a:rPr lang="en-US" sz="1200">
+                          <a:solidFill>
+                            <a:srgbClr val="414141"/>
+                          </a:solidFill>
+                          <a:effectLst/>
+                          <a:latin typeface="Times New Roman" panose="02020603050405020304" pitchFamily="18" charset="0"/>
+                          <a:cs typeface="Times New Roman" panose="02020603050405020304" pitchFamily="18" charset="0"/>
+                        </a:rPr>
+                        <a:t>Returns specified number of elements from specified index from ArrayList.</a:t>
+                      </a:r>
+                    </a:p>
+                  </a:txBody>
+                  <a:tcPr marL="19461" marR="19461" marT="9731" marB="9731">
+                    <a:lnL w="7620" cap="flat" cmpd="sng" algn="ctr">
+                      <a:solidFill>
+                        <a:srgbClr val="DFDFDF"/>
+                      </a:solidFill>
+                      <a:prstDash val="solid"/>
+                      <a:round/>
+                      <a:headEnd type="none" w="med" len="med"/>
+                      <a:tailEnd type="none" w="med" len="med"/>
+                    </a:lnL>
+                    <a:lnR w="7620" cap="flat" cmpd="sng" algn="ctr">
+                      <a:solidFill>
+                        <a:srgbClr val="DFDFDF"/>
+                      </a:solidFill>
+                      <a:prstDash val="solid"/>
+                      <a:round/>
+                      <a:headEnd type="none" w="med" len="med"/>
+                      <a:tailEnd type="none" w="med" len="med"/>
+                    </a:lnR>
+                    <a:lnT w="7620" cap="flat" cmpd="sng" algn="ctr">
+                      <a:solidFill>
+                        <a:srgbClr val="DFDFDF"/>
+                      </a:solidFill>
+                      <a:prstDash val="solid"/>
+                      <a:round/>
+                      <a:headEnd type="none" w="med" len="med"/>
+                      <a:tailEnd type="none" w="med" len="med"/>
+                    </a:lnT>
+                    <a:lnB w="7620" cap="flat" cmpd="sng" algn="ctr">
+                      <a:solidFill>
+                        <a:srgbClr val="DFDFDF"/>
+                      </a:solidFill>
+                      <a:prstDash val="solid"/>
+                      <a:round/>
+                      <a:headEnd type="none" w="med" len="med"/>
+                      <a:tailEnd type="none" w="med" len="med"/>
+                    </a:lnB>
+                    <a:solidFill>
+                      <a:srgbClr val="F9F9F9"/>
+                    </a:solidFill>
+                  </a:tcPr>
+                </a:tc>
+                <a:extLst>
+                  <a:ext uri="{0D108BD9-81ED-4DB2-BD59-A6C34878D82A}">
+                    <a16:rowId xmlns:a16="http://schemas.microsoft.com/office/drawing/2014/main" val="2159480564"/>
+                  </a:ext>
+                </a:extLst>
+              </a:tr>
+              <a:tr h="526321">
+                <a:tc>
+                  <a:txBody>
+                    <a:bodyPr/>
+                    <a:lstStyle/>
+                    <a:p>
+                      <a:pPr fontAlgn="t"/>
+                      <a:r>
+                        <a:rPr lang="en-IN" sz="1200">
+                          <a:solidFill>
+                            <a:srgbClr val="414141"/>
+                          </a:solidFill>
+                          <a:effectLst/>
+                          <a:latin typeface="Times New Roman" panose="02020603050405020304" pitchFamily="18" charset="0"/>
+                          <a:cs typeface="Times New Roman" panose="02020603050405020304" pitchFamily="18" charset="0"/>
+                        </a:rPr>
+                        <a:t>IndexOf</a:t>
+                      </a:r>
+                    </a:p>
+                  </a:txBody>
+                  <a:tcPr marL="19461" marR="19461" marT="9731" marB="9731">
+                    <a:lnL w="7620" cap="flat" cmpd="sng" algn="ctr">
+                      <a:solidFill>
+                        <a:srgbClr val="DFDFDF"/>
+                      </a:solidFill>
+                      <a:prstDash val="solid"/>
+                      <a:round/>
+                      <a:headEnd type="none" w="med" len="med"/>
+                      <a:tailEnd type="none" w="med" len="med"/>
+                    </a:lnL>
+                    <a:lnR w="7620" cap="flat" cmpd="sng" algn="ctr">
+                      <a:solidFill>
+                        <a:srgbClr val="DFDFDF"/>
+                      </a:solidFill>
+                      <a:prstDash val="solid"/>
+                      <a:round/>
+                      <a:headEnd type="none" w="med" len="med"/>
+                      <a:tailEnd type="none" w="med" len="med"/>
+                    </a:lnR>
+                    <a:lnT w="7620" cap="flat" cmpd="sng" algn="ctr">
+                      <a:solidFill>
+                        <a:srgbClr val="DFDFDF"/>
+                      </a:solidFill>
+                      <a:prstDash val="solid"/>
+                      <a:round/>
+                      <a:headEnd type="none" w="med" len="med"/>
+                      <a:tailEnd type="none" w="med" len="med"/>
+                    </a:lnT>
+                    <a:lnB w="7620" cap="flat" cmpd="sng" algn="ctr">
+                      <a:solidFill>
+                        <a:srgbClr val="DFDFDF"/>
+                      </a:solidFill>
+                      <a:prstDash val="solid"/>
+                      <a:round/>
+                      <a:headEnd type="none" w="med" len="med"/>
+                      <a:tailEnd type="none" w="med" len="med"/>
+                    </a:lnB>
+                    <a:solidFill>
+                      <a:srgbClr val="FFFFFF"/>
+                    </a:solidFill>
+                  </a:tcPr>
+                </a:tc>
+                <a:tc>
+                  <a:txBody>
+                    <a:bodyPr/>
+                    <a:lstStyle/>
+                    <a:p>
+                      <a:pPr fontAlgn="t"/>
+                      <a:r>
+                        <a:rPr lang="en-US" sz="1200">
+                          <a:solidFill>
+                            <a:srgbClr val="414141"/>
+                          </a:solidFill>
+                          <a:effectLst/>
+                          <a:latin typeface="Times New Roman" panose="02020603050405020304" pitchFamily="18" charset="0"/>
+                          <a:cs typeface="Times New Roman" panose="02020603050405020304" pitchFamily="18" charset="0"/>
+                        </a:rPr>
+                        <a:t>Search specified element and returns zero based index if found. Returns -1 if element not found.</a:t>
+                      </a:r>
+                    </a:p>
+                  </a:txBody>
+                  <a:tcPr marL="19461" marR="19461" marT="9731" marB="9731">
+                    <a:lnL w="7620" cap="flat" cmpd="sng" algn="ctr">
+                      <a:solidFill>
+                        <a:srgbClr val="DFDFDF"/>
+                      </a:solidFill>
+                      <a:prstDash val="solid"/>
+                      <a:round/>
+                      <a:headEnd type="none" w="med" len="med"/>
+                      <a:tailEnd type="none" w="med" len="med"/>
+                    </a:lnL>
+                    <a:lnR w="7620" cap="flat" cmpd="sng" algn="ctr">
+                      <a:solidFill>
+                        <a:srgbClr val="DFDFDF"/>
+                      </a:solidFill>
+                      <a:prstDash val="solid"/>
+                      <a:round/>
+                      <a:headEnd type="none" w="med" len="med"/>
+                      <a:tailEnd type="none" w="med" len="med"/>
+                    </a:lnR>
+                    <a:lnT w="7620" cap="flat" cmpd="sng" algn="ctr">
+                      <a:solidFill>
+                        <a:srgbClr val="DFDFDF"/>
+                      </a:solidFill>
+                      <a:prstDash val="solid"/>
+                      <a:round/>
+                      <a:headEnd type="none" w="med" len="med"/>
+                      <a:tailEnd type="none" w="med" len="med"/>
+                    </a:lnT>
+                    <a:lnB w="7620" cap="flat" cmpd="sng" algn="ctr">
+                      <a:solidFill>
+                        <a:srgbClr val="DFDFDF"/>
+                      </a:solidFill>
+                      <a:prstDash val="solid"/>
+                      <a:round/>
+                      <a:headEnd type="none" w="med" len="med"/>
+                      <a:tailEnd type="none" w="med" len="med"/>
+                    </a:lnB>
+                    <a:solidFill>
+                      <a:srgbClr val="FFFFFF"/>
+                    </a:solidFill>
+                  </a:tcPr>
+                </a:tc>
+                <a:extLst>
+                  <a:ext uri="{0D108BD9-81ED-4DB2-BD59-A6C34878D82A}">
+                    <a16:rowId xmlns:a16="http://schemas.microsoft.com/office/drawing/2014/main" val="2674997830"/>
+                  </a:ext>
+                </a:extLst>
+              </a:tr>
+              <a:tr h="293513">
+                <a:tc>
+                  <a:txBody>
+                    <a:bodyPr/>
+                    <a:lstStyle/>
+                    <a:p>
+                      <a:pPr fontAlgn="t"/>
+                      <a:r>
+                        <a:rPr lang="en-IN" sz="1200">
+                          <a:solidFill>
+                            <a:srgbClr val="414141"/>
+                          </a:solidFill>
+                          <a:effectLst/>
+                          <a:latin typeface="Times New Roman" panose="02020603050405020304" pitchFamily="18" charset="0"/>
+                          <a:cs typeface="Times New Roman" panose="02020603050405020304" pitchFamily="18" charset="0"/>
+                        </a:rPr>
+                        <a:t>ToArray</a:t>
+                      </a:r>
+                    </a:p>
+                  </a:txBody>
+                  <a:tcPr marL="19461" marR="19461" marT="9731" marB="9731">
+                    <a:lnL w="7620" cap="flat" cmpd="sng" algn="ctr">
+                      <a:solidFill>
+                        <a:srgbClr val="DFDFDF"/>
+                      </a:solidFill>
+                      <a:prstDash val="solid"/>
+                      <a:round/>
+                      <a:headEnd type="none" w="med" len="med"/>
+                      <a:tailEnd type="none" w="med" len="med"/>
+                    </a:lnL>
+                    <a:lnR w="7620" cap="flat" cmpd="sng" algn="ctr">
+                      <a:solidFill>
+                        <a:srgbClr val="DFDFDF"/>
+                      </a:solidFill>
+                      <a:prstDash val="solid"/>
+                      <a:round/>
+                      <a:headEnd type="none" w="med" len="med"/>
+                      <a:tailEnd type="none" w="med" len="med"/>
+                    </a:lnR>
+                    <a:lnT w="7620" cap="flat" cmpd="sng" algn="ctr">
+                      <a:solidFill>
+                        <a:srgbClr val="DFDFDF"/>
+                      </a:solidFill>
+                      <a:prstDash val="solid"/>
+                      <a:round/>
+                      <a:headEnd type="none" w="med" len="med"/>
+                      <a:tailEnd type="none" w="med" len="med"/>
+                    </a:lnT>
+                    <a:lnB w="7620" cap="flat" cmpd="sng" algn="ctr">
+                      <a:solidFill>
+                        <a:srgbClr val="DFDFDF"/>
+                      </a:solidFill>
+                      <a:prstDash val="solid"/>
+                      <a:round/>
+                      <a:headEnd type="none" w="med" len="med"/>
+                      <a:tailEnd type="none" w="med" len="med"/>
+                    </a:lnB>
+                    <a:solidFill>
+                      <a:srgbClr val="F9F9F9"/>
+                    </a:solidFill>
+                  </a:tcPr>
+                </a:tc>
+                <a:tc>
+                  <a:txBody>
+                    <a:bodyPr/>
+                    <a:lstStyle/>
+                    <a:p>
+                      <a:pPr fontAlgn="t"/>
+                      <a:r>
+                        <a:rPr lang="en-US" sz="1200" dirty="0">
+                          <a:solidFill>
+                            <a:srgbClr val="414141"/>
+                          </a:solidFill>
+                          <a:effectLst/>
+                          <a:latin typeface="Times New Roman" panose="02020603050405020304" pitchFamily="18" charset="0"/>
+                          <a:cs typeface="Times New Roman" panose="02020603050405020304" pitchFamily="18" charset="0"/>
+                        </a:rPr>
+                        <a:t>Returns </a:t>
+                      </a:r>
+                      <a:r>
+                        <a:rPr lang="en-US" sz="1200" dirty="0" err="1">
+                          <a:solidFill>
+                            <a:srgbClr val="414141"/>
+                          </a:solidFill>
+                          <a:effectLst/>
+                          <a:latin typeface="Times New Roman" panose="02020603050405020304" pitchFamily="18" charset="0"/>
+                          <a:cs typeface="Times New Roman" panose="02020603050405020304" pitchFamily="18" charset="0"/>
+                        </a:rPr>
+                        <a:t>compitible</a:t>
+                      </a:r>
+                      <a:r>
+                        <a:rPr lang="en-US" sz="1200" dirty="0">
+                          <a:solidFill>
+                            <a:srgbClr val="414141"/>
+                          </a:solidFill>
+                          <a:effectLst/>
+                          <a:latin typeface="Times New Roman" panose="02020603050405020304" pitchFamily="18" charset="0"/>
+                          <a:cs typeface="Times New Roman" panose="02020603050405020304" pitchFamily="18" charset="0"/>
+                        </a:rPr>
+                        <a:t> array from an </a:t>
+                      </a:r>
+                      <a:r>
+                        <a:rPr lang="en-US" sz="1200" dirty="0" err="1">
+                          <a:solidFill>
+                            <a:srgbClr val="414141"/>
+                          </a:solidFill>
+                          <a:effectLst/>
+                          <a:latin typeface="Times New Roman" panose="02020603050405020304" pitchFamily="18" charset="0"/>
+                          <a:cs typeface="Times New Roman" panose="02020603050405020304" pitchFamily="18" charset="0"/>
+                        </a:rPr>
+                        <a:t>ArrayList</a:t>
+                      </a:r>
+                      <a:r>
+                        <a:rPr lang="en-US" sz="1200" dirty="0">
+                          <a:solidFill>
+                            <a:srgbClr val="414141"/>
+                          </a:solidFill>
+                          <a:effectLst/>
+                          <a:latin typeface="Times New Roman" panose="02020603050405020304" pitchFamily="18" charset="0"/>
+                          <a:cs typeface="Times New Roman" panose="02020603050405020304" pitchFamily="18" charset="0"/>
+                        </a:rPr>
+                        <a:t>.</a:t>
+                      </a:r>
+                    </a:p>
+                  </a:txBody>
+                  <a:tcPr marL="19461" marR="19461" marT="9731" marB="9731">
+                    <a:lnL w="7620" cap="flat" cmpd="sng" algn="ctr">
+                      <a:solidFill>
+                        <a:srgbClr val="DFDFDF"/>
+                      </a:solidFill>
+                      <a:prstDash val="solid"/>
+                      <a:round/>
+                      <a:headEnd type="none" w="med" len="med"/>
+                      <a:tailEnd type="none" w="med" len="med"/>
+                    </a:lnL>
+                    <a:lnR w="7620" cap="flat" cmpd="sng" algn="ctr">
+                      <a:solidFill>
+                        <a:srgbClr val="DFDFDF"/>
+                      </a:solidFill>
+                      <a:prstDash val="solid"/>
+                      <a:round/>
+                      <a:headEnd type="none" w="med" len="med"/>
+                      <a:tailEnd type="none" w="med" len="med"/>
+                    </a:lnR>
+                    <a:lnT w="7620" cap="flat" cmpd="sng" algn="ctr">
+                      <a:solidFill>
+                        <a:srgbClr val="DFDFDF"/>
+                      </a:solidFill>
+                      <a:prstDash val="solid"/>
+                      <a:round/>
+                      <a:headEnd type="none" w="med" len="med"/>
+                      <a:tailEnd type="none" w="med" len="med"/>
+                    </a:lnT>
+                    <a:lnB w="7620" cap="flat" cmpd="sng" algn="ctr">
+                      <a:solidFill>
+                        <a:srgbClr val="DFDFDF"/>
+                      </a:solidFill>
+                      <a:prstDash val="solid"/>
+                      <a:round/>
+                      <a:headEnd type="none" w="med" len="med"/>
+                      <a:tailEnd type="none" w="med" len="med"/>
+                    </a:lnB>
+                    <a:solidFill>
+                      <a:srgbClr val="F9F9F9"/>
+                    </a:solidFill>
+                  </a:tcPr>
+                </a:tc>
+                <a:extLst>
+                  <a:ext uri="{0D108BD9-81ED-4DB2-BD59-A6C34878D82A}">
+                    <a16:rowId xmlns:a16="http://schemas.microsoft.com/office/drawing/2014/main" val="2476221136"/>
+                  </a:ext>
+                </a:extLst>
+              </a:tr>
+            </a:tbl>
+          </a:graphicData>
+        </a:graphic>
+      </p:graphicFrame>
+    </p:spTree>
+    <p:extLst>
+      <p:ext uri="{BB962C8B-B14F-4D97-AF65-F5344CB8AC3E}">
+        <p14:creationId xmlns:p14="http://schemas.microsoft.com/office/powerpoint/2010/main" val="1902037461"/>
+      </p:ext>
+    </p:extLst>
+  </p:cSld>
+  <p:clrMapOvr>
+    <a:masterClrMapping/>
+  </p:clrMapOvr>
+</p:sld>
+</file>
+
+<file path=ppt/slides/slide28.xml><?xml version="1.0" encoding="utf-8"?>
+<p:sld xmlns:a="http://schemas.openxmlformats.org/drawingml/2006/main" xmlns:r="http://schemas.openxmlformats.org/officeDocument/2006/relationships" xmlns:p="http://schemas.openxmlformats.org/presentationml/2006/main">
+  <p:cSld>
+    <p:spTree>
+      <p:nvGrpSpPr>
+        <p:cNvPr id="1" name=""/>
+        <p:cNvGrpSpPr/>
+        <p:nvPr/>
+      </p:nvGrpSpPr>
+      <p:grpSpPr>
+        <a:xfrm>
+          <a:off x="0" y="0"/>
+          <a:ext cx="0" cy="0"/>
+          <a:chOff x="0" y="0"/>
+          <a:chExt cx="0" cy="0"/>
+        </a:xfrm>
+      </p:grpSpPr>
+      <p:sp>
+        <p:nvSpPr>
+          <p:cNvPr id="2" name="Title 1">
+            <a:extLst>
+              <a:ext uri="{FF2B5EF4-FFF2-40B4-BE49-F238E27FC236}">
                 <a16:creationId xmlns:a16="http://schemas.microsoft.com/office/drawing/2014/main" id="{D37B05E6-41F9-46F0-AB65-ED42147DDAF4}"/>
               </a:ext>
             </a:extLst>
@@ -9269,7 +13808,7 @@
 </p:sld>
 </file>
 
-<file path=ppt/slides/slide24.xml><?xml version="1.0" encoding="utf-8"?>
+<file path=ppt/slides/slide29.xml><?xml version="1.0" encoding="utf-8"?>
 <p:sld xmlns:a="http://schemas.openxmlformats.org/drawingml/2006/main" xmlns:r="http://schemas.openxmlformats.org/officeDocument/2006/relationships" xmlns:p="http://schemas.openxmlformats.org/presentationml/2006/main">
   <p:cSld>
     <p:spTree>
@@ -9721,6 +14260,111 @@
     <p:extLst>
       <p:ext uri="{BB962C8B-B14F-4D97-AF65-F5344CB8AC3E}">
         <p14:creationId xmlns:p14="http://schemas.microsoft.com/office/powerpoint/2010/main" val="4173381107"/>
+      </p:ext>
+    </p:extLst>
+  </p:cSld>
+  <p:clrMapOvr>
+    <a:masterClrMapping/>
+  </p:clrMapOvr>
+</p:sld>
+</file>
+
+<file path=ppt/slides/slide30.xml><?xml version="1.0" encoding="utf-8"?>
+<p:sld xmlns:a="http://schemas.openxmlformats.org/drawingml/2006/main" xmlns:r="http://schemas.openxmlformats.org/officeDocument/2006/relationships" xmlns:p="http://schemas.openxmlformats.org/presentationml/2006/main">
+  <p:cSld>
+    <p:spTree>
+      <p:nvGrpSpPr>
+        <p:cNvPr id="1" name=""/>
+        <p:cNvGrpSpPr/>
+        <p:nvPr/>
+      </p:nvGrpSpPr>
+      <p:grpSpPr>
+        <a:xfrm>
+          <a:off x="0" y="0"/>
+          <a:ext cx="0" cy="0"/>
+          <a:chOff x="0" y="0"/>
+          <a:chExt cx="0" cy="0"/>
+        </a:xfrm>
+      </p:grpSpPr>
+      <p:sp>
+        <p:nvSpPr>
+          <p:cNvPr id="2" name="Title 1">
+            <a:extLst>
+              <a:ext uri="{FF2B5EF4-FFF2-40B4-BE49-F238E27FC236}">
+                <a16:creationId xmlns:a16="http://schemas.microsoft.com/office/drawing/2014/main" id="{517CE1EC-A877-49CE-8825-4A1132CDF752}"/>
+              </a:ext>
+            </a:extLst>
+          </p:cNvPr>
+          <p:cNvSpPr>
+            <a:spLocks noGrp="1"/>
+          </p:cNvSpPr>
+          <p:nvPr>
+            <p:ph type="title"/>
+          </p:nvPr>
+        </p:nvSpPr>
+        <p:spPr/>
+        <p:txBody>
+          <a:bodyPr>
+            <a:normAutofit/>
+          </a:bodyPr>
+          <a:lstStyle/>
+          <a:p>
+            <a:r>
+              <a:rPr lang="en-US" sz="4400" dirty="0" err="1">
+                <a:latin typeface="Times New Roman" panose="02020603050405020304" pitchFamily="18" charset="0"/>
+                <a:cs typeface="Times New Roman" panose="02020603050405020304" pitchFamily="18" charset="0"/>
+              </a:rPr>
+              <a:t>Inheritence</a:t>
+            </a:r>
+            <a:r>
+              <a:rPr lang="en-US" sz="4400" dirty="0">
+                <a:latin typeface="Times New Roman" panose="02020603050405020304" pitchFamily="18" charset="0"/>
+                <a:cs typeface="Times New Roman" panose="02020603050405020304" pitchFamily="18" charset="0"/>
+              </a:rPr>
+              <a:t> in C# :</a:t>
+            </a:r>
+            <a:endParaRPr lang="en-IN" sz="4400" dirty="0">
+              <a:latin typeface="Times New Roman" panose="02020603050405020304" pitchFamily="18" charset="0"/>
+              <a:cs typeface="Times New Roman" panose="02020603050405020304" pitchFamily="18" charset="0"/>
+            </a:endParaRPr>
+          </a:p>
+        </p:txBody>
+      </p:sp>
+      <p:sp>
+        <p:nvSpPr>
+          <p:cNvPr id="3" name="Content Placeholder 2">
+            <a:extLst>
+              <a:ext uri="{FF2B5EF4-FFF2-40B4-BE49-F238E27FC236}">
+                <a16:creationId xmlns:a16="http://schemas.microsoft.com/office/drawing/2014/main" id="{30FBF6C6-E279-4558-BE55-A2AF14145EA0}"/>
+              </a:ext>
+            </a:extLst>
+          </p:cNvPr>
+          <p:cNvSpPr>
+            <a:spLocks noGrp="1"/>
+          </p:cNvSpPr>
+          <p:nvPr>
+            <p:ph idx="1"/>
+          </p:nvPr>
+        </p:nvSpPr>
+        <p:spPr/>
+        <p:txBody>
+          <a:bodyPr/>
+          <a:lstStyle/>
+          <a:p>
+            <a:r>
+              <a:rPr lang="en-US"/>
+              <a:t>Its a mechanism of consuming the members of one class in another class by establishing parent/child relationship between classes. </a:t>
+            </a:r>
+          </a:p>
+          <a:p>
+            <a:endParaRPr lang="en-IN"/>
+          </a:p>
+        </p:txBody>
+      </p:sp>
+    </p:spTree>
+    <p:extLst>
+      <p:ext uri="{BB962C8B-B14F-4D97-AF65-F5344CB8AC3E}">
+        <p14:creationId xmlns:p14="http://schemas.microsoft.com/office/powerpoint/2010/main" val="664143939"/>
       </p:ext>
     </p:extLst>
   </p:cSld>

--- a/PPTs/Programming in C#.pptx
+++ b/PPTs/Programming in C#.pptx
@@ -603,7 +603,7 @@
           <a:p>
             <a:fld id="{3BAF6DA2-D763-407B-B44A-1AAD4DA45E00}" type="datetimeFigureOut">
               <a:rPr lang="en-IN" smtClean="0"/>
-              <a:t>24-05-2021</a:t>
+              <a:t>26-05-2021</a:t>
             </a:fld>
             <a:endParaRPr lang="en-IN"/>
           </a:p>
@@ -805,7 +805,7 @@
           <a:p>
             <a:fld id="{3BAF6DA2-D763-407B-B44A-1AAD4DA45E00}" type="datetimeFigureOut">
               <a:rPr lang="en-IN" smtClean="0"/>
-              <a:t>24-05-2021</a:t>
+              <a:t>26-05-2021</a:t>
             </a:fld>
             <a:endParaRPr lang="en-IN"/>
           </a:p>
@@ -985,7 +985,7 @@
           <a:p>
             <a:fld id="{3BAF6DA2-D763-407B-B44A-1AAD4DA45E00}" type="datetimeFigureOut">
               <a:rPr lang="en-IN" smtClean="0"/>
-              <a:t>24-05-2021</a:t>
+              <a:t>26-05-2021</a:t>
             </a:fld>
             <a:endParaRPr lang="en-IN"/>
           </a:p>
@@ -1155,7 +1155,7 @@
           <a:p>
             <a:fld id="{3BAF6DA2-D763-407B-B44A-1AAD4DA45E00}" type="datetimeFigureOut">
               <a:rPr lang="en-IN" smtClean="0"/>
-              <a:t>24-05-2021</a:t>
+              <a:t>26-05-2021</a:t>
             </a:fld>
             <a:endParaRPr lang="en-IN"/>
           </a:p>
@@ -1726,7 +1726,7 @@
           <a:p>
             <a:fld id="{3BAF6DA2-D763-407B-B44A-1AAD4DA45E00}" type="datetimeFigureOut">
               <a:rPr lang="en-IN" smtClean="0"/>
-              <a:t>24-05-2021</a:t>
+              <a:t>26-05-2021</a:t>
             </a:fld>
             <a:endParaRPr lang="en-IN"/>
           </a:p>
@@ -2028,7 +2028,7 @@
           <a:p>
             <a:fld id="{3BAF6DA2-D763-407B-B44A-1AAD4DA45E00}" type="datetimeFigureOut">
               <a:rPr lang="en-IN" smtClean="0"/>
-              <a:t>24-05-2021</a:t>
+              <a:t>26-05-2021</a:t>
             </a:fld>
             <a:endParaRPr lang="en-IN"/>
           </a:p>
@@ -2465,7 +2465,7 @@
           <a:p>
             <a:fld id="{3BAF6DA2-D763-407B-B44A-1AAD4DA45E00}" type="datetimeFigureOut">
               <a:rPr lang="en-IN" smtClean="0"/>
-              <a:t>24-05-2021</a:t>
+              <a:t>26-05-2021</a:t>
             </a:fld>
             <a:endParaRPr lang="en-IN"/>
           </a:p>
@@ -2583,7 +2583,7 @@
           <a:p>
             <a:fld id="{3BAF6DA2-D763-407B-B44A-1AAD4DA45E00}" type="datetimeFigureOut">
               <a:rPr lang="en-IN" smtClean="0"/>
-              <a:t>24-05-2021</a:t>
+              <a:t>26-05-2021</a:t>
             </a:fld>
             <a:endParaRPr lang="en-IN"/>
           </a:p>
@@ -2678,7 +2678,7 @@
           <a:p>
             <a:fld id="{3BAF6DA2-D763-407B-B44A-1AAD4DA45E00}" type="datetimeFigureOut">
               <a:rPr lang="en-IN" smtClean="0"/>
-              <a:t>24-05-2021</a:t>
+              <a:t>26-05-2021</a:t>
             </a:fld>
             <a:endParaRPr lang="en-IN"/>
           </a:p>
@@ -3060,7 +3060,7 @@
           <a:p>
             <a:fld id="{3BAF6DA2-D763-407B-B44A-1AAD4DA45E00}" type="datetimeFigureOut">
               <a:rPr lang="en-IN" smtClean="0"/>
-              <a:t>24-05-2021</a:t>
+              <a:t>26-05-2021</a:t>
             </a:fld>
             <a:endParaRPr lang="en-IN"/>
           </a:p>
@@ -3454,7 +3454,7 @@
           <a:p>
             <a:fld id="{3BAF6DA2-D763-407B-B44A-1AAD4DA45E00}" type="datetimeFigureOut">
               <a:rPr lang="en-IN" smtClean="0"/>
-              <a:t>24-05-2021</a:t>
+              <a:t>26-05-2021</a:t>
             </a:fld>
             <a:endParaRPr lang="en-IN"/>
           </a:p>
@@ -3767,7 +3767,7 @@
           <a:p>
             <a:fld id="{3BAF6DA2-D763-407B-B44A-1AAD4DA45E00}" type="datetimeFigureOut">
               <a:rPr lang="en-IN" smtClean="0"/>
-              <a:t>24-05-2021</a:t>
+              <a:t>26-05-2021</a:t>
             </a:fld>
             <a:endParaRPr lang="en-IN"/>
           </a:p>
@@ -10212,21 +10212,21 @@
             <p:ph idx="1"/>
             <p:extLst>
               <p:ext uri="{D42A27DB-BD31-4B8C-83A1-F6EECF244321}">
-                <p14:modId xmlns:p14="http://schemas.microsoft.com/office/powerpoint/2010/main" val="431625349"/>
+                <p14:modId xmlns:p14="http://schemas.microsoft.com/office/powerpoint/2010/main" val="2508887671"/>
               </p:ext>
             </p:extLst>
           </p:nvPr>
         </p:nvGraphicFramePr>
         <p:xfrm>
-          <a:off x="1121351" y="2310063"/>
-          <a:ext cx="9949298" cy="3725614"/>
+          <a:off x="1127464" y="2310063"/>
+          <a:ext cx="9943185" cy="3009030"/>
         </p:xfrm>
         <a:graphic>
           <a:graphicData uri="http://schemas.openxmlformats.org/drawingml/2006/table">
             <a:tbl>
               <a:tblPr firstRow="1" bandRow="1"/>
               <a:tblGrid>
-                <a:gridCol w="4354929">
+                <a:gridCol w="4348816">
                   <a:extLst>
                     <a:ext uri="{9D8B030D-6E8A-4147-A177-3AD203B41FA5}">
                       <a16:colId xmlns:a16="http://schemas.microsoft.com/office/drawing/2014/main" val="2566589166"/>
@@ -10378,136 +10378,7 @@
                     <a:p>
                       <a:pPr fontAlgn="t"/>
                       <a:r>
-                        <a:rPr lang="en-IN" sz="1900">
-                          <a:solidFill>
-                            <a:srgbClr val="414141"/>
-                          </a:solidFill>
-                          <a:effectLst/>
-                          <a:latin typeface="Times New Roman" panose="02020603050405020304" pitchFamily="18" charset="0"/>
-                          <a:cs typeface="Times New Roman" panose="02020603050405020304" pitchFamily="18" charset="0"/>
-                        </a:rPr>
-                        <a:t>Capacity</a:t>
-                      </a:r>
-                    </a:p>
-                  </a:txBody>
-                  <a:tcPr marL="96782" marR="96782" marT="48390" marB="48390">
-                    <a:lnL w="7620" cap="flat" cmpd="sng" algn="ctr">
-                      <a:solidFill>
-                        <a:srgbClr val="DFDFDF"/>
-                      </a:solidFill>
-                      <a:prstDash val="solid"/>
-                      <a:round/>
-                      <a:headEnd type="none" w="med" len="med"/>
-                      <a:tailEnd type="none" w="med" len="med"/>
-                    </a:lnL>
-                    <a:lnR w="7620" cap="flat" cmpd="sng" algn="ctr">
-                      <a:solidFill>
-                        <a:srgbClr val="DFDFDF"/>
-                      </a:solidFill>
-                      <a:prstDash val="solid"/>
-                      <a:round/>
-                      <a:headEnd type="none" w="med" len="med"/>
-                      <a:tailEnd type="none" w="med" len="med"/>
-                    </a:lnR>
-                    <a:lnT w="7620" cap="flat" cmpd="sng" algn="ctr">
-                      <a:solidFill>
-                        <a:srgbClr val="DFDFDF"/>
-                      </a:solidFill>
-                      <a:prstDash val="solid"/>
-                      <a:round/>
-                      <a:headEnd type="none" w="med" len="med"/>
-                      <a:tailEnd type="none" w="med" len="med"/>
-                    </a:lnT>
-                    <a:lnB w="7620" cap="flat" cmpd="sng" algn="ctr">
-                      <a:solidFill>
-                        <a:srgbClr val="DFDFDF"/>
-                      </a:solidFill>
-                      <a:prstDash val="solid"/>
-                      <a:round/>
-                      <a:headEnd type="none" w="med" len="med"/>
-                      <a:tailEnd type="none" w="med" len="med"/>
-                    </a:lnB>
-                    <a:solidFill>
-                      <a:srgbClr val="FFFFFF"/>
-                    </a:solidFill>
-                  </a:tcPr>
-                </a:tc>
-                <a:tc>
-                  <a:txBody>
-                    <a:bodyPr/>
-                    <a:lstStyle/>
-                    <a:p>
-                      <a:pPr fontAlgn="t"/>
-                      <a:r>
-                        <a:rPr lang="en-US" sz="1900">
-                          <a:solidFill>
-                            <a:srgbClr val="414141"/>
-                          </a:solidFill>
-                          <a:effectLst/>
-                          <a:latin typeface="Times New Roman" panose="02020603050405020304" pitchFamily="18" charset="0"/>
-                          <a:cs typeface="Times New Roman" panose="02020603050405020304" pitchFamily="18" charset="0"/>
-                        </a:rPr>
-                        <a:t>Gets or sets the number of elements that the ArrayList can contain.</a:t>
-                      </a:r>
-                    </a:p>
-                  </a:txBody>
-                  <a:tcPr marL="96782" marR="96782" marT="48390" marB="48390">
-                    <a:lnL w="7620" cap="flat" cmpd="sng" algn="ctr">
-                      <a:solidFill>
-                        <a:srgbClr val="DFDFDF"/>
-                      </a:solidFill>
-                      <a:prstDash val="solid"/>
-                      <a:round/>
-                      <a:headEnd type="none" w="med" len="med"/>
-                      <a:tailEnd type="none" w="med" len="med"/>
-                    </a:lnL>
-                    <a:lnR w="7620" cap="flat" cmpd="sng" algn="ctr">
-                      <a:solidFill>
-                        <a:srgbClr val="DFDFDF"/>
-                      </a:solidFill>
-                      <a:prstDash val="solid"/>
-                      <a:round/>
-                      <a:headEnd type="none" w="med" len="med"/>
-                      <a:tailEnd type="none" w="med" len="med"/>
-                    </a:lnR>
-                    <a:lnT w="7620" cap="flat" cmpd="sng" algn="ctr">
-                      <a:solidFill>
-                        <a:srgbClr val="DFDFDF"/>
-                      </a:solidFill>
-                      <a:prstDash val="solid"/>
-                      <a:round/>
-                      <a:headEnd type="none" w="med" len="med"/>
-                      <a:tailEnd type="none" w="med" len="med"/>
-                    </a:lnT>
-                    <a:lnB w="7620" cap="flat" cmpd="sng" algn="ctr">
-                      <a:solidFill>
-                        <a:srgbClr val="DFDFDF"/>
-                      </a:solidFill>
-                      <a:prstDash val="solid"/>
-                      <a:round/>
-                      <a:headEnd type="none" w="med" len="med"/>
-                      <a:tailEnd type="none" w="med" len="med"/>
-                    </a:lnB>
-                    <a:solidFill>
-                      <a:srgbClr val="FFFFFF"/>
-                    </a:solidFill>
-                  </a:tcPr>
-                </a:tc>
-                <a:extLst>
-                  <a:ext uri="{0D108BD9-81ED-4DB2-BD59-A6C34878D82A}">
-                    <a16:rowId xmlns:a16="http://schemas.microsoft.com/office/drawing/2014/main" val="128503902"/>
-                  </a:ext>
-                </a:extLst>
-              </a:tr>
-              <a:tr h="716584">
-                <a:tc>
-                  <a:txBody>
-                    <a:bodyPr/>
-                    <a:lstStyle/>
-                    <a:p>
-                      <a:pPr fontAlgn="t"/>
-                      <a:r>
-                        <a:rPr lang="en-IN" sz="1900">
+                        <a:rPr lang="en-IN" sz="1900" dirty="0">
                           <a:solidFill>
                             <a:srgbClr val="414141"/>
                           </a:solidFill>
@@ -10568,7 +10439,7 @@
                     <a:p>
                       <a:pPr fontAlgn="t"/>
                       <a:r>
-                        <a:rPr lang="en-US" sz="1900">
+                        <a:rPr lang="en-US" sz="1900" dirty="0">
                           <a:solidFill>
                             <a:srgbClr val="414141"/>
                           </a:solidFill>
@@ -10576,7 +10447,29 @@
                           <a:latin typeface="Times New Roman" panose="02020603050405020304" pitchFamily="18" charset="0"/>
                           <a:cs typeface="Times New Roman" panose="02020603050405020304" pitchFamily="18" charset="0"/>
                         </a:rPr>
-                        <a:t>Gets the number of elements actually contained in the ArrayList.</a:t>
+                        <a:t>Gets the number of elements actually contained in the </a:t>
+                      </a:r>
+                      <a:r>
+                        <a:rPr lang="en-US" sz="1900" dirty="0" err="1">
+                          <a:solidFill>
+                            <a:srgbClr val="414141"/>
+                          </a:solidFill>
+                          <a:effectLst/>
+                          <a:latin typeface="Times New Roman" panose="02020603050405020304" pitchFamily="18" charset="0"/>
+                          <a:cs typeface="Times New Roman" panose="02020603050405020304" pitchFamily="18" charset="0"/>
+                        </a:rPr>
+                        <a:t>ArrayList</a:t>
+                      </a:r>
+                      <a:r>
+                        <a:rPr lang="en-US" sz="1900" dirty="0">
+                          <a:solidFill>
+                            <a:srgbClr val="414141"/>
+                          </a:solidFill>
+                          <a:effectLst/>
+                          <a:latin typeface="Times New Roman" panose="02020603050405020304" pitchFamily="18" charset="0"/>
+                          <a:cs typeface="Times New Roman" panose="02020603050405020304" pitchFamily="18" charset="0"/>
+                        </a:rPr>
+                        <a:t>.</a:t>
                       </a:r>
                     </a:p>
                   </a:txBody>
@@ -10894,7 +10787,7 @@
                     <a:p>
                       <a:pPr fontAlgn="t"/>
                       <a:r>
-                        <a:rPr lang="en-IN" sz="1900">
+                        <a:rPr lang="en-IN" sz="1900" dirty="0">
                           <a:solidFill>
                             <a:srgbClr val="414141"/>
                           </a:solidFill>
